--- a/Slides/Week 1 - Part 2 - Page layout.pptx
+++ b/Slides/Week 1 - Part 2 - Page layout.pptx
@@ -21,10 +21,7 @@
     <p:sldId id="264" r:id="rId18"/>
     <p:sldId id="288" r:id="rId19"/>
     <p:sldId id="265" r:id="rId20"/>
-    <p:sldId id="266" r:id="rId21"/>
-    <p:sldId id="289" r:id="rId22"/>
-    <p:sldId id="269" r:id="rId23"/>
-    <p:sldId id="280" r:id="rId24"/>
+    <p:sldId id="280" r:id="rId21"/>
   </p:sldIdLst>
   <p:sldSz cx="12192000" cy="6858000"/>
   <p:notesSz cx="6858000" cy="9144000"/>
@@ -4175,643 +4172,24 @@
           <a:chExt cx="0" cy="0"/>
         </a:xfrm>
       </p:grpSpPr>
-      <p:sp>
-        <p:nvSpPr>
-          <p:cNvPr id="2" name="Title 1"/>
-          <p:cNvSpPr>
-            <a:spLocks noGrp="1"/>
-          </p:cNvSpPr>
-          <p:nvPr>
-            <p:ph type="title"/>
-          </p:nvPr>
-        </p:nvSpPr>
-        <p:spPr/>
-        <p:txBody>
-          <a:bodyPr/>
-          <a:lstStyle/>
-          <a:p>
-            <a:r>
-              <a:rPr lang="en-US" dirty="0" smtClean="0"/>
-              <a:t>Controlling Visibility</a:t>
-            </a:r>
-            <a:endParaRPr lang="en-US" dirty="0"/>
-          </a:p>
-        </p:txBody>
-      </p:sp>
-      <p:sp>
-        <p:nvSpPr>
-          <p:cNvPr id="3" name="Content Placeholder 2"/>
-          <p:cNvSpPr>
-            <a:spLocks noGrp="1"/>
-          </p:cNvSpPr>
-          <p:nvPr>
-            <p:ph sz="quarter" idx="10"/>
-          </p:nvPr>
-        </p:nvSpPr>
-        <p:spPr/>
-        <p:txBody>
-          <a:bodyPr/>
-          <a:lstStyle/>
-          <a:p>
-            <a:r>
-              <a:rPr lang="en-US" dirty="0" smtClean="0"/>
-              <a:t>Options</a:t>
-            </a:r>
-          </a:p>
-          <a:p>
-            <a:pPr lvl="1"/>
-            <a:r>
-              <a:rPr lang="en-US" dirty="0" smtClean="0"/>
-              <a:t>Hidden</a:t>
-            </a:r>
-          </a:p>
-          <a:p>
-            <a:pPr lvl="2"/>
-            <a:r>
-              <a:rPr lang="en-US" dirty="0" smtClean="0"/>
-              <a:t>Visible by default</a:t>
-            </a:r>
-          </a:p>
-          <a:p>
-            <a:pPr lvl="1"/>
-            <a:r>
-              <a:rPr lang="en-US" dirty="0" smtClean="0"/>
-              <a:t>Visible</a:t>
-            </a:r>
-          </a:p>
-          <a:p>
-            <a:pPr lvl="2"/>
-            <a:r>
-              <a:rPr lang="en-US" dirty="0" smtClean="0"/>
-              <a:t>Hidden by default</a:t>
-            </a:r>
-          </a:p>
-          <a:p>
-            <a:r>
-              <a:rPr lang="en-US" dirty="0" smtClean="0"/>
-              <a:t>Modes</a:t>
-            </a:r>
-          </a:p>
-          <a:p>
-            <a:pPr lvl="1"/>
-            <a:r>
-              <a:rPr lang="en-US" dirty="0" smtClean="0"/>
-              <a:t>Screen size</a:t>
-            </a:r>
-          </a:p>
-          <a:p>
-            <a:pPr lvl="1"/>
-            <a:r>
-              <a:rPr lang="en-US" dirty="0" smtClean="0"/>
-              <a:t>Print</a:t>
-            </a:r>
-            <a:endParaRPr lang="en-US" dirty="0"/>
-          </a:p>
-        </p:txBody>
-      </p:sp>
     </p:spTree>
     <p:extLst>
       <p:ext uri="{BB962C8B-B14F-4D97-AF65-F5344CB8AC3E}">
-        <p14:creationId xmlns:p14="http://schemas.microsoft.com/office/powerpoint/2010/main" val="3786527504"/>
+        <p14:creationId xmlns:p14="http://schemas.microsoft.com/office/powerpoint/2010/main" val="4096507743"/>
       </p:ext>
     </p:extLst>
   </p:cSld>
   <p:clrMapOvr>
     <a:masterClrMapping/>
   </p:clrMapOvr>
-  <p:timing>
-    <p:tnLst>
-      <p:par>
-        <p:cTn id="1" dur="indefinite" restart="never" nodeType="tmRoot"/>
-      </p:par>
-    </p:tnLst>
-  </p:timing>
-</p:sld>
-</file>
-
-<file path=ppt/slides/slide18.xml><?xml version="1.0" encoding="utf-8"?>
-<p:sld xmlns:a="http://schemas.openxmlformats.org/drawingml/2006/main" xmlns:r="http://schemas.openxmlformats.org/officeDocument/2006/relationships" xmlns:p="http://schemas.openxmlformats.org/presentationml/2006/main">
-  <p:cSld>
-    <p:spTree>
-      <p:nvGrpSpPr>
-        <p:cNvPr id="1" name=""/>
-        <p:cNvGrpSpPr/>
-        <p:nvPr/>
-      </p:nvGrpSpPr>
-      <p:grpSpPr>
-        <a:xfrm>
-          <a:off x="0" y="0"/>
-          <a:ext cx="0" cy="0"/>
-          <a:chOff x="0" y="0"/>
-          <a:chExt cx="0" cy="0"/>
-        </a:xfrm>
-      </p:grpSpPr>
-      <p:sp>
-        <p:nvSpPr>
-          <p:cNvPr id="2" name="Title 1"/>
-          <p:cNvSpPr>
-            <a:spLocks noGrp="1"/>
-          </p:cNvSpPr>
-          <p:nvPr>
-            <p:ph type="title"/>
-          </p:nvPr>
-        </p:nvSpPr>
-        <p:spPr/>
-        <p:txBody>
-          <a:bodyPr/>
-          <a:lstStyle/>
-          <a:p>
-            <a:r>
-              <a:rPr lang="en-US" dirty="0" smtClean="0"/>
-              <a:t>Site Design</a:t>
-            </a:r>
-            <a:endParaRPr lang="en-US" dirty="0"/>
-          </a:p>
-        </p:txBody>
-      </p:sp>
-      <p:sp>
-        <p:nvSpPr>
-          <p:cNvPr id="4" name="Rectangle 3"/>
-          <p:cNvSpPr/>
-          <p:nvPr/>
-        </p:nvSpPr>
-        <p:spPr>
-          <a:xfrm>
-            <a:off x="379514" y="1245702"/>
-            <a:ext cx="11401154" cy="5057444"/>
-          </a:xfrm>
-          <a:prstGeom prst="rect">
-            <a:avLst/>
-          </a:prstGeom>
-        </p:spPr>
-        <p:style>
-          <a:lnRef idx="2">
-            <a:schemeClr val="accent5"/>
-          </a:lnRef>
-          <a:fillRef idx="1">
-            <a:schemeClr val="lt1"/>
-          </a:fillRef>
-          <a:effectRef idx="0">
-            <a:schemeClr val="accent5"/>
-          </a:effectRef>
-          <a:fontRef idx="minor">
-            <a:schemeClr val="dk1"/>
-          </a:fontRef>
-        </p:style>
-        <p:txBody>
-          <a:bodyPr rtlCol="0" anchor="ctr"/>
-          <a:lstStyle/>
-          <a:p>
-            <a:pPr algn="ctr"/>
-            <a:endParaRPr lang="en-US"/>
-          </a:p>
-        </p:txBody>
-      </p:sp>
-      <p:sp>
-        <p:nvSpPr>
-          <p:cNvPr id="5" name="Rounded Rectangle 4"/>
-          <p:cNvSpPr/>
-          <p:nvPr/>
-        </p:nvSpPr>
-        <p:spPr>
-          <a:xfrm>
-            <a:off x="772357" y="1518082"/>
-            <a:ext cx="10422385" cy="941033"/>
-          </a:xfrm>
-          <a:prstGeom prst="roundRect">
-            <a:avLst/>
-          </a:prstGeom>
-        </p:spPr>
-        <p:style>
-          <a:lnRef idx="1">
-            <a:schemeClr val="accent4"/>
-          </a:lnRef>
-          <a:fillRef idx="2">
-            <a:schemeClr val="accent4"/>
-          </a:fillRef>
-          <a:effectRef idx="1">
-            <a:schemeClr val="accent4"/>
-          </a:effectRef>
-          <a:fontRef idx="minor">
-            <a:schemeClr val="dk1"/>
-          </a:fontRef>
-        </p:style>
-        <p:txBody>
-          <a:bodyPr rtlCol="0" anchor="ctr"/>
-          <a:lstStyle/>
-          <a:p>
-            <a:pPr algn="ctr"/>
-            <a:r>
-              <a:rPr lang="en-US" sz="3200" dirty="0" smtClean="0"/>
-              <a:t>Banner</a:t>
-            </a:r>
-            <a:endParaRPr lang="en-US" sz="3200" dirty="0"/>
-          </a:p>
-        </p:txBody>
-      </p:sp>
-      <p:sp>
-        <p:nvSpPr>
-          <p:cNvPr id="6" name="Rounded Rectangle 5"/>
-          <p:cNvSpPr/>
-          <p:nvPr/>
-        </p:nvSpPr>
-        <p:spPr>
-          <a:xfrm>
-            <a:off x="772358" y="2581569"/>
-            <a:ext cx="1455938" cy="1138175"/>
-          </a:xfrm>
-          <a:prstGeom prst="roundRect">
-            <a:avLst/>
-          </a:prstGeom>
-        </p:spPr>
-        <p:style>
-          <a:lnRef idx="1">
-            <a:schemeClr val="accent3"/>
-          </a:lnRef>
-          <a:fillRef idx="2">
-            <a:schemeClr val="accent3"/>
-          </a:fillRef>
-          <a:effectRef idx="1">
-            <a:schemeClr val="accent3"/>
-          </a:effectRef>
-          <a:fontRef idx="minor">
-            <a:schemeClr val="dk1"/>
-          </a:fontRef>
-        </p:style>
-        <p:txBody>
-          <a:bodyPr rtlCol="0" anchor="ctr"/>
-          <a:lstStyle/>
-          <a:p>
-            <a:pPr algn="ctr"/>
-            <a:r>
-              <a:rPr lang="en-US" sz="2400" dirty="0" smtClean="0"/>
-              <a:t>Cover Art</a:t>
-            </a:r>
-            <a:endParaRPr lang="en-US" sz="2400" dirty="0"/>
-          </a:p>
-        </p:txBody>
-      </p:sp>
-      <p:sp>
-        <p:nvSpPr>
-          <p:cNvPr id="7" name="Rounded Rectangle 6"/>
-          <p:cNvSpPr/>
-          <p:nvPr/>
-        </p:nvSpPr>
-        <p:spPr>
-          <a:xfrm>
-            <a:off x="2621140" y="2581569"/>
-            <a:ext cx="8573602" cy="1138175"/>
-          </a:xfrm>
-          <a:prstGeom prst="roundRect">
-            <a:avLst/>
-          </a:prstGeom>
-        </p:spPr>
-        <p:style>
-          <a:lnRef idx="1">
-            <a:schemeClr val="accent3"/>
-          </a:lnRef>
-          <a:fillRef idx="2">
-            <a:schemeClr val="accent3"/>
-          </a:fillRef>
-          <a:effectRef idx="1">
-            <a:schemeClr val="accent3"/>
-          </a:effectRef>
-          <a:fontRef idx="minor">
-            <a:schemeClr val="dk1"/>
-          </a:fontRef>
-        </p:style>
-        <p:txBody>
-          <a:bodyPr rtlCol="0" anchor="ctr"/>
-          <a:lstStyle/>
-          <a:p>
-            <a:pPr algn="ctr"/>
-            <a:r>
-              <a:rPr lang="en-US" sz="2400" dirty="0" smtClean="0"/>
-              <a:t>Title</a:t>
-            </a:r>
-          </a:p>
-          <a:p>
-            <a:pPr algn="ctr"/>
-            <a:r>
-              <a:rPr lang="en-US" sz="2400" dirty="0" smtClean="0"/>
-              <a:t>Artist</a:t>
-            </a:r>
-          </a:p>
-          <a:p>
-            <a:pPr algn="ctr"/>
-            <a:r>
-              <a:rPr lang="en-US" sz="2400" dirty="0" smtClean="0"/>
-              <a:t>Bio</a:t>
-            </a:r>
-            <a:endParaRPr lang="en-US" sz="2400" dirty="0"/>
-          </a:p>
-        </p:txBody>
-      </p:sp>
-      <p:sp>
-        <p:nvSpPr>
-          <p:cNvPr id="8" name="Rounded Rectangle 7"/>
-          <p:cNvSpPr/>
-          <p:nvPr/>
-        </p:nvSpPr>
-        <p:spPr>
-          <a:xfrm>
-            <a:off x="4820575" y="3867526"/>
-            <a:ext cx="6374167" cy="2278956"/>
-          </a:xfrm>
-          <a:prstGeom prst="roundRect">
-            <a:avLst/>
-          </a:prstGeom>
-        </p:spPr>
-        <p:style>
-          <a:lnRef idx="1">
-            <a:schemeClr val="accent5"/>
-          </a:lnRef>
-          <a:fillRef idx="2">
-            <a:schemeClr val="accent5"/>
-          </a:fillRef>
-          <a:effectRef idx="1">
-            <a:schemeClr val="accent5"/>
-          </a:effectRef>
-          <a:fontRef idx="minor">
-            <a:schemeClr val="dk1"/>
-          </a:fontRef>
-        </p:style>
-        <p:txBody>
-          <a:bodyPr rtlCol="0" anchor="ctr"/>
-          <a:lstStyle/>
-          <a:p>
-            <a:pPr algn="ctr"/>
-            <a:endParaRPr lang="en-US" sz="2400" dirty="0"/>
-          </a:p>
-        </p:txBody>
-      </p:sp>
-      <p:sp>
-        <p:nvSpPr>
-          <p:cNvPr id="9" name="Rounded Rectangle 8"/>
-          <p:cNvSpPr/>
-          <p:nvPr/>
-        </p:nvSpPr>
-        <p:spPr>
-          <a:xfrm>
-            <a:off x="5154226" y="4026024"/>
-            <a:ext cx="3764132" cy="1970843"/>
-          </a:xfrm>
-          <a:prstGeom prst="roundRect">
-            <a:avLst/>
-          </a:prstGeom>
-        </p:spPr>
-        <p:style>
-          <a:lnRef idx="2">
-            <a:schemeClr val="accent5">
-              <a:shade val="50000"/>
-            </a:schemeClr>
-          </a:lnRef>
-          <a:fillRef idx="1">
-            <a:schemeClr val="accent5"/>
-          </a:fillRef>
-          <a:effectRef idx="0">
-            <a:schemeClr val="accent5"/>
-          </a:effectRef>
-          <a:fontRef idx="minor">
-            <a:schemeClr val="lt1"/>
-          </a:fontRef>
-        </p:style>
-        <p:txBody>
-          <a:bodyPr rtlCol="0" anchor="ctr"/>
-          <a:lstStyle/>
-          <a:p>
-            <a:pPr algn="ctr"/>
-            <a:r>
-              <a:rPr lang="en-US" dirty="0" smtClean="0"/>
-              <a:t>Track</a:t>
-            </a:r>
-          </a:p>
-          <a:p>
-            <a:pPr algn="ctr"/>
-            <a:r>
-              <a:rPr lang="en-US" dirty="0" smtClean="0"/>
-              <a:t>Track</a:t>
-            </a:r>
-          </a:p>
-          <a:p>
-            <a:pPr algn="ctr"/>
-            <a:r>
-              <a:rPr lang="en-US" dirty="0" smtClean="0"/>
-              <a:t>Track</a:t>
-            </a:r>
-          </a:p>
-          <a:p>
-            <a:pPr algn="ctr"/>
-            <a:r>
-              <a:rPr lang="en-US" dirty="0" smtClean="0"/>
-              <a:t>Track</a:t>
-            </a:r>
-          </a:p>
-          <a:p>
-            <a:pPr algn="ctr"/>
-            <a:r>
-              <a:rPr lang="en-US" dirty="0" smtClean="0"/>
-              <a:t>Track</a:t>
-            </a:r>
-            <a:endParaRPr lang="en-US" dirty="0"/>
-          </a:p>
-        </p:txBody>
-      </p:sp>
-      <p:sp>
-        <p:nvSpPr>
-          <p:cNvPr id="11" name="Rounded Rectangle 10"/>
-          <p:cNvSpPr/>
-          <p:nvPr/>
-        </p:nvSpPr>
-        <p:spPr>
-          <a:xfrm>
-            <a:off x="9149178" y="4026023"/>
-            <a:ext cx="1853954" cy="1970843"/>
-          </a:xfrm>
-          <a:prstGeom prst="roundRect">
-            <a:avLst/>
-          </a:prstGeom>
-        </p:spPr>
-        <p:style>
-          <a:lnRef idx="2">
-            <a:schemeClr val="accent5">
-              <a:shade val="50000"/>
-            </a:schemeClr>
-          </a:lnRef>
-          <a:fillRef idx="1">
-            <a:schemeClr val="accent5"/>
-          </a:fillRef>
-          <a:effectRef idx="0">
-            <a:schemeClr val="accent5"/>
-          </a:effectRef>
-          <a:fontRef idx="minor">
-            <a:schemeClr val="lt1"/>
-          </a:fontRef>
-        </p:style>
-        <p:txBody>
-          <a:bodyPr rtlCol="0" anchor="ctr"/>
-          <a:lstStyle/>
-          <a:p>
-            <a:pPr algn="ctr"/>
-            <a:r>
-              <a:rPr lang="en-US" dirty="0" smtClean="0"/>
-              <a:t>Time</a:t>
-            </a:r>
-          </a:p>
-          <a:p>
-            <a:pPr algn="ctr"/>
-            <a:r>
-              <a:rPr lang="en-US" dirty="0" smtClean="0"/>
-              <a:t>Time</a:t>
-            </a:r>
-          </a:p>
-          <a:p>
-            <a:pPr algn="ctr"/>
-            <a:r>
-              <a:rPr lang="en-US" dirty="0" smtClean="0"/>
-              <a:t>Time</a:t>
-            </a:r>
-          </a:p>
-          <a:p>
-            <a:pPr algn="ctr"/>
-            <a:r>
-              <a:rPr lang="en-US" dirty="0" smtClean="0"/>
-              <a:t>Time</a:t>
-            </a:r>
-          </a:p>
-          <a:p>
-            <a:pPr algn="ctr"/>
-            <a:r>
-              <a:rPr lang="en-US" dirty="0" smtClean="0"/>
-              <a:t>Time</a:t>
-            </a:r>
-            <a:endParaRPr lang="en-US" dirty="0"/>
-          </a:p>
-        </p:txBody>
-      </p:sp>
-      <p:sp>
-        <p:nvSpPr>
-          <p:cNvPr id="12" name="Rounded Rectangle 11"/>
-          <p:cNvSpPr/>
-          <p:nvPr/>
-        </p:nvSpPr>
-        <p:spPr>
-          <a:xfrm>
-            <a:off x="811567" y="3842198"/>
-            <a:ext cx="3817398" cy="2278956"/>
-          </a:xfrm>
-          <a:prstGeom prst="roundRect">
-            <a:avLst/>
-          </a:prstGeom>
-        </p:spPr>
-        <p:style>
-          <a:lnRef idx="1">
-            <a:schemeClr val="accent5"/>
-          </a:lnRef>
-          <a:fillRef idx="2">
-            <a:schemeClr val="accent5"/>
-          </a:fillRef>
-          <a:effectRef idx="1">
-            <a:schemeClr val="accent5"/>
-          </a:effectRef>
-          <a:fontRef idx="minor">
-            <a:schemeClr val="dk1"/>
-          </a:fontRef>
-        </p:style>
-        <p:txBody>
-          <a:bodyPr rtlCol="0" anchor="ctr"/>
-          <a:lstStyle/>
-          <a:p>
-            <a:pPr algn="ctr"/>
-            <a:r>
-              <a:rPr lang="en-US" sz="2400" dirty="0" smtClean="0"/>
-              <a:t>Expert Review</a:t>
-            </a:r>
-          </a:p>
-          <a:p>
-            <a:pPr algn="ctr"/>
-            <a:endParaRPr lang="en-US" sz="2400" dirty="0"/>
-          </a:p>
-          <a:p>
-            <a:pPr algn="ctr"/>
-            <a:endParaRPr lang="en-US" sz="2400" dirty="0" smtClean="0"/>
-          </a:p>
-          <a:p>
-            <a:pPr algn="ctr"/>
-            <a:endParaRPr lang="en-US" sz="2400" dirty="0"/>
-          </a:p>
-        </p:txBody>
-      </p:sp>
-    </p:spTree>
-    <p:extLst>
-      <p:ext uri="{BB962C8B-B14F-4D97-AF65-F5344CB8AC3E}">
-        <p14:creationId xmlns:p14="http://schemas.microsoft.com/office/powerpoint/2010/main" val="2308417491"/>
-      </p:ext>
-    </p:extLst>
-  </p:cSld>
-  <p:clrMapOvr>
-    <a:masterClrMapping/>
-  </p:clrMapOvr>
-  <p:timing>
-    <p:tnLst>
-      <p:par>
-        <p:cTn id="1" dur="indefinite" restart="never" nodeType="tmRoot"/>
-      </p:par>
-    </p:tnLst>
-  </p:timing>
-</p:sld>
-</file>
-
-<file path=ppt/slides/slide19.xml><?xml version="1.0" encoding="utf-8"?>
-<p:sld xmlns:a="http://schemas.openxmlformats.org/drawingml/2006/main" xmlns:r="http://schemas.openxmlformats.org/officeDocument/2006/relationships" xmlns:p="http://schemas.openxmlformats.org/presentationml/2006/main">
-  <p:cSld>
-    <p:spTree>
-      <p:nvGrpSpPr>
-        <p:cNvPr id="1" name=""/>
-        <p:cNvGrpSpPr/>
-        <p:nvPr/>
-      </p:nvGrpSpPr>
-      <p:grpSpPr>
-        <a:xfrm>
-          <a:off x="0" y="0"/>
-          <a:ext cx="0" cy="0"/>
-          <a:chOff x="0" y="0"/>
-          <a:chExt cx="0" cy="0"/>
-        </a:xfrm>
-      </p:grpSpPr>
-      <p:sp>
-        <p:nvSpPr>
-          <p:cNvPr id="4" name="Title 3"/>
-          <p:cNvSpPr>
-            <a:spLocks noGrp="1"/>
-          </p:cNvSpPr>
-          <p:nvPr>
-            <p:ph type="title"/>
-          </p:nvPr>
-        </p:nvSpPr>
-        <p:spPr/>
-        <p:txBody>
-          <a:bodyPr/>
-          <a:lstStyle/>
-          <a:p>
-            <a:r>
-              <a:rPr lang="en-US" dirty="0" smtClean="0"/>
-              <a:t>Controlling Visibility</a:t>
-            </a:r>
-            <a:endParaRPr lang="en-US" dirty="0"/>
-          </a:p>
-        </p:txBody>
-      </p:sp>
-    </p:spTree>
-    <p:extLst>
-      <p:ext uri="{BB962C8B-B14F-4D97-AF65-F5344CB8AC3E}">
-        <p14:creationId xmlns:p14="http://schemas.microsoft.com/office/powerpoint/2010/main" val="3776102305"/>
-      </p:ext>
-    </p:extLst>
-  </p:cSld>
-  <p:clrMapOvr>
-    <a:masterClrMapping/>
-  </p:clrMapOvr>
+  <mc:AlternateContent xmlns:mc="http://schemas.openxmlformats.org/markup-compatibility/2006" xmlns:p14="http://schemas.microsoft.com/office/powerpoint/2010/main">
+    <mc:Choice Requires="p14">
+      <p:transition spd="slow" p14:dur="2000"/>
+    </mc:Choice>
+    <mc:Fallback xmlns="">
+      <p:transition spd="slow"/>
+    </mc:Fallback>
+  </mc:AlternateContent>
   <p:timing>
     <p:tnLst>
       <p:par>
@@ -4913,51 +4291,6 @@
   <p:clrMapOvr>
     <a:masterClrMapping/>
   </p:clrMapOvr>
-  <p:timing>
-    <p:tnLst>
-      <p:par>
-        <p:cTn id="1" dur="indefinite" restart="never" nodeType="tmRoot"/>
-      </p:par>
-    </p:tnLst>
-  </p:timing>
-</p:sld>
-</file>
-
-<file path=ppt/slides/slide20.xml><?xml version="1.0" encoding="utf-8"?>
-<p:sld xmlns:a="http://schemas.openxmlformats.org/drawingml/2006/main" xmlns:r="http://schemas.openxmlformats.org/officeDocument/2006/relationships" xmlns:p="http://schemas.openxmlformats.org/presentationml/2006/main">
-  <p:cSld>
-    <p:spTree>
-      <p:nvGrpSpPr>
-        <p:cNvPr id="1" name=""/>
-        <p:cNvGrpSpPr/>
-        <p:nvPr/>
-      </p:nvGrpSpPr>
-      <p:grpSpPr>
-        <a:xfrm>
-          <a:off x="0" y="0"/>
-          <a:ext cx="0" cy="0"/>
-          <a:chOff x="0" y="0"/>
-          <a:chExt cx="0" cy="0"/>
-        </a:xfrm>
-      </p:grpSpPr>
-    </p:spTree>
-    <p:extLst>
-      <p:ext uri="{BB962C8B-B14F-4D97-AF65-F5344CB8AC3E}">
-        <p14:creationId xmlns:p14="http://schemas.microsoft.com/office/powerpoint/2010/main" val="4096507743"/>
-      </p:ext>
-    </p:extLst>
-  </p:cSld>
-  <p:clrMapOvr>
-    <a:masterClrMapping/>
-  </p:clrMapOvr>
-  <mc:AlternateContent xmlns:mc="http://schemas.openxmlformats.org/markup-compatibility/2006" xmlns:p14="http://schemas.microsoft.com/office/powerpoint/2010/main">
-    <mc:Choice Requires="p14">
-      <p:transition spd="slow" p14:dur="2000"/>
-    </mc:Choice>
-    <mc:Fallback xmlns="">
-      <p:transition spd="slow"/>
-    </mc:Fallback>
-  </mc:AlternateContent>
   <p:timing>
     <p:tnLst>
       <p:par>
@@ -9479,6 +8812,21 @@
 </file>
 
 <file path=customXml/item1.xml><?xml version="1.0" encoding="utf-8"?>
+<p:properties xmlns:p="http://schemas.microsoft.com/office/2006/metadata/properties" xmlns:xsi="http://www.w3.org/2001/XMLSchema-instance" xmlns:pc="http://schemas.microsoft.com/office/infopath/2007/PartnerControls">
+  <documentManagement/>
+</p:properties>
+</file>
+
+<file path=customXml/item2.xml><?xml version="1.0" encoding="utf-8"?>
+<?mso-contentType ?>
+<FormTemplates xmlns="http://schemas.microsoft.com/sharepoint/v3/contenttype/forms">
+  <Display>DocumentLibraryForm</Display>
+  <Edit>DocumentLibraryForm</Edit>
+  <New>DocumentLibraryForm</New>
+</FormTemplates>
+</file>
+
+<file path=customXml/item3.xml><?xml version="1.0" encoding="utf-8"?>
 <ct:contentTypeSchema xmlns:ct="http://schemas.microsoft.com/office/2006/metadata/contentType" xmlns:ma="http://schemas.microsoft.com/office/2006/metadata/properties/metaAttributes" ct:_="" ma:_="" ma:contentTypeName="Document" ma:contentTypeID="0x010100A9B9146463917044969030790F8D7E1F" ma:contentTypeVersion="1" ma:contentTypeDescription="Create a new document." ma:contentTypeScope="" ma:versionID="88cb810aac341a62f87e1e4b3de4b413">
   <xsd:schema xmlns:xsd="http://www.w3.org/2001/XMLSchema" xmlns:xs="http://www.w3.org/2001/XMLSchema" xmlns:p="http://schemas.microsoft.com/office/2006/metadata/properties" xmlns:ns3="239b4775-11ac-4188-ac69-b5b775bb2155" targetNamespace="http://schemas.microsoft.com/office/2006/metadata/properties" ma:root="true" ma:fieldsID="a6232b10dbb3dfcaf3920bb7009c4722" ns3:_="">
     <xsd:import namespace="239b4775-11ac-4188-ac69-b5b775bb2155"/>
@@ -9618,22 +8966,31 @@
 </ct:contentTypeSchema>
 </file>
 
-<file path=customXml/item2.xml><?xml version="1.0" encoding="utf-8"?>
-<?mso-contentType ?>
-<FormTemplates xmlns="http://schemas.microsoft.com/sharepoint/v3/contenttype/forms">
-  <Display>DocumentLibraryForm</Display>
-  <Edit>DocumentLibraryForm</Edit>
-  <New>DocumentLibraryForm</New>
-</FormTemplates>
+<file path=customXml/itemProps1.xml><?xml version="1.0" encoding="utf-8"?>
+<ds:datastoreItem xmlns:ds="http://schemas.openxmlformats.org/officeDocument/2006/customXml" ds:itemID="{2C359FA1-DD3A-49D9-8299-D7EB8CDA4CEF}">
+  <ds:schemaRefs>
+    <ds:schemaRef ds:uri="http://purl.org/dc/elements/1.1/"/>
+    <ds:schemaRef ds:uri="http://schemas.microsoft.com/office/2006/metadata/properties"/>
+    <ds:schemaRef ds:uri="http://schemas.microsoft.com/office/2006/documentManagement/types"/>
+    <ds:schemaRef ds:uri="http://purl.org/dc/terms/"/>
+    <ds:schemaRef ds:uri="http://schemas.openxmlformats.org/package/2006/metadata/core-properties"/>
+    <ds:schemaRef ds:uri="http://purl.org/dc/dcmitype/"/>
+    <ds:schemaRef ds:uri="http://schemas.microsoft.com/office/infopath/2007/PartnerControls"/>
+    <ds:schemaRef ds:uri="239b4775-11ac-4188-ac69-b5b775bb2155"/>
+    <ds:schemaRef ds:uri="http://www.w3.org/XML/1998/namespace"/>
+  </ds:schemaRefs>
+</ds:datastoreItem>
 </file>
 
-<file path=customXml/item3.xml><?xml version="1.0" encoding="utf-8"?>
-<p:properties xmlns:p="http://schemas.microsoft.com/office/2006/metadata/properties" xmlns:xsi="http://www.w3.org/2001/XMLSchema-instance" xmlns:pc="http://schemas.microsoft.com/office/infopath/2007/PartnerControls">
-  <documentManagement/>
-</p:properties>
+<file path=customXml/itemProps2.xml><?xml version="1.0" encoding="utf-8"?>
+<ds:datastoreItem xmlns:ds="http://schemas.openxmlformats.org/officeDocument/2006/customXml" ds:itemID="{606A4A2F-D536-414F-A6A8-B65706EA048E}">
+  <ds:schemaRefs>
+    <ds:schemaRef ds:uri="http://schemas.microsoft.com/sharepoint/v3/contenttype/forms"/>
+  </ds:schemaRefs>
+</ds:datastoreItem>
 </file>
 
-<file path=customXml/itemProps1.xml><?xml version="1.0" encoding="utf-8"?>
+<file path=customXml/itemProps3.xml><?xml version="1.0" encoding="utf-8"?>
 <ds:datastoreItem xmlns:ds="http://schemas.openxmlformats.org/officeDocument/2006/customXml" ds:itemID="{A36A52FC-B7FF-4857-853D-F9A69800E89D}">
   <ds:schemaRefs>
     <ds:schemaRef ds:uri="http://schemas.microsoft.com/office/2006/metadata/contentType"/>
@@ -9649,28 +9006,4 @@
     <ds:schemaRef ds:uri="http://schemas.microsoft.com/internal/obd"/>
   </ds:schemaRefs>
 </ds:datastoreItem>
-</file>
-
-<file path=customXml/itemProps2.xml><?xml version="1.0" encoding="utf-8"?>
-<ds:datastoreItem xmlns:ds="http://schemas.openxmlformats.org/officeDocument/2006/customXml" ds:itemID="{606A4A2F-D536-414F-A6A8-B65706EA048E}">
-  <ds:schemaRefs>
-    <ds:schemaRef ds:uri="http://schemas.microsoft.com/sharepoint/v3/contenttype/forms"/>
-  </ds:schemaRefs>
-</ds:datastoreItem>
-</file>
-
-<file path=customXml/itemProps3.xml><?xml version="1.0" encoding="utf-8"?>
-<ds:datastoreItem xmlns:ds="http://schemas.openxmlformats.org/officeDocument/2006/customXml" ds:itemID="{2C359FA1-DD3A-49D9-8299-D7EB8CDA4CEF}">
-  <ds:schemaRefs>
-    <ds:schemaRef ds:uri="http://purl.org/dc/elements/1.1/"/>
-    <ds:schemaRef ds:uri="http://schemas.microsoft.com/office/2006/metadata/properties"/>
-    <ds:schemaRef ds:uri="http://schemas.microsoft.com/office/2006/documentManagement/types"/>
-    <ds:schemaRef ds:uri="http://purl.org/dc/terms/"/>
-    <ds:schemaRef ds:uri="http://schemas.openxmlformats.org/package/2006/metadata/core-properties"/>
-    <ds:schemaRef ds:uri="http://purl.org/dc/dcmitype/"/>
-    <ds:schemaRef ds:uri="http://schemas.microsoft.com/office/infopath/2007/PartnerControls"/>
-    <ds:schemaRef ds:uri="239b4775-11ac-4188-ac69-b5b775bb2155"/>
-    <ds:schemaRef ds:uri="http://www.w3.org/XML/1998/namespace"/>
-  </ds:schemaRefs>
-</ds:datastoreItem>
 </file>
--- a/Slides/Week 1 - Part 2 - Page layout.pptx
+++ b/Slides/Week 1 - Part 2 - Page layout.pptx
@@ -2771,15 +2771,13 @@
           <a:p>
             <a:r>
               <a:rPr lang="en-US" dirty="0" smtClean="0"/>
-              <a:t>Christopher Harrison, Content Developer</a:t>
-            </a:r>
-          </a:p>
-          <a:p>
-            <a:r>
-              <a:rPr lang="en-US" dirty="0" smtClean="0"/>
-              <a:t>Jon Galloway, Senior Technical Evangelist</a:t>
-            </a:r>
-            <a:endParaRPr lang="en-US" dirty="0"/>
+              <a:t>Christopher Harrison, Content </a:t>
+            </a:r>
+            <a:r>
+              <a:rPr lang="en-US" dirty="0" smtClean="0"/>
+              <a:t>Developer, Microsoft</a:t>
+            </a:r>
+            <a:endParaRPr lang="en-US" dirty="0" smtClean="0"/>
           </a:p>
         </p:txBody>
       </p:sp>
@@ -6880,6 +6878,25 @@
             <a:r>
               <a:rPr lang="en-US" dirty="0" err="1" smtClean="0"/>
               <a:t>xs</a:t>
+            </a:r>
+            <a:endParaRPr lang="en-US" dirty="0" smtClean="0"/>
+          </a:p>
+          <a:p>
+            <a:pPr lvl="2"/>
+            <a:r>
+              <a:rPr lang="en-US" dirty="0" smtClean="0"/>
+              <a:t>Each size applies to itself and larger, unless overridden</a:t>
+            </a:r>
+          </a:p>
+          <a:p>
+            <a:pPr lvl="3"/>
+            <a:r>
+              <a:rPr lang="en-US" dirty="0" err="1" smtClean="0"/>
+              <a:t>sm</a:t>
+            </a:r>
+            <a:r>
+              <a:rPr lang="en-US" dirty="0" smtClean="0"/>
+              <a:t> applies to Small, Medium and Large</a:t>
             </a:r>
             <a:endParaRPr lang="en-US" dirty="0" smtClean="0"/>
           </a:p>
@@ -8812,21 +8829,6 @@
 </file>
 
 <file path=customXml/item1.xml><?xml version="1.0" encoding="utf-8"?>
-<p:properties xmlns:p="http://schemas.microsoft.com/office/2006/metadata/properties" xmlns:xsi="http://www.w3.org/2001/XMLSchema-instance" xmlns:pc="http://schemas.microsoft.com/office/infopath/2007/PartnerControls">
-  <documentManagement/>
-</p:properties>
-</file>
-
-<file path=customXml/item2.xml><?xml version="1.0" encoding="utf-8"?>
-<?mso-contentType ?>
-<FormTemplates xmlns="http://schemas.microsoft.com/sharepoint/v3/contenttype/forms">
-  <Display>DocumentLibraryForm</Display>
-  <Edit>DocumentLibraryForm</Edit>
-  <New>DocumentLibraryForm</New>
-</FormTemplates>
-</file>
-
-<file path=customXml/item3.xml><?xml version="1.0" encoding="utf-8"?>
 <ct:contentTypeSchema xmlns:ct="http://schemas.microsoft.com/office/2006/metadata/contentType" xmlns:ma="http://schemas.microsoft.com/office/2006/metadata/properties/metaAttributes" ct:_="" ma:_="" ma:contentTypeName="Document" ma:contentTypeID="0x010100A9B9146463917044969030790F8D7E1F" ma:contentTypeVersion="1" ma:contentTypeDescription="Create a new document." ma:contentTypeScope="" ma:versionID="88cb810aac341a62f87e1e4b3de4b413">
   <xsd:schema xmlns:xsd="http://www.w3.org/2001/XMLSchema" xmlns:xs="http://www.w3.org/2001/XMLSchema" xmlns:p="http://schemas.microsoft.com/office/2006/metadata/properties" xmlns:ns3="239b4775-11ac-4188-ac69-b5b775bb2155" targetNamespace="http://schemas.microsoft.com/office/2006/metadata/properties" ma:root="true" ma:fieldsID="a6232b10dbb3dfcaf3920bb7009c4722" ns3:_="">
     <xsd:import namespace="239b4775-11ac-4188-ac69-b5b775bb2155"/>
@@ -8966,31 +8968,22 @@
 </ct:contentTypeSchema>
 </file>
 
-<file path=customXml/itemProps1.xml><?xml version="1.0" encoding="utf-8"?>
-<ds:datastoreItem xmlns:ds="http://schemas.openxmlformats.org/officeDocument/2006/customXml" ds:itemID="{2C359FA1-DD3A-49D9-8299-D7EB8CDA4CEF}">
-  <ds:schemaRefs>
-    <ds:schemaRef ds:uri="http://purl.org/dc/elements/1.1/"/>
-    <ds:schemaRef ds:uri="http://schemas.microsoft.com/office/2006/metadata/properties"/>
-    <ds:schemaRef ds:uri="http://schemas.microsoft.com/office/2006/documentManagement/types"/>
-    <ds:schemaRef ds:uri="http://purl.org/dc/terms/"/>
-    <ds:schemaRef ds:uri="http://schemas.openxmlformats.org/package/2006/metadata/core-properties"/>
-    <ds:schemaRef ds:uri="http://purl.org/dc/dcmitype/"/>
-    <ds:schemaRef ds:uri="http://schemas.microsoft.com/office/infopath/2007/PartnerControls"/>
-    <ds:schemaRef ds:uri="239b4775-11ac-4188-ac69-b5b775bb2155"/>
-    <ds:schemaRef ds:uri="http://www.w3.org/XML/1998/namespace"/>
-  </ds:schemaRefs>
-</ds:datastoreItem>
+<file path=customXml/item2.xml><?xml version="1.0" encoding="utf-8"?>
+<?mso-contentType ?>
+<FormTemplates xmlns="http://schemas.microsoft.com/sharepoint/v3/contenttype/forms">
+  <Display>DocumentLibraryForm</Display>
+  <Edit>DocumentLibraryForm</Edit>
+  <New>DocumentLibraryForm</New>
+</FormTemplates>
 </file>
 
-<file path=customXml/itemProps2.xml><?xml version="1.0" encoding="utf-8"?>
-<ds:datastoreItem xmlns:ds="http://schemas.openxmlformats.org/officeDocument/2006/customXml" ds:itemID="{606A4A2F-D536-414F-A6A8-B65706EA048E}">
-  <ds:schemaRefs>
-    <ds:schemaRef ds:uri="http://schemas.microsoft.com/sharepoint/v3/contenttype/forms"/>
-  </ds:schemaRefs>
-</ds:datastoreItem>
+<file path=customXml/item3.xml><?xml version="1.0" encoding="utf-8"?>
+<p:properties xmlns:p="http://schemas.microsoft.com/office/2006/metadata/properties" xmlns:xsi="http://www.w3.org/2001/XMLSchema-instance" xmlns:pc="http://schemas.microsoft.com/office/infopath/2007/PartnerControls">
+  <documentManagement/>
+</p:properties>
 </file>
 
-<file path=customXml/itemProps3.xml><?xml version="1.0" encoding="utf-8"?>
+<file path=customXml/itemProps1.xml><?xml version="1.0" encoding="utf-8"?>
 <ds:datastoreItem xmlns:ds="http://schemas.openxmlformats.org/officeDocument/2006/customXml" ds:itemID="{A36A52FC-B7FF-4857-853D-F9A69800E89D}">
   <ds:schemaRefs>
     <ds:schemaRef ds:uri="http://schemas.microsoft.com/office/2006/metadata/contentType"/>
@@ -9006,4 +8999,28 @@
     <ds:schemaRef ds:uri="http://schemas.microsoft.com/internal/obd"/>
   </ds:schemaRefs>
 </ds:datastoreItem>
+</file>
+
+<file path=customXml/itemProps2.xml><?xml version="1.0" encoding="utf-8"?>
+<ds:datastoreItem xmlns:ds="http://schemas.openxmlformats.org/officeDocument/2006/customXml" ds:itemID="{606A4A2F-D536-414F-A6A8-B65706EA048E}">
+  <ds:schemaRefs>
+    <ds:schemaRef ds:uri="http://schemas.microsoft.com/sharepoint/v3/contenttype/forms"/>
+  </ds:schemaRefs>
+</ds:datastoreItem>
+</file>
+
+<file path=customXml/itemProps3.xml><?xml version="1.0" encoding="utf-8"?>
+<ds:datastoreItem xmlns:ds="http://schemas.openxmlformats.org/officeDocument/2006/customXml" ds:itemID="{2C359FA1-DD3A-49D9-8299-D7EB8CDA4CEF}">
+  <ds:schemaRefs>
+    <ds:schemaRef ds:uri="http://purl.org/dc/elements/1.1/"/>
+    <ds:schemaRef ds:uri="http://schemas.microsoft.com/office/2006/metadata/properties"/>
+    <ds:schemaRef ds:uri="http://schemas.microsoft.com/office/2006/documentManagement/types"/>
+    <ds:schemaRef ds:uri="http://purl.org/dc/terms/"/>
+    <ds:schemaRef ds:uri="http://schemas.openxmlformats.org/package/2006/metadata/core-properties"/>
+    <ds:schemaRef ds:uri="http://purl.org/dc/dcmitype/"/>
+    <ds:schemaRef ds:uri="http://schemas.microsoft.com/office/infopath/2007/PartnerControls"/>
+    <ds:schemaRef ds:uri="239b4775-11ac-4188-ac69-b5b775bb2155"/>
+    <ds:schemaRef ds:uri="http://www.w3.org/XML/1998/namespace"/>
+  </ds:schemaRefs>
+</ds:datastoreItem>
 </file>
--- a/Slides/Week 1 - Part 2 - Page layout.pptx
+++ b/Slides/Week 1 - Part 2 - Page layout.pptx
@@ -2766,16 +2766,41 @@
         </p:nvSpPr>
         <p:spPr/>
         <p:txBody>
-          <a:bodyPr/>
+          <a:bodyPr>
+            <a:normAutofit fontScale="92500" lnSpcReduction="20000"/>
+          </a:bodyPr>
           <a:lstStyle/>
           <a:p>
             <a:r>
               <a:rPr lang="en-US" dirty="0" smtClean="0"/>
-              <a:t>Christopher Harrison, Content </a:t>
-            </a:r>
-            <a:r>
-              <a:rPr lang="en-US" dirty="0" smtClean="0"/>
-              <a:t>Developer, Microsoft</a:t>
+              <a:t>Christopher </a:t>
+            </a:r>
+            <a:r>
+              <a:rPr lang="en-US" dirty="0" smtClean="0"/>
+              <a:t>Harrison</a:t>
+            </a:r>
+          </a:p>
+          <a:p>
+            <a:r>
+              <a:rPr lang="en-US" dirty="0" smtClean="0"/>
+              <a:t>@</a:t>
+            </a:r>
+            <a:r>
+              <a:rPr lang="en-US" dirty="0" err="1" smtClean="0"/>
+              <a:t>geektrainer</a:t>
+            </a:r>
+            <a:endParaRPr lang="en-US" dirty="0" smtClean="0"/>
+          </a:p>
+          <a:p>
+            <a:r>
+              <a:rPr lang="en-US" dirty="0" smtClean="0"/>
+              <a:t>Content Developer</a:t>
+            </a:r>
+          </a:p>
+          <a:p>
+            <a:r>
+              <a:rPr lang="en-US" dirty="0" smtClean="0"/>
+              <a:t>Microsoft</a:t>
             </a:r>
             <a:endParaRPr lang="en-US" dirty="0" smtClean="0"/>
           </a:p>
@@ -6797,7 +6822,7 @@
           <a:p>
             <a:r>
               <a:rPr lang="en-US" dirty="0" smtClean="0"/>
-              <a:t>Grid Classes</a:t>
+              <a:t>Column classes</a:t>
             </a:r>
             <a:endParaRPr lang="en-US" dirty="0"/>
           </a:p>
@@ -6815,103 +6840,122 @@
         </p:nvSpPr>
         <p:spPr/>
         <p:txBody>
-          <a:bodyPr/>
+          <a:bodyPr>
+            <a:normAutofit/>
+          </a:bodyPr>
           <a:lstStyle/>
           <a:p>
             <a:r>
               <a:rPr lang="en-US" dirty="0" smtClean="0"/>
-              <a:t>Row</a:t>
-            </a:r>
+              <a:t>Identified </a:t>
+            </a:r>
+            <a:r>
+              <a:rPr lang="en-US" dirty="0" smtClean="0"/>
+              <a:t>with three parts</a:t>
+            </a:r>
+          </a:p>
+          <a:p>
+            <a:endParaRPr lang="en-US" dirty="0" smtClean="0"/>
+          </a:p>
+          <a:p>
+            <a:r>
+              <a:rPr lang="en-US" dirty="0" smtClean="0">
+                <a:latin typeface="Consolas" panose="020B0609020204030204" pitchFamily="49" charset="0"/>
+                <a:cs typeface="Consolas" panose="020B0609020204030204" pitchFamily="49" charset="0"/>
+              </a:rPr>
+              <a:t>col</a:t>
+            </a:r>
+            <a:endParaRPr lang="en-US" dirty="0" smtClean="0">
+              <a:latin typeface="Consolas" panose="020B0609020204030204" pitchFamily="49" charset="0"/>
+              <a:cs typeface="Consolas" panose="020B0609020204030204" pitchFamily="49" charset="0"/>
+            </a:endParaRPr>
           </a:p>
           <a:p>
             <a:pPr lvl="1"/>
             <a:r>
               <a:rPr lang="en-US" dirty="0" smtClean="0"/>
-              <a:t>Container for a row</a:t>
-            </a:r>
-          </a:p>
-          <a:p>
-            <a:r>
-              <a:rPr lang="en-US" dirty="0" smtClean="0"/>
-              <a:t>Columns are identified with three parts</a:t>
+              <a:t>Indicates column</a:t>
+            </a:r>
+          </a:p>
+          <a:p>
+            <a:r>
+              <a:rPr lang="en-US" dirty="0" smtClean="0"/>
+              <a:t>Grid size</a:t>
             </a:r>
           </a:p>
           <a:p>
             <a:pPr lvl="1"/>
             <a:r>
-              <a:rPr lang="en-US" dirty="0" smtClean="0"/>
-              <a:t>col</a:t>
+              <a:rPr lang="en-US" dirty="0" err="1" smtClean="0">
+                <a:latin typeface="Consolas" panose="020B0609020204030204" pitchFamily="49" charset="0"/>
+                <a:cs typeface="Consolas" panose="020B0609020204030204" pitchFamily="49" charset="0"/>
+              </a:rPr>
+              <a:t>lg</a:t>
+            </a:r>
+            <a:r>
+              <a:rPr lang="en-US" dirty="0" smtClean="0"/>
+              <a:t>, </a:t>
+            </a:r>
+            <a:r>
+              <a:rPr lang="en-US" dirty="0" smtClean="0">
+                <a:latin typeface="Consolas" panose="020B0609020204030204" pitchFamily="49" charset="0"/>
+                <a:cs typeface="Consolas" panose="020B0609020204030204" pitchFamily="49" charset="0"/>
+              </a:rPr>
+              <a:t>md</a:t>
+            </a:r>
+            <a:r>
+              <a:rPr lang="en-US" dirty="0" smtClean="0"/>
+              <a:t>, </a:t>
+            </a:r>
+            <a:r>
+              <a:rPr lang="en-US" dirty="0" err="1" smtClean="0">
+                <a:latin typeface="Consolas" panose="020B0609020204030204" pitchFamily="49" charset="0"/>
+                <a:cs typeface="Consolas" panose="020B0609020204030204" pitchFamily="49" charset="0"/>
+              </a:rPr>
+              <a:t>sm</a:t>
+            </a:r>
+            <a:r>
+              <a:rPr lang="en-US" dirty="0" smtClean="0"/>
+              <a:t>, </a:t>
+            </a:r>
+            <a:r>
+              <a:rPr lang="en-US" dirty="0" err="1" smtClean="0">
+                <a:latin typeface="Consolas" panose="020B0609020204030204" pitchFamily="49" charset="0"/>
+                <a:cs typeface="Consolas" panose="020B0609020204030204" pitchFamily="49" charset="0"/>
+              </a:rPr>
+              <a:t>xs</a:t>
+            </a:r>
+            <a:endParaRPr lang="en-US" dirty="0" smtClean="0">
+              <a:latin typeface="Consolas" panose="020B0609020204030204" pitchFamily="49" charset="0"/>
+              <a:cs typeface="Consolas" panose="020B0609020204030204" pitchFamily="49" charset="0"/>
+            </a:endParaRPr>
+          </a:p>
+          <a:p>
+            <a:pPr lvl="1"/>
+            <a:r>
+              <a:rPr lang="en-US" dirty="0" smtClean="0"/>
+              <a:t>Each size applies to itself and larger, unless overridden</a:t>
             </a:r>
           </a:p>
           <a:p>
             <a:pPr lvl="2"/>
-            <a:r>
-              <a:rPr lang="en-US" dirty="0" smtClean="0"/>
-              <a:t>Indicates column</a:t>
-            </a:r>
-          </a:p>
-          <a:p>
-            <a:pPr lvl="1"/>
-            <a:r>
-              <a:rPr lang="en-US" dirty="0" smtClean="0"/>
-              <a:t>Grid size</a:t>
-            </a:r>
-          </a:p>
-          <a:p>
-            <a:pPr lvl="2"/>
-            <a:r>
-              <a:rPr lang="en-US" dirty="0" err="1" smtClean="0"/>
-              <a:t>lg</a:t>
-            </a:r>
-            <a:r>
-              <a:rPr lang="en-US" dirty="0" smtClean="0"/>
-              <a:t>, md, </a:t>
-            </a:r>
             <a:r>
               <a:rPr lang="en-US" dirty="0" err="1" smtClean="0"/>
               <a:t>sm</a:t>
             </a:r>
             <a:r>
               <a:rPr lang="en-US" dirty="0" smtClean="0"/>
-              <a:t>, </a:t>
-            </a:r>
-            <a:r>
-              <a:rPr lang="en-US" dirty="0" err="1" smtClean="0"/>
-              <a:t>xs</a:t>
-            </a:r>
-            <a:endParaRPr lang="en-US" dirty="0" smtClean="0"/>
-          </a:p>
-          <a:p>
-            <a:pPr lvl="2"/>
-            <a:r>
-              <a:rPr lang="en-US" dirty="0" smtClean="0"/>
-              <a:t>Each size applies to itself and larger, unless overridden</a:t>
-            </a:r>
-          </a:p>
-          <a:p>
-            <a:pPr lvl="3"/>
-            <a:r>
-              <a:rPr lang="en-US" dirty="0" err="1" smtClean="0"/>
-              <a:t>sm</a:t>
-            </a:r>
-            <a:r>
-              <a:rPr lang="en-US" dirty="0" smtClean="0"/>
               <a:t> applies to Small, Medium and Large</a:t>
             </a:r>
-            <a:endParaRPr lang="en-US" dirty="0" smtClean="0"/>
-          </a:p>
-          <a:p>
-            <a:pPr lvl="1"/>
-            <a:r>
-              <a:rPr lang="en-US" dirty="0" smtClean="0"/>
-              <a:t>Content size</a:t>
-            </a:r>
-          </a:p>
-          <a:p>
-            <a:pPr lvl="2"/>
-            <a:r>
-              <a:rPr lang="en-US" dirty="0" smtClean="0"/>
-              <a:t>Number of columns</a:t>
+          </a:p>
+          <a:p>
+            <a:r>
+              <a:rPr lang="en-US" dirty="0" smtClean="0"/>
+              <a:t>Number </a:t>
+            </a:r>
+            <a:r>
+              <a:rPr lang="en-US" dirty="0" smtClean="0"/>
+              <a:t>of columns</a:t>
             </a:r>
             <a:endParaRPr lang="en-US" dirty="0"/>
           </a:p>
@@ -8829,6 +8873,21 @@
 </file>
 
 <file path=customXml/item1.xml><?xml version="1.0" encoding="utf-8"?>
+<p:properties xmlns:p="http://schemas.microsoft.com/office/2006/metadata/properties" xmlns:xsi="http://www.w3.org/2001/XMLSchema-instance" xmlns:pc="http://schemas.microsoft.com/office/infopath/2007/PartnerControls">
+  <documentManagement/>
+</p:properties>
+</file>
+
+<file path=customXml/item2.xml><?xml version="1.0" encoding="utf-8"?>
+<?mso-contentType ?>
+<FormTemplates xmlns="http://schemas.microsoft.com/sharepoint/v3/contenttype/forms">
+  <Display>DocumentLibraryForm</Display>
+  <Edit>DocumentLibraryForm</Edit>
+  <New>DocumentLibraryForm</New>
+</FormTemplates>
+</file>
+
+<file path=customXml/item3.xml><?xml version="1.0" encoding="utf-8"?>
 <ct:contentTypeSchema xmlns:ct="http://schemas.microsoft.com/office/2006/metadata/contentType" xmlns:ma="http://schemas.microsoft.com/office/2006/metadata/properties/metaAttributes" ct:_="" ma:_="" ma:contentTypeName="Document" ma:contentTypeID="0x010100A9B9146463917044969030790F8D7E1F" ma:contentTypeVersion="1" ma:contentTypeDescription="Create a new document." ma:contentTypeScope="" ma:versionID="88cb810aac341a62f87e1e4b3de4b413">
   <xsd:schema xmlns:xsd="http://www.w3.org/2001/XMLSchema" xmlns:xs="http://www.w3.org/2001/XMLSchema" xmlns:p="http://schemas.microsoft.com/office/2006/metadata/properties" xmlns:ns3="239b4775-11ac-4188-ac69-b5b775bb2155" targetNamespace="http://schemas.microsoft.com/office/2006/metadata/properties" ma:root="true" ma:fieldsID="a6232b10dbb3dfcaf3920bb7009c4722" ns3:_="">
     <xsd:import namespace="239b4775-11ac-4188-ac69-b5b775bb2155"/>
@@ -8968,22 +9027,31 @@
 </ct:contentTypeSchema>
 </file>
 
-<file path=customXml/item2.xml><?xml version="1.0" encoding="utf-8"?>
-<?mso-contentType ?>
-<FormTemplates xmlns="http://schemas.microsoft.com/sharepoint/v3/contenttype/forms">
-  <Display>DocumentLibraryForm</Display>
-  <Edit>DocumentLibraryForm</Edit>
-  <New>DocumentLibraryForm</New>
-</FormTemplates>
+<file path=customXml/itemProps1.xml><?xml version="1.0" encoding="utf-8"?>
+<ds:datastoreItem xmlns:ds="http://schemas.openxmlformats.org/officeDocument/2006/customXml" ds:itemID="{2C359FA1-DD3A-49D9-8299-D7EB8CDA4CEF}">
+  <ds:schemaRefs>
+    <ds:schemaRef ds:uri="http://purl.org/dc/elements/1.1/"/>
+    <ds:schemaRef ds:uri="http://schemas.microsoft.com/office/2006/metadata/properties"/>
+    <ds:schemaRef ds:uri="http://schemas.microsoft.com/office/2006/documentManagement/types"/>
+    <ds:schemaRef ds:uri="http://purl.org/dc/terms/"/>
+    <ds:schemaRef ds:uri="http://schemas.openxmlformats.org/package/2006/metadata/core-properties"/>
+    <ds:schemaRef ds:uri="http://purl.org/dc/dcmitype/"/>
+    <ds:schemaRef ds:uri="http://schemas.microsoft.com/office/infopath/2007/PartnerControls"/>
+    <ds:schemaRef ds:uri="239b4775-11ac-4188-ac69-b5b775bb2155"/>
+    <ds:schemaRef ds:uri="http://www.w3.org/XML/1998/namespace"/>
+  </ds:schemaRefs>
+</ds:datastoreItem>
 </file>
 
-<file path=customXml/item3.xml><?xml version="1.0" encoding="utf-8"?>
-<p:properties xmlns:p="http://schemas.microsoft.com/office/2006/metadata/properties" xmlns:xsi="http://www.w3.org/2001/XMLSchema-instance" xmlns:pc="http://schemas.microsoft.com/office/infopath/2007/PartnerControls">
-  <documentManagement/>
-</p:properties>
+<file path=customXml/itemProps2.xml><?xml version="1.0" encoding="utf-8"?>
+<ds:datastoreItem xmlns:ds="http://schemas.openxmlformats.org/officeDocument/2006/customXml" ds:itemID="{606A4A2F-D536-414F-A6A8-B65706EA048E}">
+  <ds:schemaRefs>
+    <ds:schemaRef ds:uri="http://schemas.microsoft.com/sharepoint/v3/contenttype/forms"/>
+  </ds:schemaRefs>
+</ds:datastoreItem>
 </file>
 
-<file path=customXml/itemProps1.xml><?xml version="1.0" encoding="utf-8"?>
+<file path=customXml/itemProps3.xml><?xml version="1.0" encoding="utf-8"?>
 <ds:datastoreItem xmlns:ds="http://schemas.openxmlformats.org/officeDocument/2006/customXml" ds:itemID="{A36A52FC-B7FF-4857-853D-F9A69800E89D}">
   <ds:schemaRefs>
     <ds:schemaRef ds:uri="http://schemas.microsoft.com/office/2006/metadata/contentType"/>
@@ -8999,28 +9067,4 @@
     <ds:schemaRef ds:uri="http://schemas.microsoft.com/internal/obd"/>
   </ds:schemaRefs>
 </ds:datastoreItem>
-</file>
-
-<file path=customXml/itemProps2.xml><?xml version="1.0" encoding="utf-8"?>
-<ds:datastoreItem xmlns:ds="http://schemas.openxmlformats.org/officeDocument/2006/customXml" ds:itemID="{606A4A2F-D536-414F-A6A8-B65706EA048E}">
-  <ds:schemaRefs>
-    <ds:schemaRef ds:uri="http://schemas.microsoft.com/sharepoint/v3/contenttype/forms"/>
-  </ds:schemaRefs>
-</ds:datastoreItem>
-</file>
-
-<file path=customXml/itemProps3.xml><?xml version="1.0" encoding="utf-8"?>
-<ds:datastoreItem xmlns:ds="http://schemas.openxmlformats.org/officeDocument/2006/customXml" ds:itemID="{2C359FA1-DD3A-49D9-8299-D7EB8CDA4CEF}">
-  <ds:schemaRefs>
-    <ds:schemaRef ds:uri="http://purl.org/dc/elements/1.1/"/>
-    <ds:schemaRef ds:uri="http://schemas.microsoft.com/office/2006/metadata/properties"/>
-    <ds:schemaRef ds:uri="http://schemas.microsoft.com/office/2006/documentManagement/types"/>
-    <ds:schemaRef ds:uri="http://purl.org/dc/terms/"/>
-    <ds:schemaRef ds:uri="http://schemas.openxmlformats.org/package/2006/metadata/core-properties"/>
-    <ds:schemaRef ds:uri="http://purl.org/dc/dcmitype/"/>
-    <ds:schemaRef ds:uri="http://schemas.microsoft.com/office/infopath/2007/PartnerControls"/>
-    <ds:schemaRef ds:uri="239b4775-11ac-4188-ac69-b5b775bb2155"/>
-    <ds:schemaRef ds:uri="http://www.w3.org/XML/1998/namespace"/>
-  </ds:schemaRefs>
-</ds:datastoreItem>
 </file>
--- a/Slides/Week 1 - Part 2 - Page layout.pptx
+++ b/Slides/Week 1 - Part 2 - Page layout.pptx
@@ -4,24 +4,29 @@
   <p:sldMasterIdLst>
     <p:sldMasterId id="2147483660" r:id="rId4"/>
   </p:sldMasterIdLst>
+  <p:notesMasterIdLst>
+    <p:notesMasterId r:id="rId24"/>
+  </p:notesMasterIdLst>
   <p:sldIdLst>
     <p:sldId id="257" r:id="rId5"/>
-    <p:sldId id="258" r:id="rId6"/>
-    <p:sldId id="270" r:id="rId7"/>
-    <p:sldId id="259" r:id="rId8"/>
-    <p:sldId id="261" r:id="rId9"/>
-    <p:sldId id="260" r:id="rId10"/>
-    <p:sldId id="262" r:id="rId11"/>
-    <p:sldId id="281" r:id="rId12"/>
-    <p:sldId id="286" r:id="rId13"/>
-    <p:sldId id="263" r:id="rId14"/>
-    <p:sldId id="268" r:id="rId15"/>
-    <p:sldId id="287" r:id="rId16"/>
-    <p:sldId id="267" r:id="rId17"/>
-    <p:sldId id="264" r:id="rId18"/>
-    <p:sldId id="288" r:id="rId19"/>
-    <p:sldId id="265" r:id="rId20"/>
-    <p:sldId id="280" r:id="rId21"/>
+    <p:sldId id="292" r:id="rId6"/>
+    <p:sldId id="296" r:id="rId7"/>
+    <p:sldId id="293" r:id="rId8"/>
+    <p:sldId id="294" r:id="rId9"/>
+    <p:sldId id="297" r:id="rId10"/>
+    <p:sldId id="295" r:id="rId11"/>
+    <p:sldId id="298" r:id="rId12"/>
+    <p:sldId id="289" r:id="rId13"/>
+    <p:sldId id="290" r:id="rId14"/>
+    <p:sldId id="270" r:id="rId15"/>
+    <p:sldId id="259" r:id="rId16"/>
+    <p:sldId id="261" r:id="rId17"/>
+    <p:sldId id="260" r:id="rId18"/>
+    <p:sldId id="262" r:id="rId19"/>
+    <p:sldId id="281" r:id="rId20"/>
+    <p:sldId id="286" r:id="rId21"/>
+    <p:sldId id="263" r:id="rId22"/>
+    <p:sldId id="280" r:id="rId23"/>
   </p:sldIdLst>
   <p:sldSz cx="12192000" cy="6858000"/>
   <p:notesSz cx="6858000" cy="9144000"/>
@@ -129,6 +134,445 @@
     </p:ext>
   </p:extLst>
 </p:presentation>
+</file>
+
+<file path=ppt/notesMasters/notesMaster1.xml><?xml version="1.0" encoding="utf-8"?>
+<p:notesMaster xmlns:a="http://schemas.openxmlformats.org/drawingml/2006/main" xmlns:r="http://schemas.openxmlformats.org/officeDocument/2006/relationships" xmlns:p="http://schemas.openxmlformats.org/presentationml/2006/main">
+  <p:cSld>
+    <p:bg>
+      <p:bgRef idx="1001">
+        <a:schemeClr val="bg1"/>
+      </p:bgRef>
+    </p:bg>
+    <p:spTree>
+      <p:nvGrpSpPr>
+        <p:cNvPr id="1" name=""/>
+        <p:cNvGrpSpPr/>
+        <p:nvPr/>
+      </p:nvGrpSpPr>
+      <p:grpSpPr>
+        <a:xfrm>
+          <a:off x="0" y="0"/>
+          <a:ext cx="0" cy="0"/>
+          <a:chOff x="0" y="0"/>
+          <a:chExt cx="0" cy="0"/>
+        </a:xfrm>
+      </p:grpSpPr>
+      <p:sp>
+        <p:nvSpPr>
+          <p:cNvPr id="2" name="Header Placeholder 1"/>
+          <p:cNvSpPr>
+            <a:spLocks noGrp="1"/>
+          </p:cNvSpPr>
+          <p:nvPr>
+            <p:ph type="hdr" sz="quarter"/>
+          </p:nvPr>
+        </p:nvSpPr>
+        <p:spPr>
+          <a:xfrm>
+            <a:off x="0" y="0"/>
+            <a:ext cx="2971800" cy="458788"/>
+          </a:xfrm>
+          <a:prstGeom prst="rect">
+            <a:avLst/>
+          </a:prstGeom>
+        </p:spPr>
+        <p:txBody>
+          <a:bodyPr vert="horz" lIns="91440" tIns="45720" rIns="91440" bIns="45720" rtlCol="0"/>
+          <a:lstStyle>
+            <a:lvl1pPr algn="l">
+              <a:defRPr sz="1200"/>
+            </a:lvl1pPr>
+          </a:lstStyle>
+          <a:p>
+            <a:endParaRPr lang="en-US"/>
+          </a:p>
+        </p:txBody>
+      </p:sp>
+      <p:sp>
+        <p:nvSpPr>
+          <p:cNvPr id="3" name="Date Placeholder 2"/>
+          <p:cNvSpPr>
+            <a:spLocks noGrp="1"/>
+          </p:cNvSpPr>
+          <p:nvPr>
+            <p:ph type="dt" idx="1"/>
+          </p:nvPr>
+        </p:nvSpPr>
+        <p:spPr>
+          <a:xfrm>
+            <a:off x="3884613" y="0"/>
+            <a:ext cx="2971800" cy="458788"/>
+          </a:xfrm>
+          <a:prstGeom prst="rect">
+            <a:avLst/>
+          </a:prstGeom>
+        </p:spPr>
+        <p:txBody>
+          <a:bodyPr vert="horz" lIns="91440" tIns="45720" rIns="91440" bIns="45720" rtlCol="0"/>
+          <a:lstStyle>
+            <a:lvl1pPr algn="r">
+              <a:defRPr sz="1200"/>
+            </a:lvl1pPr>
+          </a:lstStyle>
+          <a:p>
+            <a:fld id="{FD831AB1-174E-4B1F-9F40-0065FCDF7A11}" type="datetimeFigureOut">
+              <a:rPr lang="en-US" smtClean="0"/>
+              <a:t>12/30/2014</a:t>
+            </a:fld>
+            <a:endParaRPr lang="en-US"/>
+          </a:p>
+        </p:txBody>
+      </p:sp>
+      <p:sp>
+        <p:nvSpPr>
+          <p:cNvPr id="4" name="Slide Image Placeholder 3"/>
+          <p:cNvSpPr>
+            <a:spLocks noGrp="1" noRot="1" noChangeAspect="1"/>
+          </p:cNvSpPr>
+          <p:nvPr>
+            <p:ph type="sldImg" idx="2"/>
+          </p:nvPr>
+        </p:nvSpPr>
+        <p:spPr>
+          <a:xfrm>
+            <a:off x="685800" y="1143000"/>
+            <a:ext cx="5486400" cy="3086100"/>
+          </a:xfrm>
+          <a:prstGeom prst="rect">
+            <a:avLst/>
+          </a:prstGeom>
+          <a:noFill/>
+          <a:ln w="12700">
+            <a:solidFill>
+              <a:prstClr val="black"/>
+            </a:solidFill>
+          </a:ln>
+        </p:spPr>
+        <p:txBody>
+          <a:bodyPr vert="horz" lIns="91440" tIns="45720" rIns="91440" bIns="45720" rtlCol="0" anchor="ctr"/>
+          <a:lstStyle/>
+          <a:p>
+            <a:endParaRPr lang="en-US"/>
+          </a:p>
+        </p:txBody>
+      </p:sp>
+      <p:sp>
+        <p:nvSpPr>
+          <p:cNvPr id="5" name="Notes Placeholder 4"/>
+          <p:cNvSpPr>
+            <a:spLocks noGrp="1"/>
+          </p:cNvSpPr>
+          <p:nvPr>
+            <p:ph type="body" sz="quarter" idx="3"/>
+          </p:nvPr>
+        </p:nvSpPr>
+        <p:spPr>
+          <a:xfrm>
+            <a:off x="685800" y="4400550"/>
+            <a:ext cx="5486400" cy="3600450"/>
+          </a:xfrm>
+          <a:prstGeom prst="rect">
+            <a:avLst/>
+          </a:prstGeom>
+        </p:spPr>
+        <p:txBody>
+          <a:bodyPr vert="horz" lIns="91440" tIns="45720" rIns="91440" bIns="45720" rtlCol="0"/>
+          <a:lstStyle/>
+          <a:p>
+            <a:pPr lvl="0"/>
+            <a:r>
+              <a:rPr lang="en-US" smtClean="0"/>
+              <a:t>Click to edit Master text styles</a:t>
+            </a:r>
+          </a:p>
+          <a:p>
+            <a:pPr lvl="1"/>
+            <a:r>
+              <a:rPr lang="en-US" smtClean="0"/>
+              <a:t>Second level</a:t>
+            </a:r>
+          </a:p>
+          <a:p>
+            <a:pPr lvl="2"/>
+            <a:r>
+              <a:rPr lang="en-US" smtClean="0"/>
+              <a:t>Third level</a:t>
+            </a:r>
+          </a:p>
+          <a:p>
+            <a:pPr lvl="3"/>
+            <a:r>
+              <a:rPr lang="en-US" smtClean="0"/>
+              <a:t>Fourth level</a:t>
+            </a:r>
+          </a:p>
+          <a:p>
+            <a:pPr lvl="4"/>
+            <a:r>
+              <a:rPr lang="en-US" smtClean="0"/>
+              <a:t>Fifth level</a:t>
+            </a:r>
+            <a:endParaRPr lang="en-US"/>
+          </a:p>
+        </p:txBody>
+      </p:sp>
+      <p:sp>
+        <p:nvSpPr>
+          <p:cNvPr id="6" name="Footer Placeholder 5"/>
+          <p:cNvSpPr>
+            <a:spLocks noGrp="1"/>
+          </p:cNvSpPr>
+          <p:nvPr>
+            <p:ph type="ftr" sz="quarter" idx="4"/>
+          </p:nvPr>
+        </p:nvSpPr>
+        <p:spPr>
+          <a:xfrm>
+            <a:off x="0" y="8685213"/>
+            <a:ext cx="2971800" cy="458787"/>
+          </a:xfrm>
+          <a:prstGeom prst="rect">
+            <a:avLst/>
+          </a:prstGeom>
+        </p:spPr>
+        <p:txBody>
+          <a:bodyPr vert="horz" lIns="91440" tIns="45720" rIns="91440" bIns="45720" rtlCol="0" anchor="b"/>
+          <a:lstStyle>
+            <a:lvl1pPr algn="l">
+              <a:defRPr sz="1200"/>
+            </a:lvl1pPr>
+          </a:lstStyle>
+          <a:p>
+            <a:endParaRPr lang="en-US"/>
+          </a:p>
+        </p:txBody>
+      </p:sp>
+      <p:sp>
+        <p:nvSpPr>
+          <p:cNvPr id="7" name="Slide Number Placeholder 6"/>
+          <p:cNvSpPr>
+            <a:spLocks noGrp="1"/>
+          </p:cNvSpPr>
+          <p:nvPr>
+            <p:ph type="sldNum" sz="quarter" idx="5"/>
+          </p:nvPr>
+        </p:nvSpPr>
+        <p:spPr>
+          <a:xfrm>
+            <a:off x="3884613" y="8685213"/>
+            <a:ext cx="2971800" cy="458787"/>
+          </a:xfrm>
+          <a:prstGeom prst="rect">
+            <a:avLst/>
+          </a:prstGeom>
+        </p:spPr>
+        <p:txBody>
+          <a:bodyPr vert="horz" lIns="91440" tIns="45720" rIns="91440" bIns="45720" rtlCol="0" anchor="b"/>
+          <a:lstStyle>
+            <a:lvl1pPr algn="r">
+              <a:defRPr sz="1200"/>
+            </a:lvl1pPr>
+          </a:lstStyle>
+          <a:p>
+            <a:fld id="{733120CD-58E6-4459-9F1D-36D0C06BC6EE}" type="slidenum">
+              <a:rPr lang="en-US" smtClean="0"/>
+              <a:t>‹#›</a:t>
+            </a:fld>
+            <a:endParaRPr lang="en-US"/>
+          </a:p>
+        </p:txBody>
+      </p:sp>
+    </p:spTree>
+    <p:extLst>
+      <p:ext uri="{BB962C8B-B14F-4D97-AF65-F5344CB8AC3E}">
+        <p14:creationId xmlns:p14="http://schemas.microsoft.com/office/powerpoint/2010/main" val="174910241"/>
+      </p:ext>
+    </p:extLst>
+  </p:cSld>
+  <p:clrMap bg1="lt1" tx1="dk1" bg2="lt2" tx2="dk2" accent1="accent1" accent2="accent2" accent3="accent3" accent4="accent4" accent5="accent5" accent6="accent6" hlink="hlink" folHlink="folHlink"/>
+  <p:notesStyle>
+    <a:lvl1pPr marL="0" algn="l" defTabSz="914400" rtl="0" eaLnBrk="1" latinLnBrk="0" hangingPunct="1">
+      <a:defRPr sz="1200" kern="1200">
+        <a:solidFill>
+          <a:schemeClr val="tx1"/>
+        </a:solidFill>
+        <a:latin typeface="+mn-lt"/>
+        <a:ea typeface="+mn-ea"/>
+        <a:cs typeface="+mn-cs"/>
+      </a:defRPr>
+    </a:lvl1pPr>
+    <a:lvl2pPr marL="457200" algn="l" defTabSz="914400" rtl="0" eaLnBrk="1" latinLnBrk="0" hangingPunct="1">
+      <a:defRPr sz="1200" kern="1200">
+        <a:solidFill>
+          <a:schemeClr val="tx1"/>
+        </a:solidFill>
+        <a:latin typeface="+mn-lt"/>
+        <a:ea typeface="+mn-ea"/>
+        <a:cs typeface="+mn-cs"/>
+      </a:defRPr>
+    </a:lvl2pPr>
+    <a:lvl3pPr marL="914400" algn="l" defTabSz="914400" rtl="0" eaLnBrk="1" latinLnBrk="0" hangingPunct="1">
+      <a:defRPr sz="1200" kern="1200">
+        <a:solidFill>
+          <a:schemeClr val="tx1"/>
+        </a:solidFill>
+        <a:latin typeface="+mn-lt"/>
+        <a:ea typeface="+mn-ea"/>
+        <a:cs typeface="+mn-cs"/>
+      </a:defRPr>
+    </a:lvl3pPr>
+    <a:lvl4pPr marL="1371600" algn="l" defTabSz="914400" rtl="0" eaLnBrk="1" latinLnBrk="0" hangingPunct="1">
+      <a:defRPr sz="1200" kern="1200">
+        <a:solidFill>
+          <a:schemeClr val="tx1"/>
+        </a:solidFill>
+        <a:latin typeface="+mn-lt"/>
+        <a:ea typeface="+mn-ea"/>
+        <a:cs typeface="+mn-cs"/>
+      </a:defRPr>
+    </a:lvl4pPr>
+    <a:lvl5pPr marL="1828800" algn="l" defTabSz="914400" rtl="0" eaLnBrk="1" latinLnBrk="0" hangingPunct="1">
+      <a:defRPr sz="1200" kern="1200">
+        <a:solidFill>
+          <a:schemeClr val="tx1"/>
+        </a:solidFill>
+        <a:latin typeface="+mn-lt"/>
+        <a:ea typeface="+mn-ea"/>
+        <a:cs typeface="+mn-cs"/>
+      </a:defRPr>
+    </a:lvl5pPr>
+    <a:lvl6pPr marL="2286000" algn="l" defTabSz="914400" rtl="0" eaLnBrk="1" latinLnBrk="0" hangingPunct="1">
+      <a:defRPr sz="1200" kern="1200">
+        <a:solidFill>
+          <a:schemeClr val="tx1"/>
+        </a:solidFill>
+        <a:latin typeface="+mn-lt"/>
+        <a:ea typeface="+mn-ea"/>
+        <a:cs typeface="+mn-cs"/>
+      </a:defRPr>
+    </a:lvl6pPr>
+    <a:lvl7pPr marL="2743200" algn="l" defTabSz="914400" rtl="0" eaLnBrk="1" latinLnBrk="0" hangingPunct="1">
+      <a:defRPr sz="1200" kern="1200">
+        <a:solidFill>
+          <a:schemeClr val="tx1"/>
+        </a:solidFill>
+        <a:latin typeface="+mn-lt"/>
+        <a:ea typeface="+mn-ea"/>
+        <a:cs typeface="+mn-cs"/>
+      </a:defRPr>
+    </a:lvl7pPr>
+    <a:lvl8pPr marL="3200400" algn="l" defTabSz="914400" rtl="0" eaLnBrk="1" latinLnBrk="0" hangingPunct="1">
+      <a:defRPr sz="1200" kern="1200">
+        <a:solidFill>
+          <a:schemeClr val="tx1"/>
+        </a:solidFill>
+        <a:latin typeface="+mn-lt"/>
+        <a:ea typeface="+mn-ea"/>
+        <a:cs typeface="+mn-cs"/>
+      </a:defRPr>
+    </a:lvl8pPr>
+    <a:lvl9pPr marL="3657600" algn="l" defTabSz="914400" rtl="0" eaLnBrk="1" latinLnBrk="0" hangingPunct="1">
+      <a:defRPr sz="1200" kern="1200">
+        <a:solidFill>
+          <a:schemeClr val="tx1"/>
+        </a:solidFill>
+        <a:latin typeface="+mn-lt"/>
+        <a:ea typeface="+mn-ea"/>
+        <a:cs typeface="+mn-cs"/>
+      </a:defRPr>
+    </a:lvl9pPr>
+  </p:notesStyle>
+</p:notesMaster>
+</file>
+
+<file path=ppt/notesSlides/notesSlide1.xml><?xml version="1.0" encoding="utf-8"?>
+<p:notes xmlns:a="http://schemas.openxmlformats.org/drawingml/2006/main" xmlns:r="http://schemas.openxmlformats.org/officeDocument/2006/relationships" xmlns:p="http://schemas.openxmlformats.org/presentationml/2006/main">
+  <p:cSld>
+    <p:spTree>
+      <p:nvGrpSpPr>
+        <p:cNvPr id="1" name=""/>
+        <p:cNvGrpSpPr/>
+        <p:nvPr/>
+      </p:nvGrpSpPr>
+      <p:grpSpPr>
+        <a:xfrm>
+          <a:off x="0" y="0"/>
+          <a:ext cx="0" cy="0"/>
+          <a:chOff x="0" y="0"/>
+          <a:chExt cx="0" cy="0"/>
+        </a:xfrm>
+      </p:grpSpPr>
+      <p:sp>
+        <p:nvSpPr>
+          <p:cNvPr id="2" name="Slide Image Placeholder 1"/>
+          <p:cNvSpPr>
+            <a:spLocks noGrp="1" noRot="1" noChangeAspect="1"/>
+          </p:cNvSpPr>
+          <p:nvPr>
+            <p:ph type="sldImg"/>
+          </p:nvPr>
+        </p:nvSpPr>
+        <p:spPr/>
+      </p:sp>
+      <p:sp>
+        <p:nvSpPr>
+          <p:cNvPr id="3" name="Notes Placeholder 2"/>
+          <p:cNvSpPr>
+            <a:spLocks noGrp="1"/>
+          </p:cNvSpPr>
+          <p:nvPr>
+            <p:ph type="body" idx="1"/>
+          </p:nvPr>
+        </p:nvSpPr>
+        <p:spPr/>
+        <p:txBody>
+          <a:bodyPr/>
+          <a:lstStyle/>
+          <a:p>
+            <a:endParaRPr lang="en-GB" dirty="0">
+              <a:solidFill>
+                <a:schemeClr val="tx2"/>
+              </a:solidFill>
+              <a:latin typeface="Segoe" pitchFamily="34" charset="0"/>
+            </a:endParaRPr>
+          </a:p>
+        </p:txBody>
+      </p:sp>
+      <p:sp>
+        <p:nvSpPr>
+          <p:cNvPr id="4" name="Slide Number Placeholder 3"/>
+          <p:cNvSpPr>
+            <a:spLocks noGrp="1"/>
+          </p:cNvSpPr>
+          <p:nvPr>
+            <p:ph type="sldNum" sz="quarter" idx="10"/>
+          </p:nvPr>
+        </p:nvSpPr>
+        <p:spPr/>
+        <p:txBody>
+          <a:bodyPr/>
+          <a:lstStyle/>
+          <a:p>
+            <a:fld id="{4CFD207A-07DF-40AD-A916-9872E089CE7A}" type="slidenum">
+              <a:rPr lang="en-US" smtClean="0"/>
+              <a:t>7</a:t>
+            </a:fld>
+            <a:endParaRPr lang="en-US"/>
+          </a:p>
+        </p:txBody>
+      </p:sp>
+    </p:spTree>
+    <p:extLst>
+      <p:ext uri="{BB962C8B-B14F-4D97-AF65-F5344CB8AC3E}">
+        <p14:creationId xmlns:p14="http://schemas.microsoft.com/office/powerpoint/2010/main" val="2298900843"/>
+      </p:ext>
+    </p:extLst>
+  </p:cSld>
+  <p:clrMapOvr>
+    <a:masterClrMapping/>
+  </p:clrMapOvr>
+</p:notes>
 </file>
 
 <file path=ppt/slideLayouts/slideLayout1.xml><?xml version="1.0" encoding="utf-8"?>
@@ -2748,7 +3192,7 @@
           <a:p>
             <a:r>
               <a:rPr lang="en-US" dirty="0" smtClean="0"/>
-              <a:t>Page Design</a:t>
+              <a:t>Page layout</a:t>
             </a:r>
             <a:endParaRPr lang="en-US" dirty="0"/>
           </a:p>
@@ -2773,11 +3217,7 @@
           <a:p>
             <a:r>
               <a:rPr lang="en-US" dirty="0" smtClean="0"/>
-              <a:t>Christopher </a:t>
-            </a:r>
-            <a:r>
-              <a:rPr lang="en-US" dirty="0" smtClean="0"/>
-              <a:t>Harrison</a:t>
+              <a:t>Christopher Harrison</a:t>
             </a:r>
           </a:p>
           <a:p>
@@ -2802,7 +3242,6 @@
               <a:rPr lang="en-US" dirty="0" smtClean="0"/>
               <a:t>Microsoft</a:t>
             </a:r>
-            <a:endParaRPr lang="en-US" dirty="0" smtClean="0"/>
           </a:p>
         </p:txBody>
       </p:sp>
@@ -2845,7 +3284,7 @@
       </p:grpSpPr>
       <p:sp>
         <p:nvSpPr>
-          <p:cNvPr id="4" name="Title 3"/>
+          <p:cNvPr id="2" name="Title 1"/>
           <p:cNvSpPr>
             <a:spLocks noGrp="1"/>
           </p:cNvSpPr>
@@ -2860,16 +3299,76 @@
           <a:p>
             <a:r>
               <a:rPr lang="en-US" dirty="0" smtClean="0"/>
-              <a:t>Page Layouts</a:t>
+              <a:t>Responsive Layout</a:t>
             </a:r>
             <a:endParaRPr lang="en-US" dirty="0"/>
           </a:p>
         </p:txBody>
       </p:sp>
+      <p:pic>
+        <p:nvPicPr>
+          <p:cNvPr id="3" name="Picture 2"/>
+          <p:cNvPicPr>
+            <a:picLocks noChangeAspect="1"/>
+          </p:cNvPicPr>
+          <p:nvPr/>
+        </p:nvPicPr>
+        <p:blipFill>
+          <a:blip r:embed="rId2">
+            <a:extLst>
+              <a:ext uri="{28A0092B-C50C-407E-A947-70E740481C1C}">
+                <a14:useLocalDpi xmlns:a14="http://schemas.microsoft.com/office/drawing/2010/main" val="0"/>
+              </a:ext>
+            </a:extLst>
+          </a:blip>
+          <a:stretch>
+            <a:fillRect/>
+          </a:stretch>
+        </p:blipFill>
+        <p:spPr>
+          <a:xfrm>
+            <a:off x="9009870" y="1289634"/>
+            <a:ext cx="2342071" cy="4264214"/>
+          </a:xfrm>
+          <a:prstGeom prst="rect">
+            <a:avLst/>
+          </a:prstGeom>
+        </p:spPr>
+      </p:pic>
+      <p:pic>
+        <p:nvPicPr>
+          <p:cNvPr id="5" name="Picture 4"/>
+          <p:cNvPicPr>
+            <a:picLocks noChangeAspect="1"/>
+          </p:cNvPicPr>
+          <p:nvPr/>
+        </p:nvPicPr>
+        <p:blipFill>
+          <a:blip r:embed="rId3">
+            <a:extLst>
+              <a:ext uri="{28A0092B-C50C-407E-A947-70E740481C1C}">
+                <a14:useLocalDpi xmlns:a14="http://schemas.microsoft.com/office/drawing/2010/main" val="0"/>
+              </a:ext>
+            </a:extLst>
+          </a:blip>
+          <a:stretch>
+            <a:fillRect/>
+          </a:stretch>
+        </p:blipFill>
+        <p:spPr>
+          <a:xfrm>
+            <a:off x="847865" y="1245702"/>
+            <a:ext cx="6029184" cy="4308146"/>
+          </a:xfrm>
+          <a:prstGeom prst="rect">
+            <a:avLst/>
+          </a:prstGeom>
+        </p:spPr>
+      </p:pic>
     </p:spTree>
     <p:extLst>
       <p:ext uri="{BB962C8B-B14F-4D97-AF65-F5344CB8AC3E}">
-        <p14:creationId xmlns:p14="http://schemas.microsoft.com/office/powerpoint/2010/main" val="170314925"/>
+        <p14:creationId xmlns:p14="http://schemas.microsoft.com/office/powerpoint/2010/main" val="951439610"/>
       </p:ext>
     </p:extLst>
   </p:cSld>
@@ -2905,7 +3404,7 @@
       </p:grpSpPr>
       <p:sp>
         <p:nvSpPr>
-          <p:cNvPr id="3" name="Title 2"/>
+          <p:cNvPr id="2" name="Title 1"/>
           <p:cNvSpPr>
             <a:spLocks noGrp="1"/>
           </p:cNvSpPr>
@@ -2920,7 +3419,7 @@
           <a:p>
             <a:r>
               <a:rPr lang="en-US" dirty="0" smtClean="0"/>
-              <a:t>Nesting Columns</a:t>
+              <a:t>Site Design</a:t>
             </a:r>
             <a:endParaRPr lang="en-US" dirty="0"/>
           </a:p>
@@ -2928,37 +3427,421 @@
       </p:sp>
       <p:sp>
         <p:nvSpPr>
-          <p:cNvPr id="4" name="Content Placeholder 3"/>
-          <p:cNvSpPr>
-            <a:spLocks noGrp="1"/>
-          </p:cNvSpPr>
-          <p:nvPr>
-            <p:ph sz="quarter" idx="10"/>
-          </p:nvPr>
+          <p:cNvPr id="4" name="Rectangle 3"/>
+          <p:cNvSpPr/>
+          <p:nvPr/>
         </p:nvSpPr>
-        <p:spPr/>
+        <p:spPr>
+          <a:xfrm>
+            <a:off x="379514" y="1245702"/>
+            <a:ext cx="11401154" cy="5057444"/>
+          </a:xfrm>
+          <a:prstGeom prst="rect">
+            <a:avLst/>
+          </a:prstGeom>
+        </p:spPr>
+        <p:style>
+          <a:lnRef idx="2">
+            <a:schemeClr val="accent5"/>
+          </a:lnRef>
+          <a:fillRef idx="1">
+            <a:schemeClr val="lt1"/>
+          </a:fillRef>
+          <a:effectRef idx="0">
+            <a:schemeClr val="accent5"/>
+          </a:effectRef>
+          <a:fontRef idx="minor">
+            <a:schemeClr val="dk1"/>
+          </a:fontRef>
+        </p:style>
         <p:txBody>
-          <a:bodyPr/>
+          <a:bodyPr rtlCol="0" anchor="ctr"/>
           <a:lstStyle/>
           <a:p>
+            <a:pPr algn="ctr"/>
+            <a:endParaRPr lang="en-US"/>
+          </a:p>
+        </p:txBody>
+      </p:sp>
+      <p:sp>
+        <p:nvSpPr>
+          <p:cNvPr id="5" name="Rounded Rectangle 4"/>
+          <p:cNvSpPr/>
+          <p:nvPr/>
+        </p:nvSpPr>
+        <p:spPr>
+          <a:xfrm>
+            <a:off x="772357" y="1518082"/>
+            <a:ext cx="10422385" cy="941033"/>
+          </a:xfrm>
+          <a:prstGeom prst="roundRect">
+            <a:avLst/>
+          </a:prstGeom>
+        </p:spPr>
+        <p:style>
+          <a:lnRef idx="1">
+            <a:schemeClr val="accent4"/>
+          </a:lnRef>
+          <a:fillRef idx="2">
+            <a:schemeClr val="accent4"/>
+          </a:fillRef>
+          <a:effectRef idx="1">
+            <a:schemeClr val="accent4"/>
+          </a:effectRef>
+          <a:fontRef idx="minor">
+            <a:schemeClr val="dk1"/>
+          </a:fontRef>
+        </p:style>
+        <p:txBody>
+          <a:bodyPr rtlCol="0" anchor="ctr"/>
+          <a:lstStyle/>
+          <a:p>
+            <a:pPr algn="ctr"/>
+            <a:r>
+              <a:rPr lang="en-US" sz="3200" dirty="0" smtClean="0"/>
+              <a:t>Banner</a:t>
+            </a:r>
+            <a:endParaRPr lang="en-US" sz="3200" dirty="0"/>
+          </a:p>
+        </p:txBody>
+      </p:sp>
+      <p:sp>
+        <p:nvSpPr>
+          <p:cNvPr id="6" name="Rounded Rectangle 5"/>
+          <p:cNvSpPr/>
+          <p:nvPr/>
+        </p:nvSpPr>
+        <p:spPr>
+          <a:xfrm>
+            <a:off x="772358" y="2581569"/>
+            <a:ext cx="1455938" cy="1138175"/>
+          </a:xfrm>
+          <a:prstGeom prst="roundRect">
+            <a:avLst/>
+          </a:prstGeom>
+        </p:spPr>
+        <p:style>
+          <a:lnRef idx="1">
+            <a:schemeClr val="accent3"/>
+          </a:lnRef>
+          <a:fillRef idx="2">
+            <a:schemeClr val="accent3"/>
+          </a:fillRef>
+          <a:effectRef idx="1">
+            <a:schemeClr val="accent3"/>
+          </a:effectRef>
+          <a:fontRef idx="minor">
+            <a:schemeClr val="dk1"/>
+          </a:fontRef>
+        </p:style>
+        <p:txBody>
+          <a:bodyPr rtlCol="0" anchor="ctr"/>
+          <a:lstStyle/>
+          <a:p>
+            <a:pPr algn="ctr"/>
+            <a:r>
+              <a:rPr lang="en-US" sz="2400" dirty="0" smtClean="0"/>
+              <a:t>Cover Art</a:t>
+            </a:r>
+            <a:endParaRPr lang="en-US" sz="2400" dirty="0"/>
+          </a:p>
+        </p:txBody>
+      </p:sp>
+      <p:sp>
+        <p:nvSpPr>
+          <p:cNvPr id="7" name="Rounded Rectangle 6"/>
+          <p:cNvSpPr/>
+          <p:nvPr/>
+        </p:nvSpPr>
+        <p:spPr>
+          <a:xfrm>
+            <a:off x="2621140" y="2581569"/>
+            <a:ext cx="8573602" cy="1138175"/>
+          </a:xfrm>
+          <a:prstGeom prst="roundRect">
+            <a:avLst/>
+          </a:prstGeom>
+        </p:spPr>
+        <p:style>
+          <a:lnRef idx="1">
+            <a:schemeClr val="accent3"/>
+          </a:lnRef>
+          <a:fillRef idx="2">
+            <a:schemeClr val="accent3"/>
+          </a:fillRef>
+          <a:effectRef idx="1">
+            <a:schemeClr val="accent3"/>
+          </a:effectRef>
+          <a:fontRef idx="minor">
+            <a:schemeClr val="dk1"/>
+          </a:fontRef>
+        </p:style>
+        <p:txBody>
+          <a:bodyPr rtlCol="0" anchor="ctr"/>
+          <a:lstStyle/>
+          <a:p>
+            <a:pPr algn="ctr"/>
+            <a:r>
+              <a:rPr lang="en-US" sz="2400" dirty="0" smtClean="0"/>
+              <a:t>Title</a:t>
+            </a:r>
+          </a:p>
+          <a:p>
+            <a:pPr algn="ctr"/>
+            <a:r>
+              <a:rPr lang="en-US" sz="2400" dirty="0" smtClean="0"/>
+              <a:t>Artist</a:t>
+            </a:r>
+          </a:p>
+          <a:p>
+            <a:pPr algn="ctr"/>
+            <a:r>
+              <a:rPr lang="en-US" sz="2400" dirty="0" smtClean="0"/>
+              <a:t>Bio</a:t>
+            </a:r>
+            <a:endParaRPr lang="en-US" sz="2400" dirty="0"/>
+          </a:p>
+        </p:txBody>
+      </p:sp>
+      <p:sp>
+        <p:nvSpPr>
+          <p:cNvPr id="8" name="Rounded Rectangle 7"/>
+          <p:cNvSpPr/>
+          <p:nvPr/>
+        </p:nvSpPr>
+        <p:spPr>
+          <a:xfrm>
+            <a:off x="4820575" y="3867526"/>
+            <a:ext cx="6374167" cy="2278956"/>
+          </a:xfrm>
+          <a:prstGeom prst="roundRect">
+            <a:avLst/>
+          </a:prstGeom>
+        </p:spPr>
+        <p:style>
+          <a:lnRef idx="1">
+            <a:schemeClr val="accent5"/>
+          </a:lnRef>
+          <a:fillRef idx="2">
+            <a:schemeClr val="accent5"/>
+          </a:fillRef>
+          <a:effectRef idx="1">
+            <a:schemeClr val="accent5"/>
+          </a:effectRef>
+          <a:fontRef idx="minor">
+            <a:schemeClr val="dk1"/>
+          </a:fontRef>
+        </p:style>
+        <p:txBody>
+          <a:bodyPr rtlCol="0" anchor="ctr"/>
+          <a:lstStyle/>
+          <a:p>
+            <a:pPr algn="ctr"/>
+            <a:endParaRPr lang="en-US" sz="2400" dirty="0"/>
+          </a:p>
+        </p:txBody>
+      </p:sp>
+      <p:sp>
+        <p:nvSpPr>
+          <p:cNvPr id="9" name="Rounded Rectangle 8"/>
+          <p:cNvSpPr/>
+          <p:nvPr/>
+        </p:nvSpPr>
+        <p:spPr>
+          <a:xfrm>
+            <a:off x="5154226" y="4026024"/>
+            <a:ext cx="3764132" cy="1970843"/>
+          </a:xfrm>
+          <a:prstGeom prst="roundRect">
+            <a:avLst/>
+          </a:prstGeom>
+        </p:spPr>
+        <p:style>
+          <a:lnRef idx="2">
+            <a:schemeClr val="accent5">
+              <a:shade val="50000"/>
+            </a:schemeClr>
+          </a:lnRef>
+          <a:fillRef idx="1">
+            <a:schemeClr val="accent5"/>
+          </a:fillRef>
+          <a:effectRef idx="0">
+            <a:schemeClr val="accent5"/>
+          </a:effectRef>
+          <a:fontRef idx="minor">
+            <a:schemeClr val="lt1"/>
+          </a:fontRef>
+        </p:style>
+        <p:txBody>
+          <a:bodyPr rtlCol="0" anchor="ctr"/>
+          <a:lstStyle/>
+          <a:p>
+            <a:pPr algn="ctr"/>
             <a:r>
               <a:rPr lang="en-US" dirty="0" smtClean="0"/>
-              <a:t>Create rows in  a column</a:t>
-            </a:r>
-          </a:p>
-          <a:p>
+              <a:t>Track</a:t>
+            </a:r>
+          </a:p>
+          <a:p>
+            <a:pPr algn="ctr"/>
             <a:r>
               <a:rPr lang="en-US" dirty="0" smtClean="0"/>
-              <a:t>Each row has 12 new columns</a:t>
+              <a:t>Track</a:t>
+            </a:r>
+          </a:p>
+          <a:p>
+            <a:pPr algn="ctr"/>
+            <a:r>
+              <a:rPr lang="en-US" dirty="0" smtClean="0"/>
+              <a:t>Track</a:t>
+            </a:r>
+          </a:p>
+          <a:p>
+            <a:pPr algn="ctr"/>
+            <a:r>
+              <a:rPr lang="en-US" dirty="0" smtClean="0"/>
+              <a:t>Track</a:t>
+            </a:r>
+          </a:p>
+          <a:p>
+            <a:pPr algn="ctr"/>
+            <a:r>
+              <a:rPr lang="en-US" dirty="0" smtClean="0"/>
+              <a:t>Track</a:t>
             </a:r>
             <a:endParaRPr lang="en-US" dirty="0"/>
+          </a:p>
+        </p:txBody>
+      </p:sp>
+      <p:sp>
+        <p:nvSpPr>
+          <p:cNvPr id="11" name="Rounded Rectangle 10"/>
+          <p:cNvSpPr/>
+          <p:nvPr/>
+        </p:nvSpPr>
+        <p:spPr>
+          <a:xfrm>
+            <a:off x="9149178" y="4026023"/>
+            <a:ext cx="1853954" cy="1970843"/>
+          </a:xfrm>
+          <a:prstGeom prst="roundRect">
+            <a:avLst/>
+          </a:prstGeom>
+        </p:spPr>
+        <p:style>
+          <a:lnRef idx="2">
+            <a:schemeClr val="accent5">
+              <a:shade val="50000"/>
+            </a:schemeClr>
+          </a:lnRef>
+          <a:fillRef idx="1">
+            <a:schemeClr val="accent5"/>
+          </a:fillRef>
+          <a:effectRef idx="0">
+            <a:schemeClr val="accent5"/>
+          </a:effectRef>
+          <a:fontRef idx="minor">
+            <a:schemeClr val="lt1"/>
+          </a:fontRef>
+        </p:style>
+        <p:txBody>
+          <a:bodyPr rtlCol="0" anchor="ctr"/>
+          <a:lstStyle/>
+          <a:p>
+            <a:pPr algn="ctr"/>
+            <a:r>
+              <a:rPr lang="en-US" dirty="0" smtClean="0"/>
+              <a:t>Time</a:t>
+            </a:r>
+          </a:p>
+          <a:p>
+            <a:pPr algn="ctr"/>
+            <a:r>
+              <a:rPr lang="en-US" dirty="0" smtClean="0"/>
+              <a:t>Time</a:t>
+            </a:r>
+          </a:p>
+          <a:p>
+            <a:pPr algn="ctr"/>
+            <a:r>
+              <a:rPr lang="en-US" dirty="0" smtClean="0"/>
+              <a:t>Time</a:t>
+            </a:r>
+          </a:p>
+          <a:p>
+            <a:pPr algn="ctr"/>
+            <a:r>
+              <a:rPr lang="en-US" dirty="0" smtClean="0"/>
+              <a:t>Time</a:t>
+            </a:r>
+          </a:p>
+          <a:p>
+            <a:pPr algn="ctr"/>
+            <a:r>
+              <a:rPr lang="en-US" dirty="0" smtClean="0"/>
+              <a:t>Time</a:t>
+            </a:r>
+            <a:endParaRPr lang="en-US" dirty="0"/>
+          </a:p>
+        </p:txBody>
+      </p:sp>
+      <p:sp>
+        <p:nvSpPr>
+          <p:cNvPr id="12" name="Rounded Rectangle 11"/>
+          <p:cNvSpPr/>
+          <p:nvPr/>
+        </p:nvSpPr>
+        <p:spPr>
+          <a:xfrm>
+            <a:off x="811567" y="3842198"/>
+            <a:ext cx="3817398" cy="2278956"/>
+          </a:xfrm>
+          <a:prstGeom prst="roundRect">
+            <a:avLst/>
+          </a:prstGeom>
+        </p:spPr>
+        <p:style>
+          <a:lnRef idx="1">
+            <a:schemeClr val="accent5"/>
+          </a:lnRef>
+          <a:fillRef idx="2">
+            <a:schemeClr val="accent5"/>
+          </a:fillRef>
+          <a:effectRef idx="1">
+            <a:schemeClr val="accent5"/>
+          </a:effectRef>
+          <a:fontRef idx="minor">
+            <a:schemeClr val="dk1"/>
+          </a:fontRef>
+        </p:style>
+        <p:txBody>
+          <a:bodyPr rtlCol="0" anchor="ctr"/>
+          <a:lstStyle/>
+          <a:p>
+            <a:pPr algn="ctr"/>
+            <a:r>
+              <a:rPr lang="en-US" sz="2400" dirty="0" smtClean="0"/>
+              <a:t>Expert Review</a:t>
+            </a:r>
+          </a:p>
+          <a:p>
+            <a:pPr algn="ctr"/>
+            <a:endParaRPr lang="en-US" sz="2400" dirty="0"/>
+          </a:p>
+          <a:p>
+            <a:pPr algn="ctr"/>
+            <a:endParaRPr lang="en-US" sz="2400" dirty="0" smtClean="0"/>
+          </a:p>
+          <a:p>
+            <a:pPr algn="ctr"/>
+            <a:endParaRPr lang="en-US" sz="2400" dirty="0"/>
           </a:p>
         </p:txBody>
       </p:sp>
     </p:spTree>
     <p:extLst>
       <p:ext uri="{BB962C8B-B14F-4D97-AF65-F5344CB8AC3E}">
-        <p14:creationId xmlns:p14="http://schemas.microsoft.com/office/powerpoint/2010/main" val="968480295"/>
+        <p14:creationId xmlns:p14="http://schemas.microsoft.com/office/powerpoint/2010/main" val="1267163526"/>
       </p:ext>
     </p:extLst>
   </p:cSld>
@@ -3009,7 +3892,7 @@
           <a:p>
             <a:r>
               <a:rPr lang="en-US" dirty="0" smtClean="0"/>
-              <a:t>Site Design</a:t>
+              <a:t>Bootstrap Grid</a:t>
             </a:r>
             <a:endParaRPr lang="en-US" dirty="0"/>
           </a:p>
@@ -3017,421 +3900,78 @@
       </p:sp>
       <p:sp>
         <p:nvSpPr>
-          <p:cNvPr id="4" name="Rectangle 3"/>
-          <p:cNvSpPr/>
-          <p:nvPr/>
+          <p:cNvPr id="3" name="Content Placeholder 2"/>
+          <p:cNvSpPr>
+            <a:spLocks noGrp="1"/>
+          </p:cNvSpPr>
+          <p:nvPr>
+            <p:ph sz="quarter" idx="10"/>
+          </p:nvPr>
         </p:nvSpPr>
-        <p:spPr>
-          <a:xfrm>
-            <a:off x="379514" y="1245702"/>
-            <a:ext cx="11401154" cy="5057444"/>
-          </a:xfrm>
-          <a:prstGeom prst="rect">
-            <a:avLst/>
-          </a:prstGeom>
-        </p:spPr>
-        <p:style>
-          <a:lnRef idx="2">
-            <a:schemeClr val="accent5"/>
-          </a:lnRef>
-          <a:fillRef idx="1">
-            <a:schemeClr val="lt1"/>
-          </a:fillRef>
-          <a:effectRef idx="0">
-            <a:schemeClr val="accent5"/>
-          </a:effectRef>
-          <a:fontRef idx="minor">
-            <a:schemeClr val="dk1"/>
-          </a:fontRef>
-        </p:style>
+        <p:spPr/>
         <p:txBody>
-          <a:bodyPr rtlCol="0" anchor="ctr"/>
+          <a:bodyPr/>
           <a:lstStyle/>
           <a:p>
-            <a:pPr algn="ctr"/>
-            <a:endParaRPr lang="en-US"/>
-          </a:p>
-        </p:txBody>
-      </p:sp>
-      <p:sp>
-        <p:nvSpPr>
-          <p:cNvPr id="5" name="Rounded Rectangle 4"/>
-          <p:cNvSpPr/>
-          <p:nvPr/>
-        </p:nvSpPr>
-        <p:spPr>
-          <a:xfrm>
-            <a:off x="772357" y="1518082"/>
-            <a:ext cx="10422385" cy="941033"/>
-          </a:xfrm>
-          <a:prstGeom prst="roundRect">
-            <a:avLst/>
-          </a:prstGeom>
-        </p:spPr>
-        <p:style>
-          <a:lnRef idx="1">
-            <a:schemeClr val="accent4"/>
-          </a:lnRef>
-          <a:fillRef idx="2">
-            <a:schemeClr val="accent4"/>
-          </a:fillRef>
-          <a:effectRef idx="1">
-            <a:schemeClr val="accent4"/>
-          </a:effectRef>
-          <a:fontRef idx="minor">
-            <a:schemeClr val="dk1"/>
-          </a:fontRef>
-        </p:style>
-        <p:txBody>
-          <a:bodyPr rtlCol="0" anchor="ctr"/>
-          <a:lstStyle/>
-          <a:p>
-            <a:pPr algn="ctr"/>
-            <a:r>
-              <a:rPr lang="en-US" sz="3200" dirty="0" smtClean="0"/>
-              <a:t>Banner</a:t>
-            </a:r>
-            <a:endParaRPr lang="en-US" sz="3200" dirty="0"/>
-          </a:p>
-        </p:txBody>
-      </p:sp>
-      <p:sp>
-        <p:nvSpPr>
-          <p:cNvPr id="6" name="Rounded Rectangle 5"/>
-          <p:cNvSpPr/>
-          <p:nvPr/>
-        </p:nvSpPr>
-        <p:spPr>
-          <a:xfrm>
-            <a:off x="772358" y="2581569"/>
-            <a:ext cx="1455938" cy="1138175"/>
-          </a:xfrm>
-          <a:prstGeom prst="roundRect">
-            <a:avLst/>
-          </a:prstGeom>
-        </p:spPr>
-        <p:style>
-          <a:lnRef idx="1">
-            <a:schemeClr val="accent3"/>
-          </a:lnRef>
-          <a:fillRef idx="2">
-            <a:schemeClr val="accent3"/>
-          </a:fillRef>
-          <a:effectRef idx="1">
-            <a:schemeClr val="accent3"/>
-          </a:effectRef>
-          <a:fontRef idx="minor">
-            <a:schemeClr val="dk1"/>
-          </a:fontRef>
-        </p:style>
-        <p:txBody>
-          <a:bodyPr rtlCol="0" anchor="ctr"/>
-          <a:lstStyle/>
-          <a:p>
-            <a:pPr algn="ctr"/>
-            <a:r>
-              <a:rPr lang="en-US" sz="2400" dirty="0" smtClean="0"/>
-              <a:t>Cover Art</a:t>
-            </a:r>
-            <a:endParaRPr lang="en-US" sz="2400" dirty="0"/>
-          </a:p>
-        </p:txBody>
-      </p:sp>
-      <p:sp>
-        <p:nvSpPr>
-          <p:cNvPr id="7" name="Rounded Rectangle 6"/>
-          <p:cNvSpPr/>
-          <p:nvPr/>
-        </p:nvSpPr>
-        <p:spPr>
-          <a:xfrm>
-            <a:off x="2621140" y="2581569"/>
-            <a:ext cx="8573602" cy="1138175"/>
-          </a:xfrm>
-          <a:prstGeom prst="roundRect">
-            <a:avLst/>
-          </a:prstGeom>
-        </p:spPr>
-        <p:style>
-          <a:lnRef idx="1">
-            <a:schemeClr val="accent3"/>
-          </a:lnRef>
-          <a:fillRef idx="2">
-            <a:schemeClr val="accent3"/>
-          </a:fillRef>
-          <a:effectRef idx="1">
-            <a:schemeClr val="accent3"/>
-          </a:effectRef>
-          <a:fontRef idx="minor">
-            <a:schemeClr val="dk1"/>
-          </a:fontRef>
-        </p:style>
-        <p:txBody>
-          <a:bodyPr rtlCol="0" anchor="ctr"/>
-          <a:lstStyle/>
-          <a:p>
-            <a:pPr algn="ctr"/>
-            <a:r>
-              <a:rPr lang="en-US" sz="2400" dirty="0" smtClean="0"/>
-              <a:t>Title</a:t>
-            </a:r>
-          </a:p>
-          <a:p>
-            <a:pPr algn="ctr"/>
-            <a:r>
-              <a:rPr lang="en-US" sz="2400" dirty="0" smtClean="0"/>
-              <a:t>Artist</a:t>
-            </a:r>
-          </a:p>
-          <a:p>
-            <a:pPr algn="ctr"/>
-            <a:r>
-              <a:rPr lang="en-US" sz="2400" dirty="0" smtClean="0"/>
-              <a:t>Bio</a:t>
-            </a:r>
-            <a:endParaRPr lang="en-US" sz="2400" dirty="0"/>
-          </a:p>
-        </p:txBody>
-      </p:sp>
-      <p:sp>
-        <p:nvSpPr>
-          <p:cNvPr id="8" name="Rounded Rectangle 7"/>
-          <p:cNvSpPr/>
-          <p:nvPr/>
-        </p:nvSpPr>
-        <p:spPr>
-          <a:xfrm>
-            <a:off x="4820575" y="3867526"/>
-            <a:ext cx="6374167" cy="2278956"/>
-          </a:xfrm>
-          <a:prstGeom prst="roundRect">
-            <a:avLst/>
-          </a:prstGeom>
-        </p:spPr>
-        <p:style>
-          <a:lnRef idx="1">
-            <a:schemeClr val="accent5"/>
-          </a:lnRef>
-          <a:fillRef idx="2">
-            <a:schemeClr val="accent5"/>
-          </a:fillRef>
-          <a:effectRef idx="1">
-            <a:schemeClr val="accent5"/>
-          </a:effectRef>
-          <a:fontRef idx="minor">
-            <a:schemeClr val="dk1"/>
-          </a:fontRef>
-        </p:style>
-        <p:txBody>
-          <a:bodyPr rtlCol="0" anchor="ctr"/>
-          <a:lstStyle/>
-          <a:p>
-            <a:pPr algn="ctr"/>
-            <a:endParaRPr lang="en-US" sz="2400" dirty="0"/>
-          </a:p>
-        </p:txBody>
-      </p:sp>
-      <p:sp>
-        <p:nvSpPr>
-          <p:cNvPr id="9" name="Rounded Rectangle 8"/>
-          <p:cNvSpPr/>
-          <p:nvPr/>
-        </p:nvSpPr>
-        <p:spPr>
-          <a:xfrm>
-            <a:off x="5154226" y="4026024"/>
-            <a:ext cx="3764132" cy="1970843"/>
-          </a:xfrm>
-          <a:prstGeom prst="roundRect">
-            <a:avLst/>
-          </a:prstGeom>
-        </p:spPr>
-        <p:style>
-          <a:lnRef idx="2">
-            <a:schemeClr val="accent5">
-              <a:shade val="50000"/>
-            </a:schemeClr>
-          </a:lnRef>
-          <a:fillRef idx="1">
-            <a:schemeClr val="accent5"/>
-          </a:fillRef>
-          <a:effectRef idx="0">
-            <a:schemeClr val="accent5"/>
-          </a:effectRef>
-          <a:fontRef idx="minor">
-            <a:schemeClr val="lt1"/>
-          </a:fontRef>
-        </p:style>
-        <p:txBody>
-          <a:bodyPr rtlCol="0" anchor="ctr"/>
-          <a:lstStyle/>
-          <a:p>
-            <a:pPr algn="ctr"/>
             <a:r>
               <a:rPr lang="en-US" dirty="0" smtClean="0"/>
-              <a:t>Track</a:t>
-            </a:r>
-          </a:p>
-          <a:p>
-            <a:pPr algn="ctr"/>
+              <a:t>Bootstrap works on a grid</a:t>
+            </a:r>
+          </a:p>
+          <a:p>
             <a:r>
               <a:rPr lang="en-US" dirty="0" smtClean="0"/>
-              <a:t>Track</a:t>
-            </a:r>
-          </a:p>
-          <a:p>
-            <a:pPr algn="ctr"/>
+              <a:t>The grid has 12 columns</a:t>
+            </a:r>
+          </a:p>
+          <a:p>
             <a:r>
               <a:rPr lang="en-US" dirty="0" smtClean="0"/>
-              <a:t>Track</a:t>
-            </a:r>
-          </a:p>
-          <a:p>
-            <a:pPr algn="ctr"/>
+              <a:t>There are four grids</a:t>
+            </a:r>
+          </a:p>
+          <a:p>
+            <a:pPr lvl="1"/>
             <a:r>
               <a:rPr lang="en-US" dirty="0" smtClean="0"/>
-              <a:t>Track</a:t>
-            </a:r>
-          </a:p>
-          <a:p>
-            <a:pPr algn="ctr"/>
+              <a:t>One grid for each screen size</a:t>
+            </a:r>
+          </a:p>
+          <a:p>
+            <a:pPr lvl="2"/>
             <a:r>
               <a:rPr lang="en-US" dirty="0" smtClean="0"/>
-              <a:t>Track</a:t>
+              <a:t>Large (1200px and higher)</a:t>
+            </a:r>
+          </a:p>
+          <a:p>
+            <a:pPr lvl="2"/>
+            <a:r>
+              <a:rPr lang="en-US" dirty="0" smtClean="0"/>
+              <a:t>Medium (992px-1200px)</a:t>
+            </a:r>
+          </a:p>
+          <a:p>
+            <a:pPr lvl="2"/>
+            <a:r>
+              <a:rPr lang="en-US" dirty="0" smtClean="0"/>
+              <a:t>Small (768px-991px)</a:t>
+            </a:r>
+          </a:p>
+          <a:p>
+            <a:pPr lvl="2"/>
+            <a:r>
+              <a:rPr lang="en-US" dirty="0" smtClean="0"/>
+              <a:t>Extra small (less than 768px)</a:t>
             </a:r>
             <a:endParaRPr lang="en-US" dirty="0"/>
-          </a:p>
-        </p:txBody>
-      </p:sp>
-      <p:sp>
-        <p:nvSpPr>
-          <p:cNvPr id="11" name="Rounded Rectangle 10"/>
-          <p:cNvSpPr/>
-          <p:nvPr/>
-        </p:nvSpPr>
-        <p:spPr>
-          <a:xfrm>
-            <a:off x="9149178" y="4026023"/>
-            <a:ext cx="1853954" cy="1970843"/>
-          </a:xfrm>
-          <a:prstGeom prst="roundRect">
-            <a:avLst/>
-          </a:prstGeom>
-        </p:spPr>
-        <p:style>
-          <a:lnRef idx="2">
-            <a:schemeClr val="accent5">
-              <a:shade val="50000"/>
-            </a:schemeClr>
-          </a:lnRef>
-          <a:fillRef idx="1">
-            <a:schemeClr val="accent5"/>
-          </a:fillRef>
-          <a:effectRef idx="0">
-            <a:schemeClr val="accent5"/>
-          </a:effectRef>
-          <a:fontRef idx="minor">
-            <a:schemeClr val="lt1"/>
-          </a:fontRef>
-        </p:style>
-        <p:txBody>
-          <a:bodyPr rtlCol="0" anchor="ctr"/>
-          <a:lstStyle/>
-          <a:p>
-            <a:pPr algn="ctr"/>
-            <a:r>
-              <a:rPr lang="en-US" dirty="0" smtClean="0"/>
-              <a:t>Time</a:t>
-            </a:r>
-          </a:p>
-          <a:p>
-            <a:pPr algn="ctr"/>
-            <a:r>
-              <a:rPr lang="en-US" dirty="0" smtClean="0"/>
-              <a:t>Time</a:t>
-            </a:r>
-          </a:p>
-          <a:p>
-            <a:pPr algn="ctr"/>
-            <a:r>
-              <a:rPr lang="en-US" dirty="0" smtClean="0"/>
-              <a:t>Time</a:t>
-            </a:r>
-          </a:p>
-          <a:p>
-            <a:pPr algn="ctr"/>
-            <a:r>
-              <a:rPr lang="en-US" dirty="0" smtClean="0"/>
-              <a:t>Time</a:t>
-            </a:r>
-          </a:p>
-          <a:p>
-            <a:pPr algn="ctr"/>
-            <a:r>
-              <a:rPr lang="en-US" dirty="0" smtClean="0"/>
-              <a:t>Time</a:t>
-            </a:r>
-            <a:endParaRPr lang="en-US" dirty="0"/>
-          </a:p>
-        </p:txBody>
-      </p:sp>
-      <p:sp>
-        <p:nvSpPr>
-          <p:cNvPr id="12" name="Rounded Rectangle 11"/>
-          <p:cNvSpPr/>
-          <p:nvPr/>
-        </p:nvSpPr>
-        <p:spPr>
-          <a:xfrm>
-            <a:off x="811567" y="3842198"/>
-            <a:ext cx="3817398" cy="2278956"/>
-          </a:xfrm>
-          <a:prstGeom prst="roundRect">
-            <a:avLst/>
-          </a:prstGeom>
-        </p:spPr>
-        <p:style>
-          <a:lnRef idx="1">
-            <a:schemeClr val="accent5"/>
-          </a:lnRef>
-          <a:fillRef idx="2">
-            <a:schemeClr val="accent5"/>
-          </a:fillRef>
-          <a:effectRef idx="1">
-            <a:schemeClr val="accent5"/>
-          </a:effectRef>
-          <a:fontRef idx="minor">
-            <a:schemeClr val="dk1"/>
-          </a:fontRef>
-        </p:style>
-        <p:txBody>
-          <a:bodyPr rtlCol="0" anchor="ctr"/>
-          <a:lstStyle/>
-          <a:p>
-            <a:pPr algn="ctr"/>
-            <a:r>
-              <a:rPr lang="en-US" sz="2400" dirty="0" smtClean="0"/>
-              <a:t>Expert Review</a:t>
-            </a:r>
-          </a:p>
-          <a:p>
-            <a:pPr algn="ctr"/>
-            <a:endParaRPr lang="en-US" sz="2400" dirty="0"/>
-          </a:p>
-          <a:p>
-            <a:pPr algn="ctr"/>
-            <a:endParaRPr lang="en-US" sz="2400" dirty="0" smtClean="0"/>
-          </a:p>
-          <a:p>
-            <a:pPr algn="ctr"/>
-            <a:endParaRPr lang="en-US" sz="2400" dirty="0"/>
           </a:p>
         </p:txBody>
       </p:sp>
     </p:spTree>
     <p:extLst>
       <p:ext uri="{BB962C8B-B14F-4D97-AF65-F5344CB8AC3E}">
-        <p14:creationId xmlns:p14="http://schemas.microsoft.com/office/powerpoint/2010/main" val="2528701689"/>
+        <p14:creationId xmlns:p14="http://schemas.microsoft.com/office/powerpoint/2010/main" val="2038796198"/>
       </p:ext>
     </p:extLst>
   </p:cSld>
@@ -3482,1485 +4022,6 @@
           <a:p>
             <a:r>
               <a:rPr lang="en-US" dirty="0" smtClean="0"/>
-              <a:t>Nesting Columns</a:t>
-            </a:r>
-            <a:endParaRPr lang="en-US" dirty="0"/>
-          </a:p>
-        </p:txBody>
-      </p:sp>
-    </p:spTree>
-    <p:extLst>
-      <p:ext uri="{BB962C8B-B14F-4D97-AF65-F5344CB8AC3E}">
-        <p14:creationId xmlns:p14="http://schemas.microsoft.com/office/powerpoint/2010/main" val="4023309639"/>
-      </p:ext>
-    </p:extLst>
-  </p:cSld>
-  <p:clrMapOvr>
-    <a:masterClrMapping/>
-  </p:clrMapOvr>
-  <p:timing>
-    <p:tnLst>
-      <p:par>
-        <p:cTn id="1" dur="indefinite" restart="never" nodeType="tmRoot"/>
-      </p:par>
-    </p:tnLst>
-  </p:timing>
-</p:sld>
-</file>
-
-<file path=ppt/slides/slide14.xml><?xml version="1.0" encoding="utf-8"?>
-<p:sld xmlns:a="http://schemas.openxmlformats.org/drawingml/2006/main" xmlns:r="http://schemas.openxmlformats.org/officeDocument/2006/relationships" xmlns:p="http://schemas.openxmlformats.org/presentationml/2006/main">
-  <p:cSld>
-    <p:spTree>
-      <p:nvGrpSpPr>
-        <p:cNvPr id="1" name=""/>
-        <p:cNvGrpSpPr/>
-        <p:nvPr/>
-      </p:nvGrpSpPr>
-      <p:grpSpPr>
-        <a:xfrm>
-          <a:off x="0" y="0"/>
-          <a:ext cx="0" cy="0"/>
-          <a:chOff x="0" y="0"/>
-          <a:chExt cx="0" cy="0"/>
-        </a:xfrm>
-      </p:grpSpPr>
-      <p:sp>
-        <p:nvSpPr>
-          <p:cNvPr id="3" name="Title 2"/>
-          <p:cNvSpPr>
-            <a:spLocks noGrp="1"/>
-          </p:cNvSpPr>
-          <p:nvPr>
-            <p:ph type="title"/>
-          </p:nvPr>
-        </p:nvSpPr>
-        <p:spPr/>
-        <p:txBody>
-          <a:bodyPr/>
-          <a:lstStyle/>
-          <a:p>
-            <a:r>
-              <a:rPr lang="en-US" dirty="0" smtClean="0"/>
-              <a:t>Controlling Placement</a:t>
-            </a:r>
-            <a:endParaRPr lang="en-US" dirty="0"/>
-          </a:p>
-        </p:txBody>
-      </p:sp>
-      <p:sp>
-        <p:nvSpPr>
-          <p:cNvPr id="4" name="Content Placeholder 3"/>
-          <p:cNvSpPr>
-            <a:spLocks noGrp="1"/>
-          </p:cNvSpPr>
-          <p:nvPr>
-            <p:ph sz="quarter" idx="10"/>
-          </p:nvPr>
-        </p:nvSpPr>
-        <p:spPr/>
-        <p:txBody>
-          <a:bodyPr/>
-          <a:lstStyle/>
-          <a:p>
-            <a:r>
-              <a:rPr lang="en-US" dirty="0" smtClean="0"/>
-              <a:t>Offset</a:t>
-            </a:r>
-          </a:p>
-          <a:p>
-            <a:pPr lvl="1"/>
-            <a:r>
-              <a:rPr lang="en-US" dirty="0" smtClean="0"/>
-              <a:t>Flows in order</a:t>
-            </a:r>
-          </a:p>
-          <a:p>
-            <a:pPr lvl="1"/>
-            <a:r>
-              <a:rPr lang="en-US" dirty="0" smtClean="0"/>
-              <a:t>Leaves specified columns blank</a:t>
-            </a:r>
-          </a:p>
-          <a:p>
-            <a:r>
-              <a:rPr lang="en-US" dirty="0" smtClean="0"/>
-              <a:t>Pull</a:t>
-            </a:r>
-          </a:p>
-          <a:p>
-            <a:pPr lvl="1"/>
-            <a:r>
-              <a:rPr lang="en-US" dirty="0" smtClean="0"/>
-              <a:t>Move an item to the left</a:t>
-            </a:r>
-          </a:p>
-          <a:p>
-            <a:pPr lvl="1"/>
-            <a:r>
-              <a:rPr lang="en-US" dirty="0" smtClean="0"/>
-              <a:t>Allows the item to be specified later than flow</a:t>
-            </a:r>
-          </a:p>
-          <a:p>
-            <a:r>
-              <a:rPr lang="en-US" dirty="0" smtClean="0"/>
-              <a:t>Push</a:t>
-            </a:r>
-          </a:p>
-          <a:p>
-            <a:pPr lvl="1"/>
-            <a:r>
-              <a:rPr lang="en-US" dirty="0" smtClean="0"/>
-              <a:t>Move an item to the right</a:t>
-            </a:r>
-          </a:p>
-          <a:p>
-            <a:pPr lvl="1"/>
-            <a:r>
-              <a:rPr lang="en-US" dirty="0" smtClean="0"/>
-              <a:t>Allows the item to be specified earlier than flow</a:t>
-            </a:r>
-            <a:endParaRPr lang="en-US" dirty="0"/>
-          </a:p>
-        </p:txBody>
-      </p:sp>
-    </p:spTree>
-    <p:extLst>
-      <p:ext uri="{BB962C8B-B14F-4D97-AF65-F5344CB8AC3E}">
-        <p14:creationId xmlns:p14="http://schemas.microsoft.com/office/powerpoint/2010/main" val="3366426790"/>
-      </p:ext>
-    </p:extLst>
-  </p:cSld>
-  <p:clrMapOvr>
-    <a:masterClrMapping/>
-  </p:clrMapOvr>
-  <p:timing>
-    <p:tnLst>
-      <p:par>
-        <p:cTn id="1" dur="indefinite" restart="never" nodeType="tmRoot"/>
-      </p:par>
-    </p:tnLst>
-  </p:timing>
-</p:sld>
-</file>
-
-<file path=ppt/slides/slide15.xml><?xml version="1.0" encoding="utf-8"?>
-<p:sld xmlns:a="http://schemas.openxmlformats.org/drawingml/2006/main" xmlns:r="http://schemas.openxmlformats.org/officeDocument/2006/relationships" xmlns:p="http://schemas.openxmlformats.org/presentationml/2006/main">
-  <p:cSld>
-    <p:spTree>
-      <p:nvGrpSpPr>
-        <p:cNvPr id="1" name=""/>
-        <p:cNvGrpSpPr/>
-        <p:nvPr/>
-      </p:nvGrpSpPr>
-      <p:grpSpPr>
-        <a:xfrm>
-          <a:off x="0" y="0"/>
-          <a:ext cx="0" cy="0"/>
-          <a:chOff x="0" y="0"/>
-          <a:chExt cx="0" cy="0"/>
-        </a:xfrm>
-      </p:grpSpPr>
-      <p:sp>
-        <p:nvSpPr>
-          <p:cNvPr id="2" name="Title 1"/>
-          <p:cNvSpPr>
-            <a:spLocks noGrp="1"/>
-          </p:cNvSpPr>
-          <p:nvPr>
-            <p:ph type="title"/>
-          </p:nvPr>
-        </p:nvSpPr>
-        <p:spPr/>
-        <p:txBody>
-          <a:bodyPr/>
-          <a:lstStyle/>
-          <a:p>
-            <a:r>
-              <a:rPr lang="en-US" dirty="0" smtClean="0"/>
-              <a:t>Site Design</a:t>
-            </a:r>
-            <a:endParaRPr lang="en-US" dirty="0"/>
-          </a:p>
-        </p:txBody>
-      </p:sp>
-      <p:sp>
-        <p:nvSpPr>
-          <p:cNvPr id="4" name="Rectangle 3"/>
-          <p:cNvSpPr/>
-          <p:nvPr/>
-        </p:nvSpPr>
-        <p:spPr>
-          <a:xfrm>
-            <a:off x="379514" y="1245702"/>
-            <a:ext cx="11401154" cy="5057444"/>
-          </a:xfrm>
-          <a:prstGeom prst="rect">
-            <a:avLst/>
-          </a:prstGeom>
-        </p:spPr>
-        <p:style>
-          <a:lnRef idx="2">
-            <a:schemeClr val="accent5"/>
-          </a:lnRef>
-          <a:fillRef idx="1">
-            <a:schemeClr val="lt1"/>
-          </a:fillRef>
-          <a:effectRef idx="0">
-            <a:schemeClr val="accent5"/>
-          </a:effectRef>
-          <a:fontRef idx="minor">
-            <a:schemeClr val="dk1"/>
-          </a:fontRef>
-        </p:style>
-        <p:txBody>
-          <a:bodyPr rtlCol="0" anchor="ctr"/>
-          <a:lstStyle/>
-          <a:p>
-            <a:pPr algn="ctr"/>
-            <a:endParaRPr lang="en-US"/>
-          </a:p>
-        </p:txBody>
-      </p:sp>
-      <p:sp>
-        <p:nvSpPr>
-          <p:cNvPr id="5" name="Rounded Rectangle 4"/>
-          <p:cNvSpPr/>
-          <p:nvPr/>
-        </p:nvSpPr>
-        <p:spPr>
-          <a:xfrm>
-            <a:off x="772357" y="1518082"/>
-            <a:ext cx="10422385" cy="941033"/>
-          </a:xfrm>
-          <a:prstGeom prst="roundRect">
-            <a:avLst/>
-          </a:prstGeom>
-        </p:spPr>
-        <p:style>
-          <a:lnRef idx="1">
-            <a:schemeClr val="accent4"/>
-          </a:lnRef>
-          <a:fillRef idx="2">
-            <a:schemeClr val="accent4"/>
-          </a:fillRef>
-          <a:effectRef idx="1">
-            <a:schemeClr val="accent4"/>
-          </a:effectRef>
-          <a:fontRef idx="minor">
-            <a:schemeClr val="dk1"/>
-          </a:fontRef>
-        </p:style>
-        <p:txBody>
-          <a:bodyPr rtlCol="0" anchor="ctr"/>
-          <a:lstStyle/>
-          <a:p>
-            <a:pPr algn="ctr"/>
-            <a:r>
-              <a:rPr lang="en-US" sz="3200" dirty="0" smtClean="0"/>
-              <a:t>Banner</a:t>
-            </a:r>
-            <a:endParaRPr lang="en-US" sz="3200" dirty="0"/>
-          </a:p>
-        </p:txBody>
-      </p:sp>
-      <p:sp>
-        <p:nvSpPr>
-          <p:cNvPr id="6" name="Rounded Rectangle 5"/>
-          <p:cNvSpPr/>
-          <p:nvPr/>
-        </p:nvSpPr>
-        <p:spPr>
-          <a:xfrm>
-            <a:off x="772358" y="2581569"/>
-            <a:ext cx="1455938" cy="1138175"/>
-          </a:xfrm>
-          <a:prstGeom prst="roundRect">
-            <a:avLst/>
-          </a:prstGeom>
-        </p:spPr>
-        <p:style>
-          <a:lnRef idx="1">
-            <a:schemeClr val="accent3"/>
-          </a:lnRef>
-          <a:fillRef idx="2">
-            <a:schemeClr val="accent3"/>
-          </a:fillRef>
-          <a:effectRef idx="1">
-            <a:schemeClr val="accent3"/>
-          </a:effectRef>
-          <a:fontRef idx="minor">
-            <a:schemeClr val="dk1"/>
-          </a:fontRef>
-        </p:style>
-        <p:txBody>
-          <a:bodyPr rtlCol="0" anchor="ctr"/>
-          <a:lstStyle/>
-          <a:p>
-            <a:pPr algn="ctr"/>
-            <a:r>
-              <a:rPr lang="en-US" sz="2400" dirty="0" smtClean="0"/>
-              <a:t>Cover Art</a:t>
-            </a:r>
-            <a:endParaRPr lang="en-US" sz="2400" dirty="0"/>
-          </a:p>
-        </p:txBody>
-      </p:sp>
-      <p:sp>
-        <p:nvSpPr>
-          <p:cNvPr id="7" name="Rounded Rectangle 6"/>
-          <p:cNvSpPr/>
-          <p:nvPr/>
-        </p:nvSpPr>
-        <p:spPr>
-          <a:xfrm>
-            <a:off x="2621140" y="2581569"/>
-            <a:ext cx="8573602" cy="1138175"/>
-          </a:xfrm>
-          <a:prstGeom prst="roundRect">
-            <a:avLst/>
-          </a:prstGeom>
-        </p:spPr>
-        <p:style>
-          <a:lnRef idx="1">
-            <a:schemeClr val="accent3"/>
-          </a:lnRef>
-          <a:fillRef idx="2">
-            <a:schemeClr val="accent3"/>
-          </a:fillRef>
-          <a:effectRef idx="1">
-            <a:schemeClr val="accent3"/>
-          </a:effectRef>
-          <a:fontRef idx="minor">
-            <a:schemeClr val="dk1"/>
-          </a:fontRef>
-        </p:style>
-        <p:txBody>
-          <a:bodyPr rtlCol="0" anchor="ctr"/>
-          <a:lstStyle/>
-          <a:p>
-            <a:pPr algn="ctr"/>
-            <a:r>
-              <a:rPr lang="en-US" sz="2400" dirty="0" smtClean="0"/>
-              <a:t>Title</a:t>
-            </a:r>
-          </a:p>
-          <a:p>
-            <a:pPr algn="ctr"/>
-            <a:r>
-              <a:rPr lang="en-US" sz="2400" dirty="0" smtClean="0"/>
-              <a:t>Artist</a:t>
-            </a:r>
-          </a:p>
-          <a:p>
-            <a:pPr algn="ctr"/>
-            <a:r>
-              <a:rPr lang="en-US" sz="2400" dirty="0" smtClean="0"/>
-              <a:t>Bio</a:t>
-            </a:r>
-            <a:endParaRPr lang="en-US" sz="2400" dirty="0"/>
-          </a:p>
-        </p:txBody>
-      </p:sp>
-      <p:sp>
-        <p:nvSpPr>
-          <p:cNvPr id="8" name="Rounded Rectangle 7"/>
-          <p:cNvSpPr/>
-          <p:nvPr/>
-        </p:nvSpPr>
-        <p:spPr>
-          <a:xfrm>
-            <a:off x="4820575" y="3867526"/>
-            <a:ext cx="6374167" cy="2278956"/>
-          </a:xfrm>
-          <a:prstGeom prst="roundRect">
-            <a:avLst/>
-          </a:prstGeom>
-        </p:spPr>
-        <p:style>
-          <a:lnRef idx="1">
-            <a:schemeClr val="accent5"/>
-          </a:lnRef>
-          <a:fillRef idx="2">
-            <a:schemeClr val="accent5"/>
-          </a:fillRef>
-          <a:effectRef idx="1">
-            <a:schemeClr val="accent5"/>
-          </a:effectRef>
-          <a:fontRef idx="minor">
-            <a:schemeClr val="dk1"/>
-          </a:fontRef>
-        </p:style>
-        <p:txBody>
-          <a:bodyPr rtlCol="0" anchor="ctr"/>
-          <a:lstStyle/>
-          <a:p>
-            <a:pPr algn="ctr"/>
-            <a:endParaRPr lang="en-US" sz="2400" dirty="0"/>
-          </a:p>
-        </p:txBody>
-      </p:sp>
-      <p:sp>
-        <p:nvSpPr>
-          <p:cNvPr id="9" name="Rounded Rectangle 8"/>
-          <p:cNvSpPr/>
-          <p:nvPr/>
-        </p:nvSpPr>
-        <p:spPr>
-          <a:xfrm>
-            <a:off x="5154226" y="4026024"/>
-            <a:ext cx="3764132" cy="1970843"/>
-          </a:xfrm>
-          <a:prstGeom prst="roundRect">
-            <a:avLst/>
-          </a:prstGeom>
-        </p:spPr>
-        <p:style>
-          <a:lnRef idx="2">
-            <a:schemeClr val="accent5">
-              <a:shade val="50000"/>
-            </a:schemeClr>
-          </a:lnRef>
-          <a:fillRef idx="1">
-            <a:schemeClr val="accent5"/>
-          </a:fillRef>
-          <a:effectRef idx="0">
-            <a:schemeClr val="accent5"/>
-          </a:effectRef>
-          <a:fontRef idx="minor">
-            <a:schemeClr val="lt1"/>
-          </a:fontRef>
-        </p:style>
-        <p:txBody>
-          <a:bodyPr rtlCol="0" anchor="ctr"/>
-          <a:lstStyle/>
-          <a:p>
-            <a:pPr algn="ctr"/>
-            <a:r>
-              <a:rPr lang="en-US" dirty="0" smtClean="0"/>
-              <a:t>Track</a:t>
-            </a:r>
-          </a:p>
-          <a:p>
-            <a:pPr algn="ctr"/>
-            <a:r>
-              <a:rPr lang="en-US" dirty="0" smtClean="0"/>
-              <a:t>Track</a:t>
-            </a:r>
-          </a:p>
-          <a:p>
-            <a:pPr algn="ctr"/>
-            <a:r>
-              <a:rPr lang="en-US" dirty="0" smtClean="0"/>
-              <a:t>Track</a:t>
-            </a:r>
-          </a:p>
-          <a:p>
-            <a:pPr algn="ctr"/>
-            <a:r>
-              <a:rPr lang="en-US" dirty="0" smtClean="0"/>
-              <a:t>Track</a:t>
-            </a:r>
-          </a:p>
-          <a:p>
-            <a:pPr algn="ctr"/>
-            <a:r>
-              <a:rPr lang="en-US" dirty="0" smtClean="0"/>
-              <a:t>Track</a:t>
-            </a:r>
-            <a:endParaRPr lang="en-US" dirty="0"/>
-          </a:p>
-        </p:txBody>
-      </p:sp>
-      <p:sp>
-        <p:nvSpPr>
-          <p:cNvPr id="11" name="Rounded Rectangle 10"/>
-          <p:cNvSpPr/>
-          <p:nvPr/>
-        </p:nvSpPr>
-        <p:spPr>
-          <a:xfrm>
-            <a:off x="9149178" y="4026023"/>
-            <a:ext cx="1853954" cy="1970843"/>
-          </a:xfrm>
-          <a:prstGeom prst="roundRect">
-            <a:avLst/>
-          </a:prstGeom>
-        </p:spPr>
-        <p:style>
-          <a:lnRef idx="2">
-            <a:schemeClr val="accent5">
-              <a:shade val="50000"/>
-            </a:schemeClr>
-          </a:lnRef>
-          <a:fillRef idx="1">
-            <a:schemeClr val="accent5"/>
-          </a:fillRef>
-          <a:effectRef idx="0">
-            <a:schemeClr val="accent5"/>
-          </a:effectRef>
-          <a:fontRef idx="minor">
-            <a:schemeClr val="lt1"/>
-          </a:fontRef>
-        </p:style>
-        <p:txBody>
-          <a:bodyPr rtlCol="0" anchor="ctr"/>
-          <a:lstStyle/>
-          <a:p>
-            <a:pPr algn="ctr"/>
-            <a:r>
-              <a:rPr lang="en-US" dirty="0" smtClean="0"/>
-              <a:t>Time</a:t>
-            </a:r>
-          </a:p>
-          <a:p>
-            <a:pPr algn="ctr"/>
-            <a:r>
-              <a:rPr lang="en-US" dirty="0" smtClean="0"/>
-              <a:t>Time</a:t>
-            </a:r>
-          </a:p>
-          <a:p>
-            <a:pPr algn="ctr"/>
-            <a:r>
-              <a:rPr lang="en-US" dirty="0" smtClean="0"/>
-              <a:t>Time</a:t>
-            </a:r>
-          </a:p>
-          <a:p>
-            <a:pPr algn="ctr"/>
-            <a:r>
-              <a:rPr lang="en-US" dirty="0" smtClean="0"/>
-              <a:t>Time</a:t>
-            </a:r>
-          </a:p>
-          <a:p>
-            <a:pPr algn="ctr"/>
-            <a:r>
-              <a:rPr lang="en-US" dirty="0" smtClean="0"/>
-              <a:t>Time</a:t>
-            </a:r>
-            <a:endParaRPr lang="en-US" dirty="0"/>
-          </a:p>
-        </p:txBody>
-      </p:sp>
-      <p:sp>
-        <p:nvSpPr>
-          <p:cNvPr id="12" name="Rounded Rectangle 11"/>
-          <p:cNvSpPr/>
-          <p:nvPr/>
-        </p:nvSpPr>
-        <p:spPr>
-          <a:xfrm>
-            <a:off x="811567" y="3842198"/>
-            <a:ext cx="3817398" cy="2278956"/>
-          </a:xfrm>
-          <a:prstGeom prst="roundRect">
-            <a:avLst/>
-          </a:prstGeom>
-        </p:spPr>
-        <p:style>
-          <a:lnRef idx="1">
-            <a:schemeClr val="accent5"/>
-          </a:lnRef>
-          <a:fillRef idx="2">
-            <a:schemeClr val="accent5"/>
-          </a:fillRef>
-          <a:effectRef idx="1">
-            <a:schemeClr val="accent5"/>
-          </a:effectRef>
-          <a:fontRef idx="minor">
-            <a:schemeClr val="dk1"/>
-          </a:fontRef>
-        </p:style>
-        <p:txBody>
-          <a:bodyPr rtlCol="0" anchor="ctr"/>
-          <a:lstStyle/>
-          <a:p>
-            <a:pPr algn="ctr"/>
-            <a:r>
-              <a:rPr lang="en-US" sz="2400" dirty="0" smtClean="0"/>
-              <a:t>Expert Review</a:t>
-            </a:r>
-          </a:p>
-          <a:p>
-            <a:pPr algn="ctr"/>
-            <a:endParaRPr lang="en-US" sz="2400" dirty="0"/>
-          </a:p>
-          <a:p>
-            <a:pPr algn="ctr"/>
-            <a:endParaRPr lang="en-US" sz="2400" dirty="0" smtClean="0"/>
-          </a:p>
-          <a:p>
-            <a:pPr algn="ctr"/>
-            <a:endParaRPr lang="en-US" sz="2400" dirty="0"/>
-          </a:p>
-        </p:txBody>
-      </p:sp>
-    </p:spTree>
-    <p:extLst>
-      <p:ext uri="{BB962C8B-B14F-4D97-AF65-F5344CB8AC3E}">
-        <p14:creationId xmlns:p14="http://schemas.microsoft.com/office/powerpoint/2010/main" val="1518307320"/>
-      </p:ext>
-    </p:extLst>
-  </p:cSld>
-  <p:clrMapOvr>
-    <a:masterClrMapping/>
-  </p:clrMapOvr>
-  <p:timing>
-    <p:tnLst>
-      <p:par>
-        <p:cTn id="1" dur="indefinite" restart="never" nodeType="tmRoot"/>
-      </p:par>
-    </p:tnLst>
-  </p:timing>
-</p:sld>
-</file>
-
-<file path=ppt/slides/slide16.xml><?xml version="1.0" encoding="utf-8"?>
-<p:sld xmlns:a="http://schemas.openxmlformats.org/drawingml/2006/main" xmlns:r="http://schemas.openxmlformats.org/officeDocument/2006/relationships" xmlns:p="http://schemas.openxmlformats.org/presentationml/2006/main">
-  <p:cSld>
-    <p:spTree>
-      <p:nvGrpSpPr>
-        <p:cNvPr id="1" name=""/>
-        <p:cNvGrpSpPr/>
-        <p:nvPr/>
-      </p:nvGrpSpPr>
-      <p:grpSpPr>
-        <a:xfrm>
-          <a:off x="0" y="0"/>
-          <a:ext cx="0" cy="0"/>
-          <a:chOff x="0" y="0"/>
-          <a:chExt cx="0" cy="0"/>
-        </a:xfrm>
-      </p:grpSpPr>
-      <p:sp>
-        <p:nvSpPr>
-          <p:cNvPr id="4" name="Title 3"/>
-          <p:cNvSpPr>
-            <a:spLocks noGrp="1"/>
-          </p:cNvSpPr>
-          <p:nvPr>
-            <p:ph type="title"/>
-          </p:nvPr>
-        </p:nvSpPr>
-        <p:spPr/>
-        <p:txBody>
-          <a:bodyPr/>
-          <a:lstStyle/>
-          <a:p>
-            <a:r>
-              <a:rPr lang="en-US" dirty="0" smtClean="0"/>
-              <a:t>Controlling Placement</a:t>
-            </a:r>
-            <a:endParaRPr lang="en-US" dirty="0"/>
-          </a:p>
-        </p:txBody>
-      </p:sp>
-    </p:spTree>
-    <p:extLst>
-      <p:ext uri="{BB962C8B-B14F-4D97-AF65-F5344CB8AC3E}">
-        <p14:creationId xmlns:p14="http://schemas.microsoft.com/office/powerpoint/2010/main" val="1916281522"/>
-      </p:ext>
-    </p:extLst>
-  </p:cSld>
-  <p:clrMapOvr>
-    <a:masterClrMapping/>
-  </p:clrMapOvr>
-  <p:timing>
-    <p:tnLst>
-      <p:par>
-        <p:cTn id="1" dur="indefinite" restart="never" nodeType="tmRoot"/>
-      </p:par>
-    </p:tnLst>
-  </p:timing>
-</p:sld>
-</file>
-
-<file path=ppt/slides/slide17.xml><?xml version="1.0" encoding="utf-8"?>
-<p:sld xmlns:a="http://schemas.openxmlformats.org/drawingml/2006/main" xmlns:r="http://schemas.openxmlformats.org/officeDocument/2006/relationships" xmlns:p="http://schemas.openxmlformats.org/presentationml/2006/main">
-  <p:cSld>
-    <p:spTree>
-      <p:nvGrpSpPr>
-        <p:cNvPr id="1" name=""/>
-        <p:cNvGrpSpPr/>
-        <p:nvPr/>
-      </p:nvGrpSpPr>
-      <p:grpSpPr>
-        <a:xfrm>
-          <a:off x="0" y="0"/>
-          <a:ext cx="0" cy="0"/>
-          <a:chOff x="0" y="0"/>
-          <a:chExt cx="0" cy="0"/>
-        </a:xfrm>
-      </p:grpSpPr>
-    </p:spTree>
-    <p:extLst>
-      <p:ext uri="{BB962C8B-B14F-4D97-AF65-F5344CB8AC3E}">
-        <p14:creationId xmlns:p14="http://schemas.microsoft.com/office/powerpoint/2010/main" val="4096507743"/>
-      </p:ext>
-    </p:extLst>
-  </p:cSld>
-  <p:clrMapOvr>
-    <a:masterClrMapping/>
-  </p:clrMapOvr>
-  <mc:AlternateContent xmlns:mc="http://schemas.openxmlformats.org/markup-compatibility/2006" xmlns:p14="http://schemas.microsoft.com/office/powerpoint/2010/main">
-    <mc:Choice Requires="p14">
-      <p:transition spd="slow" p14:dur="2000"/>
-    </mc:Choice>
-    <mc:Fallback xmlns="">
-      <p:transition spd="slow"/>
-    </mc:Fallback>
-  </mc:AlternateContent>
-  <p:timing>
-    <p:tnLst>
-      <p:par>
-        <p:cTn id="1" dur="indefinite" restart="never" nodeType="tmRoot"/>
-      </p:par>
-    </p:tnLst>
-  </p:timing>
-</p:sld>
-</file>
-
-<file path=ppt/slides/slide2.xml><?xml version="1.0" encoding="utf-8"?>
-<p:sld xmlns:a="http://schemas.openxmlformats.org/drawingml/2006/main" xmlns:r="http://schemas.openxmlformats.org/officeDocument/2006/relationships" xmlns:p="http://schemas.openxmlformats.org/presentationml/2006/main">
-  <p:cSld>
-    <p:spTree>
-      <p:nvGrpSpPr>
-        <p:cNvPr id="1" name=""/>
-        <p:cNvGrpSpPr/>
-        <p:nvPr/>
-      </p:nvGrpSpPr>
-      <p:grpSpPr>
-        <a:xfrm>
-          <a:off x="0" y="0"/>
-          <a:ext cx="0" cy="0"/>
-          <a:chOff x="0" y="0"/>
-          <a:chExt cx="0" cy="0"/>
-        </a:xfrm>
-      </p:grpSpPr>
-      <p:sp>
-        <p:nvSpPr>
-          <p:cNvPr id="4" name="Title 3"/>
-          <p:cNvSpPr>
-            <a:spLocks noGrp="1"/>
-          </p:cNvSpPr>
-          <p:nvPr>
-            <p:ph type="title"/>
-          </p:nvPr>
-        </p:nvSpPr>
-        <p:spPr/>
-        <p:txBody>
-          <a:bodyPr/>
-          <a:lstStyle/>
-          <a:p>
-            <a:r>
-              <a:rPr lang="en-US" dirty="0" smtClean="0"/>
-              <a:t>Outline</a:t>
-            </a:r>
-            <a:endParaRPr lang="en-US" dirty="0"/>
-          </a:p>
-        </p:txBody>
-      </p:sp>
-      <p:sp>
-        <p:nvSpPr>
-          <p:cNvPr id="5" name="Content Placeholder 4"/>
-          <p:cNvSpPr>
-            <a:spLocks noGrp="1"/>
-          </p:cNvSpPr>
-          <p:nvPr>
-            <p:ph sz="quarter" idx="10"/>
-          </p:nvPr>
-        </p:nvSpPr>
-        <p:spPr/>
-        <p:txBody>
-          <a:bodyPr/>
-          <a:lstStyle/>
-          <a:p>
-            <a:r>
-              <a:rPr lang="en-US" dirty="0" smtClean="0"/>
-              <a:t>Bootstrap Grid Concepts</a:t>
-            </a:r>
-          </a:p>
-          <a:p>
-            <a:r>
-              <a:rPr lang="en-US" dirty="0" smtClean="0"/>
-              <a:t>Item Placement</a:t>
-            </a:r>
-          </a:p>
-          <a:p>
-            <a:r>
-              <a:rPr lang="en-US" dirty="0" smtClean="0"/>
-              <a:t>Responsive Design</a:t>
-            </a:r>
-          </a:p>
-          <a:p>
-            <a:r>
-              <a:rPr lang="en-US" dirty="0" smtClean="0"/>
-              <a:t>Collecting Data</a:t>
-            </a:r>
-            <a:endParaRPr lang="en-US" dirty="0"/>
-          </a:p>
-        </p:txBody>
-      </p:sp>
-    </p:spTree>
-    <p:extLst>
-      <p:ext uri="{BB962C8B-B14F-4D97-AF65-F5344CB8AC3E}">
-        <p14:creationId xmlns:p14="http://schemas.microsoft.com/office/powerpoint/2010/main" val="405804419"/>
-      </p:ext>
-    </p:extLst>
-  </p:cSld>
-  <p:clrMapOvr>
-    <a:masterClrMapping/>
-  </p:clrMapOvr>
-  <p:timing>
-    <p:tnLst>
-      <p:par>
-        <p:cTn id="1" dur="indefinite" restart="never" nodeType="tmRoot"/>
-      </p:par>
-    </p:tnLst>
-  </p:timing>
-</p:sld>
-</file>
-
-<file path=ppt/slides/slide3.xml><?xml version="1.0" encoding="utf-8"?>
-<p:sld xmlns:a="http://schemas.openxmlformats.org/drawingml/2006/main" xmlns:r="http://schemas.openxmlformats.org/officeDocument/2006/relationships" xmlns:p="http://schemas.openxmlformats.org/presentationml/2006/main">
-  <p:cSld>
-    <p:spTree>
-      <p:nvGrpSpPr>
-        <p:cNvPr id="1" name=""/>
-        <p:cNvGrpSpPr/>
-        <p:nvPr/>
-      </p:nvGrpSpPr>
-      <p:grpSpPr>
-        <a:xfrm>
-          <a:off x="0" y="0"/>
-          <a:ext cx="0" cy="0"/>
-          <a:chOff x="0" y="0"/>
-          <a:chExt cx="0" cy="0"/>
-        </a:xfrm>
-      </p:grpSpPr>
-      <p:sp>
-        <p:nvSpPr>
-          <p:cNvPr id="2" name="Title 1"/>
-          <p:cNvSpPr>
-            <a:spLocks noGrp="1"/>
-          </p:cNvSpPr>
-          <p:nvPr>
-            <p:ph type="title"/>
-          </p:nvPr>
-        </p:nvSpPr>
-        <p:spPr/>
-        <p:txBody>
-          <a:bodyPr/>
-          <a:lstStyle/>
-          <a:p>
-            <a:r>
-              <a:rPr lang="en-US" dirty="0" smtClean="0"/>
-              <a:t>Site Design</a:t>
-            </a:r>
-            <a:endParaRPr lang="en-US" dirty="0"/>
-          </a:p>
-        </p:txBody>
-      </p:sp>
-      <p:sp>
-        <p:nvSpPr>
-          <p:cNvPr id="4" name="Rectangle 3"/>
-          <p:cNvSpPr/>
-          <p:nvPr/>
-        </p:nvSpPr>
-        <p:spPr>
-          <a:xfrm>
-            <a:off x="379514" y="1245702"/>
-            <a:ext cx="11401154" cy="5057444"/>
-          </a:xfrm>
-          <a:prstGeom prst="rect">
-            <a:avLst/>
-          </a:prstGeom>
-        </p:spPr>
-        <p:style>
-          <a:lnRef idx="2">
-            <a:schemeClr val="accent5"/>
-          </a:lnRef>
-          <a:fillRef idx="1">
-            <a:schemeClr val="lt1"/>
-          </a:fillRef>
-          <a:effectRef idx="0">
-            <a:schemeClr val="accent5"/>
-          </a:effectRef>
-          <a:fontRef idx="minor">
-            <a:schemeClr val="dk1"/>
-          </a:fontRef>
-        </p:style>
-        <p:txBody>
-          <a:bodyPr rtlCol="0" anchor="ctr"/>
-          <a:lstStyle/>
-          <a:p>
-            <a:pPr algn="ctr"/>
-            <a:endParaRPr lang="en-US"/>
-          </a:p>
-        </p:txBody>
-      </p:sp>
-      <p:sp>
-        <p:nvSpPr>
-          <p:cNvPr id="5" name="Rounded Rectangle 4"/>
-          <p:cNvSpPr/>
-          <p:nvPr/>
-        </p:nvSpPr>
-        <p:spPr>
-          <a:xfrm>
-            <a:off x="772357" y="1518082"/>
-            <a:ext cx="10422385" cy="941033"/>
-          </a:xfrm>
-          <a:prstGeom prst="roundRect">
-            <a:avLst/>
-          </a:prstGeom>
-        </p:spPr>
-        <p:style>
-          <a:lnRef idx="1">
-            <a:schemeClr val="accent4"/>
-          </a:lnRef>
-          <a:fillRef idx="2">
-            <a:schemeClr val="accent4"/>
-          </a:fillRef>
-          <a:effectRef idx="1">
-            <a:schemeClr val="accent4"/>
-          </a:effectRef>
-          <a:fontRef idx="minor">
-            <a:schemeClr val="dk1"/>
-          </a:fontRef>
-        </p:style>
-        <p:txBody>
-          <a:bodyPr rtlCol="0" anchor="ctr"/>
-          <a:lstStyle/>
-          <a:p>
-            <a:pPr algn="ctr"/>
-            <a:r>
-              <a:rPr lang="en-US" sz="3200" dirty="0" smtClean="0"/>
-              <a:t>Banner</a:t>
-            </a:r>
-            <a:endParaRPr lang="en-US" sz="3200" dirty="0"/>
-          </a:p>
-        </p:txBody>
-      </p:sp>
-      <p:sp>
-        <p:nvSpPr>
-          <p:cNvPr id="6" name="Rounded Rectangle 5"/>
-          <p:cNvSpPr/>
-          <p:nvPr/>
-        </p:nvSpPr>
-        <p:spPr>
-          <a:xfrm>
-            <a:off x="772358" y="2581569"/>
-            <a:ext cx="1455938" cy="1138175"/>
-          </a:xfrm>
-          <a:prstGeom prst="roundRect">
-            <a:avLst/>
-          </a:prstGeom>
-        </p:spPr>
-        <p:style>
-          <a:lnRef idx="1">
-            <a:schemeClr val="accent3"/>
-          </a:lnRef>
-          <a:fillRef idx="2">
-            <a:schemeClr val="accent3"/>
-          </a:fillRef>
-          <a:effectRef idx="1">
-            <a:schemeClr val="accent3"/>
-          </a:effectRef>
-          <a:fontRef idx="minor">
-            <a:schemeClr val="dk1"/>
-          </a:fontRef>
-        </p:style>
-        <p:txBody>
-          <a:bodyPr rtlCol="0" anchor="ctr"/>
-          <a:lstStyle/>
-          <a:p>
-            <a:pPr algn="ctr"/>
-            <a:r>
-              <a:rPr lang="en-US" sz="2400" dirty="0" smtClean="0"/>
-              <a:t>Cover Art</a:t>
-            </a:r>
-            <a:endParaRPr lang="en-US" sz="2400" dirty="0"/>
-          </a:p>
-        </p:txBody>
-      </p:sp>
-      <p:sp>
-        <p:nvSpPr>
-          <p:cNvPr id="7" name="Rounded Rectangle 6"/>
-          <p:cNvSpPr/>
-          <p:nvPr/>
-        </p:nvSpPr>
-        <p:spPr>
-          <a:xfrm>
-            <a:off x="2621140" y="2581569"/>
-            <a:ext cx="8573602" cy="1138175"/>
-          </a:xfrm>
-          <a:prstGeom prst="roundRect">
-            <a:avLst/>
-          </a:prstGeom>
-        </p:spPr>
-        <p:style>
-          <a:lnRef idx="1">
-            <a:schemeClr val="accent3"/>
-          </a:lnRef>
-          <a:fillRef idx="2">
-            <a:schemeClr val="accent3"/>
-          </a:fillRef>
-          <a:effectRef idx="1">
-            <a:schemeClr val="accent3"/>
-          </a:effectRef>
-          <a:fontRef idx="minor">
-            <a:schemeClr val="dk1"/>
-          </a:fontRef>
-        </p:style>
-        <p:txBody>
-          <a:bodyPr rtlCol="0" anchor="ctr"/>
-          <a:lstStyle/>
-          <a:p>
-            <a:pPr algn="ctr"/>
-            <a:r>
-              <a:rPr lang="en-US" sz="2400" dirty="0" smtClean="0"/>
-              <a:t>Title</a:t>
-            </a:r>
-          </a:p>
-          <a:p>
-            <a:pPr algn="ctr"/>
-            <a:r>
-              <a:rPr lang="en-US" sz="2400" dirty="0" smtClean="0"/>
-              <a:t>Artist</a:t>
-            </a:r>
-          </a:p>
-          <a:p>
-            <a:pPr algn="ctr"/>
-            <a:r>
-              <a:rPr lang="en-US" sz="2400" dirty="0" smtClean="0"/>
-              <a:t>Bio</a:t>
-            </a:r>
-            <a:endParaRPr lang="en-US" sz="2400" dirty="0"/>
-          </a:p>
-        </p:txBody>
-      </p:sp>
-      <p:sp>
-        <p:nvSpPr>
-          <p:cNvPr id="8" name="Rounded Rectangle 7"/>
-          <p:cNvSpPr/>
-          <p:nvPr/>
-        </p:nvSpPr>
-        <p:spPr>
-          <a:xfrm>
-            <a:off x="4820575" y="3867526"/>
-            <a:ext cx="6374167" cy="2278956"/>
-          </a:xfrm>
-          <a:prstGeom prst="roundRect">
-            <a:avLst/>
-          </a:prstGeom>
-        </p:spPr>
-        <p:style>
-          <a:lnRef idx="1">
-            <a:schemeClr val="accent5"/>
-          </a:lnRef>
-          <a:fillRef idx="2">
-            <a:schemeClr val="accent5"/>
-          </a:fillRef>
-          <a:effectRef idx="1">
-            <a:schemeClr val="accent5"/>
-          </a:effectRef>
-          <a:fontRef idx="minor">
-            <a:schemeClr val="dk1"/>
-          </a:fontRef>
-        </p:style>
-        <p:txBody>
-          <a:bodyPr rtlCol="0" anchor="ctr"/>
-          <a:lstStyle/>
-          <a:p>
-            <a:pPr algn="ctr"/>
-            <a:endParaRPr lang="en-US" sz="2400" dirty="0"/>
-          </a:p>
-        </p:txBody>
-      </p:sp>
-      <p:sp>
-        <p:nvSpPr>
-          <p:cNvPr id="9" name="Rounded Rectangle 8"/>
-          <p:cNvSpPr/>
-          <p:nvPr/>
-        </p:nvSpPr>
-        <p:spPr>
-          <a:xfrm>
-            <a:off x="5154226" y="4026024"/>
-            <a:ext cx="3764132" cy="1970843"/>
-          </a:xfrm>
-          <a:prstGeom prst="roundRect">
-            <a:avLst/>
-          </a:prstGeom>
-        </p:spPr>
-        <p:style>
-          <a:lnRef idx="2">
-            <a:schemeClr val="accent5">
-              <a:shade val="50000"/>
-            </a:schemeClr>
-          </a:lnRef>
-          <a:fillRef idx="1">
-            <a:schemeClr val="accent5"/>
-          </a:fillRef>
-          <a:effectRef idx="0">
-            <a:schemeClr val="accent5"/>
-          </a:effectRef>
-          <a:fontRef idx="minor">
-            <a:schemeClr val="lt1"/>
-          </a:fontRef>
-        </p:style>
-        <p:txBody>
-          <a:bodyPr rtlCol="0" anchor="ctr"/>
-          <a:lstStyle/>
-          <a:p>
-            <a:pPr algn="ctr"/>
-            <a:r>
-              <a:rPr lang="en-US" dirty="0" smtClean="0"/>
-              <a:t>Track</a:t>
-            </a:r>
-          </a:p>
-          <a:p>
-            <a:pPr algn="ctr"/>
-            <a:r>
-              <a:rPr lang="en-US" dirty="0" smtClean="0"/>
-              <a:t>Track</a:t>
-            </a:r>
-          </a:p>
-          <a:p>
-            <a:pPr algn="ctr"/>
-            <a:r>
-              <a:rPr lang="en-US" dirty="0" smtClean="0"/>
-              <a:t>Track</a:t>
-            </a:r>
-          </a:p>
-          <a:p>
-            <a:pPr algn="ctr"/>
-            <a:r>
-              <a:rPr lang="en-US" dirty="0" smtClean="0"/>
-              <a:t>Track</a:t>
-            </a:r>
-          </a:p>
-          <a:p>
-            <a:pPr algn="ctr"/>
-            <a:r>
-              <a:rPr lang="en-US" dirty="0" smtClean="0"/>
-              <a:t>Track</a:t>
-            </a:r>
-            <a:endParaRPr lang="en-US" dirty="0"/>
-          </a:p>
-        </p:txBody>
-      </p:sp>
-      <p:sp>
-        <p:nvSpPr>
-          <p:cNvPr id="11" name="Rounded Rectangle 10"/>
-          <p:cNvSpPr/>
-          <p:nvPr/>
-        </p:nvSpPr>
-        <p:spPr>
-          <a:xfrm>
-            <a:off x="9149178" y="4026023"/>
-            <a:ext cx="1853954" cy="1970843"/>
-          </a:xfrm>
-          <a:prstGeom prst="roundRect">
-            <a:avLst/>
-          </a:prstGeom>
-        </p:spPr>
-        <p:style>
-          <a:lnRef idx="2">
-            <a:schemeClr val="accent5">
-              <a:shade val="50000"/>
-            </a:schemeClr>
-          </a:lnRef>
-          <a:fillRef idx="1">
-            <a:schemeClr val="accent5"/>
-          </a:fillRef>
-          <a:effectRef idx="0">
-            <a:schemeClr val="accent5"/>
-          </a:effectRef>
-          <a:fontRef idx="minor">
-            <a:schemeClr val="lt1"/>
-          </a:fontRef>
-        </p:style>
-        <p:txBody>
-          <a:bodyPr rtlCol="0" anchor="ctr"/>
-          <a:lstStyle/>
-          <a:p>
-            <a:pPr algn="ctr"/>
-            <a:r>
-              <a:rPr lang="en-US" dirty="0" smtClean="0"/>
-              <a:t>Time</a:t>
-            </a:r>
-          </a:p>
-          <a:p>
-            <a:pPr algn="ctr"/>
-            <a:r>
-              <a:rPr lang="en-US" dirty="0" smtClean="0"/>
-              <a:t>Time</a:t>
-            </a:r>
-          </a:p>
-          <a:p>
-            <a:pPr algn="ctr"/>
-            <a:r>
-              <a:rPr lang="en-US" dirty="0" smtClean="0"/>
-              <a:t>Time</a:t>
-            </a:r>
-          </a:p>
-          <a:p>
-            <a:pPr algn="ctr"/>
-            <a:r>
-              <a:rPr lang="en-US" dirty="0" smtClean="0"/>
-              <a:t>Time</a:t>
-            </a:r>
-          </a:p>
-          <a:p>
-            <a:pPr algn="ctr"/>
-            <a:r>
-              <a:rPr lang="en-US" dirty="0" smtClean="0"/>
-              <a:t>Time</a:t>
-            </a:r>
-            <a:endParaRPr lang="en-US" dirty="0"/>
-          </a:p>
-        </p:txBody>
-      </p:sp>
-      <p:sp>
-        <p:nvSpPr>
-          <p:cNvPr id="12" name="Rounded Rectangle 11"/>
-          <p:cNvSpPr/>
-          <p:nvPr/>
-        </p:nvSpPr>
-        <p:spPr>
-          <a:xfrm>
-            <a:off x="811567" y="3842198"/>
-            <a:ext cx="3817398" cy="2278956"/>
-          </a:xfrm>
-          <a:prstGeom prst="roundRect">
-            <a:avLst/>
-          </a:prstGeom>
-        </p:spPr>
-        <p:style>
-          <a:lnRef idx="1">
-            <a:schemeClr val="accent5"/>
-          </a:lnRef>
-          <a:fillRef idx="2">
-            <a:schemeClr val="accent5"/>
-          </a:fillRef>
-          <a:effectRef idx="1">
-            <a:schemeClr val="accent5"/>
-          </a:effectRef>
-          <a:fontRef idx="minor">
-            <a:schemeClr val="dk1"/>
-          </a:fontRef>
-        </p:style>
-        <p:txBody>
-          <a:bodyPr rtlCol="0" anchor="ctr"/>
-          <a:lstStyle/>
-          <a:p>
-            <a:pPr algn="ctr"/>
-            <a:r>
-              <a:rPr lang="en-US" sz="2400" dirty="0" smtClean="0"/>
-              <a:t>Expert Review</a:t>
-            </a:r>
-          </a:p>
-          <a:p>
-            <a:pPr algn="ctr"/>
-            <a:endParaRPr lang="en-US" sz="2400" dirty="0"/>
-          </a:p>
-          <a:p>
-            <a:pPr algn="ctr"/>
-            <a:endParaRPr lang="en-US" sz="2400" dirty="0" smtClean="0"/>
-          </a:p>
-          <a:p>
-            <a:pPr algn="ctr"/>
-            <a:endParaRPr lang="en-US" sz="2400" dirty="0"/>
-          </a:p>
-        </p:txBody>
-      </p:sp>
-    </p:spTree>
-    <p:extLst>
-      <p:ext uri="{BB962C8B-B14F-4D97-AF65-F5344CB8AC3E}">
-        <p14:creationId xmlns:p14="http://schemas.microsoft.com/office/powerpoint/2010/main" val="1267163526"/>
-      </p:ext>
-    </p:extLst>
-  </p:cSld>
-  <p:clrMapOvr>
-    <a:masterClrMapping/>
-  </p:clrMapOvr>
-  <p:timing>
-    <p:tnLst>
-      <p:par>
-        <p:cTn id="1" dur="indefinite" restart="never" nodeType="tmRoot"/>
-      </p:par>
-    </p:tnLst>
-  </p:timing>
-</p:sld>
-</file>
-
-<file path=ppt/slides/slide4.xml><?xml version="1.0" encoding="utf-8"?>
-<p:sld xmlns:a="http://schemas.openxmlformats.org/drawingml/2006/main" xmlns:r="http://schemas.openxmlformats.org/officeDocument/2006/relationships" xmlns:p="http://schemas.openxmlformats.org/presentationml/2006/main">
-  <p:cSld>
-    <p:spTree>
-      <p:nvGrpSpPr>
-        <p:cNvPr id="1" name=""/>
-        <p:cNvGrpSpPr/>
-        <p:nvPr/>
-      </p:nvGrpSpPr>
-      <p:grpSpPr>
-        <a:xfrm>
-          <a:off x="0" y="0"/>
-          <a:ext cx="0" cy="0"/>
-          <a:chOff x="0" y="0"/>
-          <a:chExt cx="0" cy="0"/>
-        </a:xfrm>
-      </p:grpSpPr>
-      <p:sp>
-        <p:nvSpPr>
-          <p:cNvPr id="2" name="Title 1"/>
-          <p:cNvSpPr>
-            <a:spLocks noGrp="1"/>
-          </p:cNvSpPr>
-          <p:nvPr>
-            <p:ph type="title"/>
-          </p:nvPr>
-        </p:nvSpPr>
-        <p:spPr/>
-        <p:txBody>
-          <a:bodyPr/>
-          <a:lstStyle/>
-          <a:p>
-            <a:r>
-              <a:rPr lang="en-US" dirty="0" smtClean="0"/>
-              <a:t>Bootstrap Grid</a:t>
-            </a:r>
-            <a:endParaRPr lang="en-US" dirty="0"/>
-          </a:p>
-        </p:txBody>
-      </p:sp>
-      <p:sp>
-        <p:nvSpPr>
-          <p:cNvPr id="3" name="Content Placeholder 2"/>
-          <p:cNvSpPr>
-            <a:spLocks noGrp="1"/>
-          </p:cNvSpPr>
-          <p:nvPr>
-            <p:ph sz="quarter" idx="10"/>
-          </p:nvPr>
-        </p:nvSpPr>
-        <p:spPr/>
-        <p:txBody>
-          <a:bodyPr/>
-          <a:lstStyle/>
-          <a:p>
-            <a:r>
-              <a:rPr lang="en-US" dirty="0" smtClean="0"/>
-              <a:t>Bootstrap works on a grid</a:t>
-            </a:r>
-          </a:p>
-          <a:p>
-            <a:r>
-              <a:rPr lang="en-US" dirty="0" smtClean="0"/>
-              <a:t>The grid has 12 columns</a:t>
-            </a:r>
-          </a:p>
-          <a:p>
-            <a:r>
-              <a:rPr lang="en-US" dirty="0" smtClean="0"/>
-              <a:t>There are four grids</a:t>
-            </a:r>
-          </a:p>
-          <a:p>
-            <a:pPr lvl="1"/>
-            <a:r>
-              <a:rPr lang="en-US" dirty="0" smtClean="0"/>
-              <a:t>One grid for each screen size</a:t>
-            </a:r>
-          </a:p>
-          <a:p>
-            <a:pPr lvl="2"/>
-            <a:r>
-              <a:rPr lang="en-US" dirty="0" smtClean="0"/>
-              <a:t>Large (1200px and higher)</a:t>
-            </a:r>
-          </a:p>
-          <a:p>
-            <a:pPr lvl="2"/>
-            <a:r>
-              <a:rPr lang="en-US" dirty="0" smtClean="0"/>
-              <a:t>Medium (992px-1200px)</a:t>
-            </a:r>
-          </a:p>
-          <a:p>
-            <a:pPr lvl="2"/>
-            <a:r>
-              <a:rPr lang="en-US" dirty="0" smtClean="0"/>
-              <a:t>Small (768px-991px)</a:t>
-            </a:r>
-          </a:p>
-          <a:p>
-            <a:pPr lvl="2"/>
-            <a:r>
-              <a:rPr lang="en-US" dirty="0" smtClean="0"/>
-              <a:t>Extra small (less than 768px)</a:t>
-            </a:r>
-            <a:endParaRPr lang="en-US" dirty="0"/>
-          </a:p>
-        </p:txBody>
-      </p:sp>
-    </p:spTree>
-    <p:extLst>
-      <p:ext uri="{BB962C8B-B14F-4D97-AF65-F5344CB8AC3E}">
-        <p14:creationId xmlns:p14="http://schemas.microsoft.com/office/powerpoint/2010/main" val="2038796198"/>
-      </p:ext>
-    </p:extLst>
-  </p:cSld>
-  <p:clrMapOvr>
-    <a:masterClrMapping/>
-  </p:clrMapOvr>
-  <p:timing>
-    <p:tnLst>
-      <p:par>
-        <p:cTn id="1" dur="indefinite" restart="never" nodeType="tmRoot"/>
-      </p:par>
-    </p:tnLst>
-  </p:timing>
-</p:sld>
-</file>
-
-<file path=ppt/slides/slide5.xml><?xml version="1.0" encoding="utf-8"?>
-<p:sld xmlns:a="http://schemas.openxmlformats.org/drawingml/2006/main" xmlns:r="http://schemas.openxmlformats.org/officeDocument/2006/relationships" xmlns:p="http://schemas.openxmlformats.org/presentationml/2006/main">
-  <p:cSld>
-    <p:spTree>
-      <p:nvGrpSpPr>
-        <p:cNvPr id="1" name=""/>
-        <p:cNvGrpSpPr/>
-        <p:nvPr/>
-      </p:nvGrpSpPr>
-      <p:grpSpPr>
-        <a:xfrm>
-          <a:off x="0" y="0"/>
-          <a:ext cx="0" cy="0"/>
-          <a:chOff x="0" y="0"/>
-          <a:chExt cx="0" cy="0"/>
-        </a:xfrm>
-      </p:grpSpPr>
-      <p:sp>
-        <p:nvSpPr>
-          <p:cNvPr id="2" name="Title 1"/>
-          <p:cNvSpPr>
-            <a:spLocks noGrp="1"/>
-          </p:cNvSpPr>
-          <p:nvPr>
-            <p:ph type="title"/>
-          </p:nvPr>
-        </p:nvSpPr>
-        <p:spPr/>
-        <p:txBody>
-          <a:bodyPr/>
-          <a:lstStyle/>
-          <a:p>
-            <a:r>
-              <a:rPr lang="en-US" dirty="0" smtClean="0"/>
               <a:t>Bootstrap Grid</a:t>
             </a:r>
             <a:endParaRPr lang="en-US" dirty="0"/>
@@ -6788,7 +5849,7 @@
 </p:sld>
 </file>
 
-<file path=ppt/slides/slide6.xml><?xml version="1.0" encoding="utf-8"?>
+<file path=ppt/slides/slide14.xml><?xml version="1.0" encoding="utf-8"?>
 <p:sld xmlns:a="http://schemas.openxmlformats.org/drawingml/2006/main" xmlns:r="http://schemas.openxmlformats.org/officeDocument/2006/relationships" xmlns:p="http://schemas.openxmlformats.org/presentationml/2006/main">
   <p:cSld>
     <p:spTree>
@@ -6847,11 +5908,7 @@
           <a:p>
             <a:r>
               <a:rPr lang="en-US" dirty="0" smtClean="0"/>
-              <a:t>Identified </a:t>
-            </a:r>
-            <a:r>
-              <a:rPr lang="en-US" dirty="0" smtClean="0"/>
-              <a:t>with three parts</a:t>
+              <a:t>Identified with three parts</a:t>
             </a:r>
           </a:p>
           <a:p>
@@ -6865,10 +5922,6 @@
               </a:rPr>
               <a:t>col</a:t>
             </a:r>
-            <a:endParaRPr lang="en-US" dirty="0" smtClean="0">
-              <a:latin typeface="Consolas" panose="020B0609020204030204" pitchFamily="49" charset="0"/>
-              <a:cs typeface="Consolas" panose="020B0609020204030204" pitchFamily="49" charset="0"/>
-            </a:endParaRPr>
           </a:p>
           <a:p>
             <a:pPr lvl="1"/>
@@ -6951,11 +6004,7 @@
           <a:p>
             <a:r>
               <a:rPr lang="en-US" dirty="0" smtClean="0"/>
-              <a:t>Number </a:t>
-            </a:r>
-            <a:r>
-              <a:rPr lang="en-US" dirty="0" smtClean="0"/>
-              <a:t>of columns</a:t>
+              <a:t>Number of columns</a:t>
             </a:r>
             <a:endParaRPr lang="en-US" dirty="0"/>
           </a:p>
@@ -6981,7 +6030,7 @@
 </p:sld>
 </file>
 
-<file path=ppt/slides/slide7.xml><?xml version="1.0" encoding="utf-8"?>
+<file path=ppt/slides/slide15.xml><?xml version="1.0" encoding="utf-8"?>
 <p:sld xmlns:a="http://schemas.openxmlformats.org/drawingml/2006/main" xmlns:r="http://schemas.openxmlformats.org/officeDocument/2006/relationships" xmlns:p="http://schemas.openxmlformats.org/presentationml/2006/main">
   <p:cSld>
     <p:spTree>
@@ -7585,7 +6634,7 @@
 </p:sld>
 </file>
 
-<file path=ppt/slides/slide8.xml><?xml version="1.0" encoding="utf-8"?>
+<file path=ppt/slides/slide16.xml><?xml version="1.0" encoding="utf-8"?>
 <p:sld xmlns:a="http://schemas.openxmlformats.org/drawingml/2006/main" xmlns:r="http://schemas.openxmlformats.org/officeDocument/2006/relationships" xmlns:p="http://schemas.openxmlformats.org/presentationml/2006/main">
   <p:cSld>
     <p:spTree>
@@ -8093,6 +7142,1272 @@
     <p:extLst>
       <p:ext uri="{BB962C8B-B14F-4D97-AF65-F5344CB8AC3E}">
         <p14:creationId xmlns:p14="http://schemas.microsoft.com/office/powerpoint/2010/main" val="1374412507"/>
+      </p:ext>
+    </p:extLst>
+  </p:cSld>
+  <p:clrMapOvr>
+    <a:masterClrMapping/>
+  </p:clrMapOvr>
+  <p:timing>
+    <p:tnLst>
+      <p:par>
+        <p:cTn id="1" dur="indefinite" restart="never" nodeType="tmRoot"/>
+      </p:par>
+    </p:tnLst>
+  </p:timing>
+</p:sld>
+</file>
+
+<file path=ppt/slides/slide17.xml><?xml version="1.0" encoding="utf-8"?>
+<p:sld xmlns:a="http://schemas.openxmlformats.org/drawingml/2006/main" xmlns:r="http://schemas.openxmlformats.org/officeDocument/2006/relationships" xmlns:p="http://schemas.openxmlformats.org/presentationml/2006/main">
+  <p:cSld>
+    <p:spTree>
+      <p:nvGrpSpPr>
+        <p:cNvPr id="1" name=""/>
+        <p:cNvGrpSpPr/>
+        <p:nvPr/>
+      </p:nvGrpSpPr>
+      <p:grpSpPr>
+        <a:xfrm>
+          <a:off x="0" y="0"/>
+          <a:ext cx="0" cy="0"/>
+          <a:chOff x="0" y="0"/>
+          <a:chExt cx="0" cy="0"/>
+        </a:xfrm>
+      </p:grpSpPr>
+      <p:sp>
+        <p:nvSpPr>
+          <p:cNvPr id="2" name="Title 1"/>
+          <p:cNvSpPr>
+            <a:spLocks noGrp="1"/>
+          </p:cNvSpPr>
+          <p:nvPr>
+            <p:ph type="title"/>
+          </p:nvPr>
+        </p:nvSpPr>
+        <p:spPr/>
+        <p:txBody>
+          <a:bodyPr/>
+          <a:lstStyle/>
+          <a:p>
+            <a:r>
+              <a:rPr lang="en-US" dirty="0" smtClean="0"/>
+              <a:t>Site Design</a:t>
+            </a:r>
+            <a:endParaRPr lang="en-US" dirty="0"/>
+          </a:p>
+        </p:txBody>
+      </p:sp>
+      <p:sp>
+        <p:nvSpPr>
+          <p:cNvPr id="4" name="Rectangle 3"/>
+          <p:cNvSpPr/>
+          <p:nvPr/>
+        </p:nvSpPr>
+        <p:spPr>
+          <a:xfrm>
+            <a:off x="379514" y="1245702"/>
+            <a:ext cx="11401154" cy="5057444"/>
+          </a:xfrm>
+          <a:prstGeom prst="rect">
+            <a:avLst/>
+          </a:prstGeom>
+        </p:spPr>
+        <p:style>
+          <a:lnRef idx="2">
+            <a:schemeClr val="accent5"/>
+          </a:lnRef>
+          <a:fillRef idx="1">
+            <a:schemeClr val="lt1"/>
+          </a:fillRef>
+          <a:effectRef idx="0">
+            <a:schemeClr val="accent5"/>
+          </a:effectRef>
+          <a:fontRef idx="minor">
+            <a:schemeClr val="dk1"/>
+          </a:fontRef>
+        </p:style>
+        <p:txBody>
+          <a:bodyPr rtlCol="0" anchor="ctr"/>
+          <a:lstStyle/>
+          <a:p>
+            <a:pPr algn="ctr"/>
+            <a:endParaRPr lang="en-US"/>
+          </a:p>
+        </p:txBody>
+      </p:sp>
+      <p:sp>
+        <p:nvSpPr>
+          <p:cNvPr id="5" name="Rounded Rectangle 4"/>
+          <p:cNvSpPr/>
+          <p:nvPr/>
+        </p:nvSpPr>
+        <p:spPr>
+          <a:xfrm>
+            <a:off x="772357" y="1518082"/>
+            <a:ext cx="10422385" cy="941033"/>
+          </a:xfrm>
+          <a:prstGeom prst="roundRect">
+            <a:avLst/>
+          </a:prstGeom>
+        </p:spPr>
+        <p:style>
+          <a:lnRef idx="1">
+            <a:schemeClr val="accent4"/>
+          </a:lnRef>
+          <a:fillRef idx="2">
+            <a:schemeClr val="accent4"/>
+          </a:fillRef>
+          <a:effectRef idx="1">
+            <a:schemeClr val="accent4"/>
+          </a:effectRef>
+          <a:fontRef idx="minor">
+            <a:schemeClr val="dk1"/>
+          </a:fontRef>
+        </p:style>
+        <p:txBody>
+          <a:bodyPr rtlCol="0" anchor="ctr"/>
+          <a:lstStyle/>
+          <a:p>
+            <a:pPr algn="ctr"/>
+            <a:r>
+              <a:rPr lang="en-US" sz="3200" dirty="0" smtClean="0"/>
+              <a:t>Banner</a:t>
+            </a:r>
+            <a:endParaRPr lang="en-US" sz="3200" dirty="0"/>
+          </a:p>
+        </p:txBody>
+      </p:sp>
+      <p:sp>
+        <p:nvSpPr>
+          <p:cNvPr id="6" name="Rounded Rectangle 5"/>
+          <p:cNvSpPr/>
+          <p:nvPr/>
+        </p:nvSpPr>
+        <p:spPr>
+          <a:xfrm>
+            <a:off x="772358" y="2581569"/>
+            <a:ext cx="1455938" cy="1138175"/>
+          </a:xfrm>
+          <a:prstGeom prst="roundRect">
+            <a:avLst/>
+          </a:prstGeom>
+        </p:spPr>
+        <p:style>
+          <a:lnRef idx="1">
+            <a:schemeClr val="accent3"/>
+          </a:lnRef>
+          <a:fillRef idx="2">
+            <a:schemeClr val="accent3"/>
+          </a:fillRef>
+          <a:effectRef idx="1">
+            <a:schemeClr val="accent3"/>
+          </a:effectRef>
+          <a:fontRef idx="minor">
+            <a:schemeClr val="dk1"/>
+          </a:fontRef>
+        </p:style>
+        <p:txBody>
+          <a:bodyPr rtlCol="0" anchor="ctr"/>
+          <a:lstStyle/>
+          <a:p>
+            <a:pPr algn="ctr"/>
+            <a:r>
+              <a:rPr lang="en-US" sz="2400" dirty="0" smtClean="0"/>
+              <a:t>Cover Art</a:t>
+            </a:r>
+            <a:endParaRPr lang="en-US" sz="2400" dirty="0"/>
+          </a:p>
+        </p:txBody>
+      </p:sp>
+      <p:sp>
+        <p:nvSpPr>
+          <p:cNvPr id="7" name="Rounded Rectangle 6"/>
+          <p:cNvSpPr/>
+          <p:nvPr/>
+        </p:nvSpPr>
+        <p:spPr>
+          <a:xfrm>
+            <a:off x="2621140" y="2581569"/>
+            <a:ext cx="8573602" cy="1138175"/>
+          </a:xfrm>
+          <a:prstGeom prst="roundRect">
+            <a:avLst/>
+          </a:prstGeom>
+        </p:spPr>
+        <p:style>
+          <a:lnRef idx="1">
+            <a:schemeClr val="accent3"/>
+          </a:lnRef>
+          <a:fillRef idx="2">
+            <a:schemeClr val="accent3"/>
+          </a:fillRef>
+          <a:effectRef idx="1">
+            <a:schemeClr val="accent3"/>
+          </a:effectRef>
+          <a:fontRef idx="minor">
+            <a:schemeClr val="dk1"/>
+          </a:fontRef>
+        </p:style>
+        <p:txBody>
+          <a:bodyPr rtlCol="0" anchor="ctr"/>
+          <a:lstStyle/>
+          <a:p>
+            <a:pPr algn="ctr"/>
+            <a:r>
+              <a:rPr lang="en-US" sz="2400" dirty="0" smtClean="0"/>
+              <a:t>Title</a:t>
+            </a:r>
+          </a:p>
+          <a:p>
+            <a:pPr algn="ctr"/>
+            <a:r>
+              <a:rPr lang="en-US" sz="2400" dirty="0" smtClean="0"/>
+              <a:t>Artist</a:t>
+            </a:r>
+          </a:p>
+          <a:p>
+            <a:pPr algn="ctr"/>
+            <a:r>
+              <a:rPr lang="en-US" sz="2400" dirty="0" smtClean="0"/>
+              <a:t>Bio</a:t>
+            </a:r>
+            <a:endParaRPr lang="en-US" sz="2400" dirty="0"/>
+          </a:p>
+        </p:txBody>
+      </p:sp>
+      <p:sp>
+        <p:nvSpPr>
+          <p:cNvPr id="8" name="Rounded Rectangle 7"/>
+          <p:cNvSpPr/>
+          <p:nvPr/>
+        </p:nvSpPr>
+        <p:spPr>
+          <a:xfrm>
+            <a:off x="4820575" y="3867526"/>
+            <a:ext cx="6374167" cy="2278956"/>
+          </a:xfrm>
+          <a:prstGeom prst="roundRect">
+            <a:avLst/>
+          </a:prstGeom>
+        </p:spPr>
+        <p:style>
+          <a:lnRef idx="1">
+            <a:schemeClr val="accent5"/>
+          </a:lnRef>
+          <a:fillRef idx="2">
+            <a:schemeClr val="accent5"/>
+          </a:fillRef>
+          <a:effectRef idx="1">
+            <a:schemeClr val="accent5"/>
+          </a:effectRef>
+          <a:fontRef idx="minor">
+            <a:schemeClr val="dk1"/>
+          </a:fontRef>
+        </p:style>
+        <p:txBody>
+          <a:bodyPr rtlCol="0" anchor="ctr"/>
+          <a:lstStyle/>
+          <a:p>
+            <a:pPr algn="ctr"/>
+            <a:endParaRPr lang="en-US" sz="2400" dirty="0"/>
+          </a:p>
+        </p:txBody>
+      </p:sp>
+      <p:sp>
+        <p:nvSpPr>
+          <p:cNvPr id="9" name="Rounded Rectangle 8"/>
+          <p:cNvSpPr/>
+          <p:nvPr/>
+        </p:nvSpPr>
+        <p:spPr>
+          <a:xfrm>
+            <a:off x="5154226" y="4026024"/>
+            <a:ext cx="3764132" cy="1970843"/>
+          </a:xfrm>
+          <a:prstGeom prst="roundRect">
+            <a:avLst/>
+          </a:prstGeom>
+        </p:spPr>
+        <p:style>
+          <a:lnRef idx="2">
+            <a:schemeClr val="accent5">
+              <a:shade val="50000"/>
+            </a:schemeClr>
+          </a:lnRef>
+          <a:fillRef idx="1">
+            <a:schemeClr val="accent5"/>
+          </a:fillRef>
+          <a:effectRef idx="0">
+            <a:schemeClr val="accent5"/>
+          </a:effectRef>
+          <a:fontRef idx="minor">
+            <a:schemeClr val="lt1"/>
+          </a:fontRef>
+        </p:style>
+        <p:txBody>
+          <a:bodyPr rtlCol="0" anchor="ctr"/>
+          <a:lstStyle/>
+          <a:p>
+            <a:pPr algn="ctr"/>
+            <a:r>
+              <a:rPr lang="en-US" dirty="0" smtClean="0"/>
+              <a:t>Track</a:t>
+            </a:r>
+          </a:p>
+          <a:p>
+            <a:pPr algn="ctr"/>
+            <a:r>
+              <a:rPr lang="en-US" dirty="0" smtClean="0"/>
+              <a:t>Track</a:t>
+            </a:r>
+          </a:p>
+          <a:p>
+            <a:pPr algn="ctr"/>
+            <a:r>
+              <a:rPr lang="en-US" dirty="0" smtClean="0"/>
+              <a:t>Track</a:t>
+            </a:r>
+          </a:p>
+          <a:p>
+            <a:pPr algn="ctr"/>
+            <a:r>
+              <a:rPr lang="en-US" dirty="0" smtClean="0"/>
+              <a:t>Track</a:t>
+            </a:r>
+          </a:p>
+          <a:p>
+            <a:pPr algn="ctr"/>
+            <a:r>
+              <a:rPr lang="en-US" dirty="0" smtClean="0"/>
+              <a:t>Track</a:t>
+            </a:r>
+            <a:endParaRPr lang="en-US" dirty="0"/>
+          </a:p>
+        </p:txBody>
+      </p:sp>
+      <p:sp>
+        <p:nvSpPr>
+          <p:cNvPr id="11" name="Rounded Rectangle 10"/>
+          <p:cNvSpPr/>
+          <p:nvPr/>
+        </p:nvSpPr>
+        <p:spPr>
+          <a:xfrm>
+            <a:off x="9149178" y="4026023"/>
+            <a:ext cx="1853954" cy="1970843"/>
+          </a:xfrm>
+          <a:prstGeom prst="roundRect">
+            <a:avLst/>
+          </a:prstGeom>
+        </p:spPr>
+        <p:style>
+          <a:lnRef idx="2">
+            <a:schemeClr val="accent5">
+              <a:shade val="50000"/>
+            </a:schemeClr>
+          </a:lnRef>
+          <a:fillRef idx="1">
+            <a:schemeClr val="accent5"/>
+          </a:fillRef>
+          <a:effectRef idx="0">
+            <a:schemeClr val="accent5"/>
+          </a:effectRef>
+          <a:fontRef idx="minor">
+            <a:schemeClr val="lt1"/>
+          </a:fontRef>
+        </p:style>
+        <p:txBody>
+          <a:bodyPr rtlCol="0" anchor="ctr"/>
+          <a:lstStyle/>
+          <a:p>
+            <a:pPr algn="ctr"/>
+            <a:r>
+              <a:rPr lang="en-US" dirty="0" smtClean="0"/>
+              <a:t>Time</a:t>
+            </a:r>
+          </a:p>
+          <a:p>
+            <a:pPr algn="ctr"/>
+            <a:r>
+              <a:rPr lang="en-US" dirty="0" smtClean="0"/>
+              <a:t>Time</a:t>
+            </a:r>
+          </a:p>
+          <a:p>
+            <a:pPr algn="ctr"/>
+            <a:r>
+              <a:rPr lang="en-US" dirty="0" smtClean="0"/>
+              <a:t>Time</a:t>
+            </a:r>
+          </a:p>
+          <a:p>
+            <a:pPr algn="ctr"/>
+            <a:r>
+              <a:rPr lang="en-US" dirty="0" smtClean="0"/>
+              <a:t>Time</a:t>
+            </a:r>
+          </a:p>
+          <a:p>
+            <a:pPr algn="ctr"/>
+            <a:r>
+              <a:rPr lang="en-US" dirty="0" smtClean="0"/>
+              <a:t>Time</a:t>
+            </a:r>
+            <a:endParaRPr lang="en-US" dirty="0"/>
+          </a:p>
+        </p:txBody>
+      </p:sp>
+      <p:sp>
+        <p:nvSpPr>
+          <p:cNvPr id="12" name="Rounded Rectangle 11"/>
+          <p:cNvSpPr/>
+          <p:nvPr/>
+        </p:nvSpPr>
+        <p:spPr>
+          <a:xfrm>
+            <a:off x="811567" y="3842198"/>
+            <a:ext cx="3817398" cy="2278956"/>
+          </a:xfrm>
+          <a:prstGeom prst="roundRect">
+            <a:avLst/>
+          </a:prstGeom>
+        </p:spPr>
+        <p:style>
+          <a:lnRef idx="1">
+            <a:schemeClr val="accent5"/>
+          </a:lnRef>
+          <a:fillRef idx="2">
+            <a:schemeClr val="accent5"/>
+          </a:fillRef>
+          <a:effectRef idx="1">
+            <a:schemeClr val="accent5"/>
+          </a:effectRef>
+          <a:fontRef idx="minor">
+            <a:schemeClr val="dk1"/>
+          </a:fontRef>
+        </p:style>
+        <p:txBody>
+          <a:bodyPr rtlCol="0" anchor="ctr"/>
+          <a:lstStyle/>
+          <a:p>
+            <a:pPr algn="ctr"/>
+            <a:r>
+              <a:rPr lang="en-US" sz="2400" dirty="0" smtClean="0"/>
+              <a:t>Expert Review</a:t>
+            </a:r>
+          </a:p>
+          <a:p>
+            <a:pPr algn="ctr"/>
+            <a:endParaRPr lang="en-US" sz="2400" dirty="0"/>
+          </a:p>
+          <a:p>
+            <a:pPr algn="ctr"/>
+            <a:endParaRPr lang="en-US" sz="2400" dirty="0" smtClean="0"/>
+          </a:p>
+          <a:p>
+            <a:pPr algn="ctr"/>
+            <a:endParaRPr lang="en-US" sz="2400" dirty="0"/>
+          </a:p>
+        </p:txBody>
+      </p:sp>
+    </p:spTree>
+    <p:extLst>
+      <p:ext uri="{BB962C8B-B14F-4D97-AF65-F5344CB8AC3E}">
+        <p14:creationId xmlns:p14="http://schemas.microsoft.com/office/powerpoint/2010/main" val="3076921353"/>
+      </p:ext>
+    </p:extLst>
+  </p:cSld>
+  <p:clrMapOvr>
+    <a:masterClrMapping/>
+  </p:clrMapOvr>
+  <p:timing>
+    <p:tnLst>
+      <p:par>
+        <p:cTn id="1" dur="indefinite" restart="never" nodeType="tmRoot"/>
+      </p:par>
+    </p:tnLst>
+  </p:timing>
+</p:sld>
+</file>
+
+<file path=ppt/slides/slide18.xml><?xml version="1.0" encoding="utf-8"?>
+<p:sld xmlns:a="http://schemas.openxmlformats.org/drawingml/2006/main" xmlns:r="http://schemas.openxmlformats.org/officeDocument/2006/relationships" xmlns:p="http://schemas.openxmlformats.org/presentationml/2006/main">
+  <p:cSld>
+    <p:spTree>
+      <p:nvGrpSpPr>
+        <p:cNvPr id="1" name=""/>
+        <p:cNvGrpSpPr/>
+        <p:nvPr/>
+      </p:nvGrpSpPr>
+      <p:grpSpPr>
+        <a:xfrm>
+          <a:off x="0" y="0"/>
+          <a:ext cx="0" cy="0"/>
+          <a:chOff x="0" y="0"/>
+          <a:chExt cx="0" cy="0"/>
+        </a:xfrm>
+      </p:grpSpPr>
+      <p:sp>
+        <p:nvSpPr>
+          <p:cNvPr id="4" name="Title 3"/>
+          <p:cNvSpPr>
+            <a:spLocks noGrp="1"/>
+          </p:cNvSpPr>
+          <p:nvPr>
+            <p:ph type="title"/>
+          </p:nvPr>
+        </p:nvSpPr>
+        <p:spPr/>
+        <p:txBody>
+          <a:bodyPr/>
+          <a:lstStyle/>
+          <a:p>
+            <a:r>
+              <a:rPr lang="en-US" dirty="0" smtClean="0"/>
+              <a:t>Page Layouts</a:t>
+            </a:r>
+            <a:endParaRPr lang="en-US" dirty="0"/>
+          </a:p>
+        </p:txBody>
+      </p:sp>
+    </p:spTree>
+    <p:extLst>
+      <p:ext uri="{BB962C8B-B14F-4D97-AF65-F5344CB8AC3E}">
+        <p14:creationId xmlns:p14="http://schemas.microsoft.com/office/powerpoint/2010/main" val="170314925"/>
+      </p:ext>
+    </p:extLst>
+  </p:cSld>
+  <p:clrMapOvr>
+    <a:masterClrMapping/>
+  </p:clrMapOvr>
+  <p:timing>
+    <p:tnLst>
+      <p:par>
+        <p:cTn id="1" dur="indefinite" restart="never" nodeType="tmRoot"/>
+      </p:par>
+    </p:tnLst>
+  </p:timing>
+</p:sld>
+</file>
+
+<file path=ppt/slides/slide19.xml><?xml version="1.0" encoding="utf-8"?>
+<p:sld xmlns:a="http://schemas.openxmlformats.org/drawingml/2006/main" xmlns:r="http://schemas.openxmlformats.org/officeDocument/2006/relationships" xmlns:p="http://schemas.openxmlformats.org/presentationml/2006/main">
+  <p:cSld>
+    <p:spTree>
+      <p:nvGrpSpPr>
+        <p:cNvPr id="1" name=""/>
+        <p:cNvGrpSpPr/>
+        <p:nvPr/>
+      </p:nvGrpSpPr>
+      <p:grpSpPr>
+        <a:xfrm>
+          <a:off x="0" y="0"/>
+          <a:ext cx="0" cy="0"/>
+          <a:chOff x="0" y="0"/>
+          <a:chExt cx="0" cy="0"/>
+        </a:xfrm>
+      </p:grpSpPr>
+    </p:spTree>
+    <p:extLst>
+      <p:ext uri="{BB962C8B-B14F-4D97-AF65-F5344CB8AC3E}">
+        <p14:creationId xmlns:p14="http://schemas.microsoft.com/office/powerpoint/2010/main" val="4096507743"/>
+      </p:ext>
+    </p:extLst>
+  </p:cSld>
+  <p:clrMapOvr>
+    <a:masterClrMapping/>
+  </p:clrMapOvr>
+  <mc:AlternateContent xmlns:mc="http://schemas.openxmlformats.org/markup-compatibility/2006" xmlns:p14="http://schemas.microsoft.com/office/powerpoint/2010/main">
+    <mc:Choice Requires="p14">
+      <p:transition spd="slow" p14:dur="2000"/>
+    </mc:Choice>
+    <mc:Fallback xmlns="">
+      <p:transition spd="slow"/>
+    </mc:Fallback>
+  </mc:AlternateContent>
+  <p:timing>
+    <p:tnLst>
+      <p:par>
+        <p:cTn id="1" dur="indefinite" restart="never" nodeType="tmRoot"/>
+      </p:par>
+    </p:tnLst>
+  </p:timing>
+</p:sld>
+</file>
+
+<file path=ppt/slides/slide2.xml><?xml version="1.0" encoding="utf-8"?>
+<p:sld xmlns:a="http://schemas.openxmlformats.org/drawingml/2006/main" xmlns:r="http://schemas.openxmlformats.org/officeDocument/2006/relationships" xmlns:p="http://schemas.openxmlformats.org/presentationml/2006/main">
+  <p:cSld>
+    <p:spTree>
+      <p:nvGrpSpPr>
+        <p:cNvPr id="1" name=""/>
+        <p:cNvGrpSpPr/>
+        <p:nvPr/>
+      </p:nvGrpSpPr>
+      <p:grpSpPr>
+        <a:xfrm>
+          <a:off x="0" y="0"/>
+          <a:ext cx="0" cy="0"/>
+          <a:chOff x="0" y="0"/>
+          <a:chExt cx="0" cy="0"/>
+        </a:xfrm>
+      </p:grpSpPr>
+      <p:sp>
+        <p:nvSpPr>
+          <p:cNvPr id="6" name="Text Placeholder 5"/>
+          <p:cNvSpPr>
+            <a:spLocks noGrp="1"/>
+          </p:cNvSpPr>
+          <p:nvPr>
+            <p:ph type="body" sz="quarter" idx="10"/>
+          </p:nvPr>
+        </p:nvSpPr>
+        <p:spPr/>
+        <p:txBody>
+          <a:bodyPr/>
+          <a:lstStyle/>
+          <a:p>
+            <a:r>
+              <a:rPr lang="en-US" dirty="0" smtClean="0"/>
+              <a:t>Bootstrap classes</a:t>
+            </a:r>
+            <a:endParaRPr lang="en-US" dirty="0"/>
+          </a:p>
+        </p:txBody>
+      </p:sp>
+      <p:sp>
+        <p:nvSpPr>
+          <p:cNvPr id="5" name="Subtitle 4"/>
+          <p:cNvSpPr>
+            <a:spLocks noGrp="1"/>
+          </p:cNvSpPr>
+          <p:nvPr>
+            <p:ph type="subTitle" idx="1"/>
+          </p:nvPr>
+        </p:nvSpPr>
+        <p:spPr/>
+        <p:txBody>
+          <a:bodyPr/>
+          <a:lstStyle/>
+          <a:p>
+            <a:endParaRPr lang="en-US" dirty="0"/>
+          </a:p>
+        </p:txBody>
+      </p:sp>
+    </p:spTree>
+    <p:extLst>
+      <p:ext uri="{BB962C8B-B14F-4D97-AF65-F5344CB8AC3E}">
+        <p14:creationId xmlns:p14="http://schemas.microsoft.com/office/powerpoint/2010/main" val="1151861831"/>
+      </p:ext>
+    </p:extLst>
+  </p:cSld>
+  <p:clrMapOvr>
+    <a:masterClrMapping/>
+  </p:clrMapOvr>
+  <p:timing>
+    <p:tnLst>
+      <p:par>
+        <p:cTn id="1" dur="indefinite" restart="never" nodeType="tmRoot"/>
+      </p:par>
+    </p:tnLst>
+  </p:timing>
+</p:sld>
+</file>
+
+<file path=ppt/slides/slide3.xml><?xml version="1.0" encoding="utf-8"?>
+<p:sld xmlns:a="http://schemas.openxmlformats.org/drawingml/2006/main" xmlns:r="http://schemas.openxmlformats.org/officeDocument/2006/relationships" xmlns:p="http://schemas.openxmlformats.org/presentationml/2006/main">
+  <p:cSld>
+    <p:spTree>
+      <p:nvGrpSpPr>
+        <p:cNvPr id="1" name=""/>
+        <p:cNvGrpSpPr/>
+        <p:nvPr/>
+      </p:nvGrpSpPr>
+      <p:grpSpPr>
+        <a:xfrm>
+          <a:off x="0" y="0"/>
+          <a:ext cx="0" cy="0"/>
+          <a:chOff x="0" y="0"/>
+          <a:chExt cx="0" cy="0"/>
+        </a:xfrm>
+      </p:grpSpPr>
+      <p:sp>
+        <p:nvSpPr>
+          <p:cNvPr id="4" name="Title 3"/>
+          <p:cNvSpPr>
+            <a:spLocks noGrp="1"/>
+          </p:cNvSpPr>
+          <p:nvPr>
+            <p:ph type="title"/>
+          </p:nvPr>
+        </p:nvSpPr>
+        <p:spPr/>
+        <p:txBody>
+          <a:bodyPr/>
+          <a:lstStyle/>
+          <a:p>
+            <a:r>
+              <a:rPr lang="en-US" dirty="0" smtClean="0"/>
+              <a:t>Bootstrap classes</a:t>
+            </a:r>
+            <a:endParaRPr lang="en-US" dirty="0"/>
+          </a:p>
+        </p:txBody>
+      </p:sp>
+      <p:sp>
+        <p:nvSpPr>
+          <p:cNvPr id="5" name="Content Placeholder 4"/>
+          <p:cNvSpPr>
+            <a:spLocks noGrp="1"/>
+          </p:cNvSpPr>
+          <p:nvPr>
+            <p:ph sz="quarter" idx="10"/>
+          </p:nvPr>
+        </p:nvSpPr>
+        <p:spPr/>
+        <p:txBody>
+          <a:bodyPr/>
+          <a:lstStyle/>
+          <a:p>
+            <a:r>
+              <a:rPr lang="en-US" dirty="0" smtClean="0"/>
+              <a:t>“Call” Bootstrap components</a:t>
+            </a:r>
+          </a:p>
+          <a:p>
+            <a:r>
+              <a:rPr lang="en-US" dirty="0" smtClean="0"/>
+              <a:t>Three common starting classes</a:t>
+            </a:r>
+          </a:p>
+          <a:p>
+            <a:pPr lvl="1"/>
+            <a:r>
+              <a:rPr lang="en-US" dirty="0" smtClean="0"/>
+              <a:t>container</a:t>
+            </a:r>
+          </a:p>
+          <a:p>
+            <a:pPr lvl="2"/>
+            <a:r>
+              <a:rPr lang="en-US" dirty="0" smtClean="0"/>
+              <a:t>Creates a “fixed width” container</a:t>
+            </a:r>
+          </a:p>
+          <a:p>
+            <a:pPr lvl="1"/>
+            <a:r>
+              <a:rPr lang="en-US" dirty="0" smtClean="0"/>
+              <a:t>container-fluid</a:t>
+            </a:r>
+          </a:p>
+          <a:p>
+            <a:pPr lvl="2"/>
+            <a:r>
+              <a:rPr lang="en-US" dirty="0" smtClean="0"/>
+              <a:t>Container will always be the width of the browser</a:t>
+            </a:r>
+          </a:p>
+          <a:p>
+            <a:pPr lvl="1"/>
+            <a:r>
+              <a:rPr lang="en-US" dirty="0" err="1" smtClean="0"/>
+              <a:t>jumbotron</a:t>
+            </a:r>
+            <a:endParaRPr lang="en-US" dirty="0" smtClean="0"/>
+          </a:p>
+          <a:p>
+            <a:pPr lvl="2"/>
+            <a:r>
+              <a:rPr lang="en-US" dirty="0" smtClean="0"/>
+              <a:t>Used to create title sections</a:t>
+            </a:r>
+            <a:endParaRPr lang="en-US" dirty="0"/>
+          </a:p>
+        </p:txBody>
+      </p:sp>
+    </p:spTree>
+    <p:extLst>
+      <p:ext uri="{BB962C8B-B14F-4D97-AF65-F5344CB8AC3E}">
+        <p14:creationId xmlns:p14="http://schemas.microsoft.com/office/powerpoint/2010/main" val="214662383"/>
+      </p:ext>
+    </p:extLst>
+  </p:cSld>
+  <p:clrMapOvr>
+    <a:masterClrMapping/>
+  </p:clrMapOvr>
+  <p:timing>
+    <p:tnLst>
+      <p:par>
+        <p:cTn id="1" dur="indefinite" restart="never" nodeType="tmRoot"/>
+      </p:par>
+    </p:tnLst>
+  </p:timing>
+</p:sld>
+</file>
+
+<file path=ppt/slides/slide4.xml><?xml version="1.0" encoding="utf-8"?>
+<p:sld xmlns:a="http://schemas.openxmlformats.org/drawingml/2006/main" xmlns:r="http://schemas.openxmlformats.org/officeDocument/2006/relationships" xmlns:p="http://schemas.openxmlformats.org/presentationml/2006/main">
+  <p:cSld>
+    <p:spTree>
+      <p:nvGrpSpPr>
+        <p:cNvPr id="1" name=""/>
+        <p:cNvGrpSpPr/>
+        <p:nvPr/>
+      </p:nvGrpSpPr>
+      <p:grpSpPr>
+        <a:xfrm>
+          <a:off x="0" y="0"/>
+          <a:ext cx="0" cy="0"/>
+          <a:chOff x="0" y="0"/>
+          <a:chExt cx="0" cy="0"/>
+        </a:xfrm>
+      </p:grpSpPr>
+      <p:sp>
+        <p:nvSpPr>
+          <p:cNvPr id="2" name="Title 1"/>
+          <p:cNvSpPr>
+            <a:spLocks noGrp="1"/>
+          </p:cNvSpPr>
+          <p:nvPr>
+            <p:ph type="title"/>
+          </p:nvPr>
+        </p:nvSpPr>
+        <p:spPr/>
+        <p:txBody>
+          <a:bodyPr/>
+          <a:lstStyle/>
+          <a:p>
+            <a:r>
+              <a:rPr lang="en-US" dirty="0" smtClean="0"/>
+              <a:t>Visual Studio – Class IntelliSense</a:t>
+            </a:r>
+            <a:endParaRPr lang="en-US" dirty="0"/>
+          </a:p>
+        </p:txBody>
+      </p:sp>
+      <p:pic>
+        <p:nvPicPr>
+          <p:cNvPr id="4" name="Content Placeholder 3"/>
+          <p:cNvPicPr>
+            <a:picLocks noGrp="1" noChangeAspect="1"/>
+          </p:cNvPicPr>
+          <p:nvPr>
+            <p:ph sz="quarter" idx="10"/>
+          </p:nvPr>
+        </p:nvPicPr>
+        <p:blipFill>
+          <a:blip r:embed="rId2"/>
+          <a:stretch>
+            <a:fillRect/>
+          </a:stretch>
+        </p:blipFill>
+        <p:spPr>
+          <a:xfrm>
+            <a:off x="2440146" y="1973767"/>
+            <a:ext cx="5902167" cy="3283240"/>
+          </a:xfrm>
+          <a:prstGeom prst="rect">
+            <a:avLst/>
+          </a:prstGeom>
+        </p:spPr>
+      </p:pic>
+    </p:spTree>
+    <p:extLst>
+      <p:ext uri="{BB962C8B-B14F-4D97-AF65-F5344CB8AC3E}">
+        <p14:creationId xmlns:p14="http://schemas.microsoft.com/office/powerpoint/2010/main" val="2442902170"/>
+      </p:ext>
+    </p:extLst>
+  </p:cSld>
+  <p:clrMapOvr>
+    <a:masterClrMapping/>
+  </p:clrMapOvr>
+  <p:timing>
+    <p:tnLst>
+      <p:par>
+        <p:cTn id="1" dur="indefinite" restart="never" nodeType="tmRoot"/>
+      </p:par>
+    </p:tnLst>
+  </p:timing>
+</p:sld>
+</file>
+
+<file path=ppt/slides/slide5.xml><?xml version="1.0" encoding="utf-8"?>
+<p:sld xmlns:a="http://schemas.openxmlformats.org/drawingml/2006/main" xmlns:r="http://schemas.openxmlformats.org/officeDocument/2006/relationships" xmlns:p="http://schemas.openxmlformats.org/presentationml/2006/main">
+  <p:cSld>
+    <p:spTree>
+      <p:nvGrpSpPr>
+        <p:cNvPr id="1" name=""/>
+        <p:cNvGrpSpPr/>
+        <p:nvPr/>
+      </p:nvGrpSpPr>
+      <p:grpSpPr>
+        <a:xfrm>
+          <a:off x="0" y="0"/>
+          <a:ext cx="0" cy="0"/>
+          <a:chOff x="0" y="0"/>
+          <a:chExt cx="0" cy="0"/>
+        </a:xfrm>
+      </p:grpSpPr>
+      <p:sp>
+        <p:nvSpPr>
+          <p:cNvPr id="2" name="Title 1"/>
+          <p:cNvSpPr>
+            <a:spLocks noGrp="1"/>
+          </p:cNvSpPr>
+          <p:nvPr>
+            <p:ph type="title"/>
+          </p:nvPr>
+        </p:nvSpPr>
+        <p:spPr/>
+        <p:txBody>
+          <a:bodyPr/>
+          <a:lstStyle/>
+          <a:p>
+            <a:r>
+              <a:rPr lang="en-US" dirty="0" smtClean="0"/>
+              <a:t>Visual Studio – Missing Class Detection</a:t>
+            </a:r>
+            <a:endParaRPr lang="en-US" dirty="0"/>
+          </a:p>
+        </p:txBody>
+      </p:sp>
+      <p:pic>
+        <p:nvPicPr>
+          <p:cNvPr id="4" name="Content Placeholder 3"/>
+          <p:cNvPicPr>
+            <a:picLocks noGrp="1" noChangeAspect="1"/>
+          </p:cNvPicPr>
+          <p:nvPr>
+            <p:ph sz="quarter" idx="10"/>
+          </p:nvPr>
+        </p:nvPicPr>
+        <p:blipFill>
+          <a:blip r:embed="rId2"/>
+          <a:stretch>
+            <a:fillRect/>
+          </a:stretch>
+        </p:blipFill>
+        <p:spPr>
+          <a:xfrm>
+            <a:off x="961984" y="2386361"/>
+            <a:ext cx="7276367" cy="1598709"/>
+          </a:xfrm>
+          <a:prstGeom prst="rect">
+            <a:avLst/>
+          </a:prstGeom>
+        </p:spPr>
+      </p:pic>
+    </p:spTree>
+    <p:extLst>
+      <p:ext uri="{BB962C8B-B14F-4D97-AF65-F5344CB8AC3E}">
+        <p14:creationId xmlns:p14="http://schemas.microsoft.com/office/powerpoint/2010/main" val="3334792991"/>
+      </p:ext>
+    </p:extLst>
+  </p:cSld>
+  <p:clrMapOvr>
+    <a:masterClrMapping/>
+  </p:clrMapOvr>
+  <p:timing>
+    <p:tnLst>
+      <p:par>
+        <p:cTn id="1" dur="indefinite" restart="never" nodeType="tmRoot"/>
+      </p:par>
+    </p:tnLst>
+  </p:timing>
+</p:sld>
+</file>
+
+<file path=ppt/slides/slide6.xml><?xml version="1.0" encoding="utf-8"?>
+<p:sld xmlns:a="http://schemas.openxmlformats.org/drawingml/2006/main" xmlns:r="http://schemas.openxmlformats.org/officeDocument/2006/relationships" xmlns:p="http://schemas.openxmlformats.org/presentationml/2006/main">
+  <p:cSld>
+    <p:spTree>
+      <p:nvGrpSpPr>
+        <p:cNvPr id="1" name=""/>
+        <p:cNvGrpSpPr/>
+        <p:nvPr/>
+      </p:nvGrpSpPr>
+      <p:grpSpPr>
+        <a:xfrm>
+          <a:off x="0" y="0"/>
+          <a:ext cx="0" cy="0"/>
+          <a:chOff x="0" y="0"/>
+          <a:chExt cx="0" cy="0"/>
+        </a:xfrm>
+      </p:grpSpPr>
+      <p:sp>
+        <p:nvSpPr>
+          <p:cNvPr id="2" name="Title 1"/>
+          <p:cNvSpPr>
+            <a:spLocks noGrp="1"/>
+          </p:cNvSpPr>
+          <p:nvPr>
+            <p:ph type="title"/>
+          </p:nvPr>
+        </p:nvSpPr>
+        <p:spPr/>
+        <p:txBody>
+          <a:bodyPr/>
+          <a:lstStyle/>
+          <a:p>
+            <a:r>
+              <a:rPr lang="en-US" dirty="0" smtClean="0"/>
+              <a:t>Bootstrap snippets</a:t>
+            </a:r>
+            <a:endParaRPr lang="en-US" dirty="0"/>
+          </a:p>
+        </p:txBody>
+      </p:sp>
+      <p:sp>
+        <p:nvSpPr>
+          <p:cNvPr id="3" name="Content Placeholder 2"/>
+          <p:cNvSpPr>
+            <a:spLocks noGrp="1"/>
+          </p:cNvSpPr>
+          <p:nvPr>
+            <p:ph sz="quarter" idx="10"/>
+          </p:nvPr>
+        </p:nvSpPr>
+        <p:spPr/>
+        <p:txBody>
+          <a:bodyPr/>
+          <a:lstStyle/>
+          <a:p>
+            <a:r>
+              <a:rPr lang="en-US" dirty="0" smtClean="0"/>
+              <a:t>Snippets are an “enhanced copy/paste”</a:t>
+            </a:r>
+          </a:p>
+          <a:p>
+            <a:pPr lvl="1"/>
+            <a:r>
+              <a:rPr lang="en-US" dirty="0" smtClean="0"/>
+              <a:t>Simplify typing out blocks of code</a:t>
+            </a:r>
+          </a:p>
+          <a:p>
+            <a:pPr lvl="1"/>
+            <a:r>
+              <a:rPr lang="en-US" dirty="0" smtClean="0"/>
+              <a:t>Accessed by:</a:t>
+            </a:r>
+          </a:p>
+          <a:p>
+            <a:pPr lvl="2"/>
+            <a:r>
+              <a:rPr lang="en-US" dirty="0" smtClean="0"/>
+              <a:t>Right click &gt; Insert Snippet</a:t>
+            </a:r>
+          </a:p>
+          <a:p>
+            <a:pPr lvl="2"/>
+            <a:r>
+              <a:rPr lang="en-US" dirty="0" err="1" smtClean="0"/>
+              <a:t>Ctl</a:t>
+            </a:r>
+            <a:r>
+              <a:rPr lang="en-US" dirty="0" smtClean="0"/>
+              <a:t>-K, </a:t>
+            </a:r>
+            <a:r>
+              <a:rPr lang="en-US" dirty="0" err="1" smtClean="0"/>
+              <a:t>Ctl</a:t>
+            </a:r>
+            <a:r>
+              <a:rPr lang="en-US" dirty="0" smtClean="0"/>
+              <a:t>-X</a:t>
+            </a:r>
+            <a:endParaRPr lang="en-US" dirty="0"/>
+          </a:p>
+          <a:p>
+            <a:pPr lvl="1"/>
+            <a:endParaRPr lang="en-US" dirty="0" smtClean="0"/>
+          </a:p>
+          <a:p>
+            <a:r>
+              <a:rPr lang="en-US" dirty="0" smtClean="0"/>
+              <a:t>Snippets are available for Bootstrap</a:t>
+            </a:r>
+          </a:p>
+          <a:p>
+            <a:pPr lvl="1"/>
+            <a:r>
+              <a:rPr lang="en-US" dirty="0" smtClean="0"/>
+              <a:t>GitHub project by Eric </a:t>
+            </a:r>
+            <a:r>
+              <a:rPr lang="en-US" dirty="0" err="1" smtClean="0"/>
+              <a:t>Lebetsamer</a:t>
+            </a:r>
+            <a:endParaRPr lang="en-US" dirty="0" smtClean="0"/>
+          </a:p>
+          <a:p>
+            <a:pPr lvl="2"/>
+            <a:r>
+              <a:rPr lang="en-US" dirty="0"/>
+              <a:t>https://</a:t>
+            </a:r>
+            <a:r>
+              <a:rPr lang="en-US" dirty="0" smtClean="0"/>
+              <a:t>github.com/elebetsamer</a:t>
+            </a:r>
+          </a:p>
+          <a:p>
+            <a:pPr marL="914090" lvl="2" indent="0">
+              <a:buNone/>
+            </a:pPr>
+            <a:endParaRPr lang="en-US" dirty="0"/>
+          </a:p>
+        </p:txBody>
+      </p:sp>
+    </p:spTree>
+    <p:extLst>
+      <p:ext uri="{BB962C8B-B14F-4D97-AF65-F5344CB8AC3E}">
+        <p14:creationId xmlns:p14="http://schemas.microsoft.com/office/powerpoint/2010/main" val="2680171130"/>
+      </p:ext>
+    </p:extLst>
+  </p:cSld>
+  <p:clrMapOvr>
+    <a:masterClrMapping/>
+  </p:clrMapOvr>
+  <p:timing>
+    <p:tnLst>
+      <p:par>
+        <p:cTn id="1" dur="indefinite" restart="never" nodeType="tmRoot"/>
+      </p:par>
+    </p:tnLst>
+  </p:timing>
+</p:sld>
+</file>
+
+<file path=ppt/slides/slide7.xml><?xml version="1.0" encoding="utf-8"?>
+<p:sld xmlns:a="http://schemas.openxmlformats.org/drawingml/2006/main" xmlns:r="http://schemas.openxmlformats.org/officeDocument/2006/relationships" xmlns:p="http://schemas.openxmlformats.org/presentationml/2006/main">
+  <p:cSld>
+    <p:spTree>
+      <p:nvGrpSpPr>
+        <p:cNvPr id="1" name=""/>
+        <p:cNvGrpSpPr/>
+        <p:nvPr/>
+      </p:nvGrpSpPr>
+      <p:grpSpPr>
+        <a:xfrm>
+          <a:off x="0" y="0"/>
+          <a:ext cx="0" cy="0"/>
+          <a:chOff x="0" y="0"/>
+          <a:chExt cx="0" cy="0"/>
+        </a:xfrm>
+      </p:grpSpPr>
+      <p:sp>
+        <p:nvSpPr>
+          <p:cNvPr id="2" name="Title 1"/>
+          <p:cNvSpPr>
+            <a:spLocks noGrp="1"/>
+          </p:cNvSpPr>
+          <p:nvPr>
+            <p:ph type="title"/>
+          </p:nvPr>
+        </p:nvSpPr>
+        <p:spPr/>
+        <p:txBody>
+          <a:bodyPr/>
+          <a:lstStyle/>
+          <a:p>
+            <a:r>
+              <a:rPr lang="en-US" dirty="0" smtClean="0"/>
+              <a:t>Visual </a:t>
+            </a:r>
+            <a:r>
+              <a:rPr lang="en-US" smtClean="0"/>
+              <a:t>Studio Support</a:t>
+            </a:r>
+            <a:endParaRPr lang="en-US" dirty="0"/>
+          </a:p>
+        </p:txBody>
+      </p:sp>
+    </p:spTree>
+    <p:extLst>
+      <p:ext uri="{BB962C8B-B14F-4D97-AF65-F5344CB8AC3E}">
+        <p14:creationId xmlns:p14="http://schemas.microsoft.com/office/powerpoint/2010/main" val="4209950579"/>
+      </p:ext>
+    </p:extLst>
+  </p:cSld>
+  <p:clrMapOvr>
+    <a:masterClrMapping/>
+  </p:clrMapOvr>
+  <p:timing>
+    <p:tnLst>
+      <p:par>
+        <p:cTn id="1" dur="indefinite" restart="never" nodeType="tmRoot"/>
+      </p:par>
+    </p:tnLst>
+  </p:timing>
+</p:sld>
+</file>
+
+<file path=ppt/slides/slide8.xml><?xml version="1.0" encoding="utf-8"?>
+<p:sld xmlns:a="http://schemas.openxmlformats.org/drawingml/2006/main" xmlns:r="http://schemas.openxmlformats.org/officeDocument/2006/relationships" xmlns:p="http://schemas.openxmlformats.org/presentationml/2006/main">
+  <p:cSld>
+    <p:spTree>
+      <p:nvGrpSpPr>
+        <p:cNvPr id="1" name=""/>
+        <p:cNvGrpSpPr/>
+        <p:nvPr/>
+      </p:nvGrpSpPr>
+      <p:grpSpPr>
+        <a:xfrm>
+          <a:off x="0" y="0"/>
+          <a:ext cx="0" cy="0"/>
+          <a:chOff x="0" y="0"/>
+          <a:chExt cx="0" cy="0"/>
+        </a:xfrm>
+      </p:grpSpPr>
+      <p:sp>
+        <p:nvSpPr>
+          <p:cNvPr id="4" name="Text Placeholder 3"/>
+          <p:cNvSpPr>
+            <a:spLocks noGrp="1"/>
+          </p:cNvSpPr>
+          <p:nvPr>
+            <p:ph type="body" sz="quarter" idx="10"/>
+          </p:nvPr>
+        </p:nvSpPr>
+        <p:spPr/>
+        <p:txBody>
+          <a:bodyPr/>
+          <a:lstStyle/>
+          <a:p>
+            <a:r>
+              <a:rPr lang="en-US" dirty="0" smtClean="0"/>
+              <a:t>Bootstrap Grid</a:t>
+            </a:r>
+            <a:endParaRPr lang="en-US" dirty="0"/>
+          </a:p>
+        </p:txBody>
+      </p:sp>
+      <p:sp>
+        <p:nvSpPr>
+          <p:cNvPr id="3" name="Subtitle 2"/>
+          <p:cNvSpPr>
+            <a:spLocks noGrp="1"/>
+          </p:cNvSpPr>
+          <p:nvPr>
+            <p:ph type="subTitle" idx="1"/>
+          </p:nvPr>
+        </p:nvSpPr>
+        <p:spPr/>
+        <p:txBody>
+          <a:bodyPr/>
+          <a:lstStyle/>
+          <a:p>
+            <a:endParaRPr lang="en-US"/>
+          </a:p>
+        </p:txBody>
+      </p:sp>
+    </p:spTree>
+    <p:extLst>
+      <p:ext uri="{BB962C8B-B14F-4D97-AF65-F5344CB8AC3E}">
+        <p14:creationId xmlns:p14="http://schemas.microsoft.com/office/powerpoint/2010/main" val="1389001476"/>
       </p:ext>
     </p:extLst>
   </p:cSld>
@@ -8143,429 +8458,45 @@
           <a:p>
             <a:r>
               <a:rPr lang="en-US" dirty="0" smtClean="0"/>
-              <a:t>Site Design</a:t>
+              <a:t>Responsive Layout</a:t>
             </a:r>
             <a:endParaRPr lang="en-US" dirty="0"/>
           </a:p>
         </p:txBody>
       </p:sp>
-      <p:sp>
-        <p:nvSpPr>
-          <p:cNvPr id="4" name="Rectangle 3"/>
-          <p:cNvSpPr/>
-          <p:nvPr/>
-        </p:nvSpPr>
+      <p:pic>
+        <p:nvPicPr>
+          <p:cNvPr id="4" name="Content Placeholder 3" descr="Screen Clipping"/>
+          <p:cNvPicPr>
+            <a:picLocks noGrp="1" noChangeAspect="1"/>
+          </p:cNvPicPr>
+          <p:nvPr>
+            <p:ph sz="quarter" idx="10"/>
+          </p:nvPr>
+        </p:nvPicPr>
+        <p:blipFill>
+          <a:blip r:embed="rId2">
+            <a:extLst>
+              <a:ext uri="{28A0092B-C50C-407E-A947-70E740481C1C}">
+                <a14:useLocalDpi xmlns:a14="http://schemas.microsoft.com/office/drawing/2010/main" val="0"/>
+              </a:ext>
+            </a:extLst>
+          </a:blip>
+          <a:stretch>
+            <a:fillRect/>
+          </a:stretch>
+        </p:blipFill>
         <p:spPr>
           <a:xfrm>
-            <a:off x="379514" y="1245702"/>
-            <a:ext cx="11401154" cy="5057444"/>
+            <a:off x="3128113" y="1208989"/>
+            <a:ext cx="5935774" cy="4440022"/>
           </a:xfrm>
-          <a:prstGeom prst="rect">
-            <a:avLst/>
-          </a:prstGeom>
         </p:spPr>
-        <p:style>
-          <a:lnRef idx="2">
-            <a:schemeClr val="accent5"/>
-          </a:lnRef>
-          <a:fillRef idx="1">
-            <a:schemeClr val="lt1"/>
-          </a:fillRef>
-          <a:effectRef idx="0">
-            <a:schemeClr val="accent5"/>
-          </a:effectRef>
-          <a:fontRef idx="minor">
-            <a:schemeClr val="dk1"/>
-          </a:fontRef>
-        </p:style>
-        <p:txBody>
-          <a:bodyPr rtlCol="0" anchor="ctr"/>
-          <a:lstStyle/>
-          <a:p>
-            <a:pPr algn="ctr"/>
-            <a:endParaRPr lang="en-US"/>
-          </a:p>
-        </p:txBody>
-      </p:sp>
-      <p:sp>
-        <p:nvSpPr>
-          <p:cNvPr id="5" name="Rounded Rectangle 4"/>
-          <p:cNvSpPr/>
-          <p:nvPr/>
-        </p:nvSpPr>
-        <p:spPr>
-          <a:xfrm>
-            <a:off x="772357" y="1518082"/>
-            <a:ext cx="10422385" cy="941033"/>
-          </a:xfrm>
-          <a:prstGeom prst="roundRect">
-            <a:avLst/>
-          </a:prstGeom>
-        </p:spPr>
-        <p:style>
-          <a:lnRef idx="1">
-            <a:schemeClr val="accent4"/>
-          </a:lnRef>
-          <a:fillRef idx="2">
-            <a:schemeClr val="accent4"/>
-          </a:fillRef>
-          <a:effectRef idx="1">
-            <a:schemeClr val="accent4"/>
-          </a:effectRef>
-          <a:fontRef idx="minor">
-            <a:schemeClr val="dk1"/>
-          </a:fontRef>
-        </p:style>
-        <p:txBody>
-          <a:bodyPr rtlCol="0" anchor="ctr"/>
-          <a:lstStyle/>
-          <a:p>
-            <a:pPr algn="ctr"/>
-            <a:r>
-              <a:rPr lang="en-US" sz="3200" dirty="0" smtClean="0"/>
-              <a:t>Banner</a:t>
-            </a:r>
-            <a:endParaRPr lang="en-US" sz="3200" dirty="0"/>
-          </a:p>
-        </p:txBody>
-      </p:sp>
-      <p:sp>
-        <p:nvSpPr>
-          <p:cNvPr id="6" name="Rounded Rectangle 5"/>
-          <p:cNvSpPr/>
-          <p:nvPr/>
-        </p:nvSpPr>
-        <p:spPr>
-          <a:xfrm>
-            <a:off x="772358" y="2581569"/>
-            <a:ext cx="1455938" cy="1138175"/>
-          </a:xfrm>
-          <a:prstGeom prst="roundRect">
-            <a:avLst/>
-          </a:prstGeom>
-        </p:spPr>
-        <p:style>
-          <a:lnRef idx="1">
-            <a:schemeClr val="accent3"/>
-          </a:lnRef>
-          <a:fillRef idx="2">
-            <a:schemeClr val="accent3"/>
-          </a:fillRef>
-          <a:effectRef idx="1">
-            <a:schemeClr val="accent3"/>
-          </a:effectRef>
-          <a:fontRef idx="minor">
-            <a:schemeClr val="dk1"/>
-          </a:fontRef>
-        </p:style>
-        <p:txBody>
-          <a:bodyPr rtlCol="0" anchor="ctr"/>
-          <a:lstStyle/>
-          <a:p>
-            <a:pPr algn="ctr"/>
-            <a:r>
-              <a:rPr lang="en-US" sz="2400" dirty="0" smtClean="0"/>
-              <a:t>Cover Art</a:t>
-            </a:r>
-            <a:endParaRPr lang="en-US" sz="2400" dirty="0"/>
-          </a:p>
-        </p:txBody>
-      </p:sp>
-      <p:sp>
-        <p:nvSpPr>
-          <p:cNvPr id="7" name="Rounded Rectangle 6"/>
-          <p:cNvSpPr/>
-          <p:nvPr/>
-        </p:nvSpPr>
-        <p:spPr>
-          <a:xfrm>
-            <a:off x="2621140" y="2581569"/>
-            <a:ext cx="8573602" cy="1138175"/>
-          </a:xfrm>
-          <a:prstGeom prst="roundRect">
-            <a:avLst/>
-          </a:prstGeom>
-        </p:spPr>
-        <p:style>
-          <a:lnRef idx="1">
-            <a:schemeClr val="accent3"/>
-          </a:lnRef>
-          <a:fillRef idx="2">
-            <a:schemeClr val="accent3"/>
-          </a:fillRef>
-          <a:effectRef idx="1">
-            <a:schemeClr val="accent3"/>
-          </a:effectRef>
-          <a:fontRef idx="minor">
-            <a:schemeClr val="dk1"/>
-          </a:fontRef>
-        </p:style>
-        <p:txBody>
-          <a:bodyPr rtlCol="0" anchor="ctr"/>
-          <a:lstStyle/>
-          <a:p>
-            <a:pPr algn="ctr"/>
-            <a:r>
-              <a:rPr lang="en-US" sz="2400" dirty="0" smtClean="0"/>
-              <a:t>Title</a:t>
-            </a:r>
-          </a:p>
-          <a:p>
-            <a:pPr algn="ctr"/>
-            <a:r>
-              <a:rPr lang="en-US" sz="2400" dirty="0" smtClean="0"/>
-              <a:t>Artist</a:t>
-            </a:r>
-          </a:p>
-          <a:p>
-            <a:pPr algn="ctr"/>
-            <a:r>
-              <a:rPr lang="en-US" sz="2400" dirty="0" smtClean="0"/>
-              <a:t>Bio</a:t>
-            </a:r>
-            <a:endParaRPr lang="en-US" sz="2400" dirty="0"/>
-          </a:p>
-        </p:txBody>
-      </p:sp>
-      <p:sp>
-        <p:nvSpPr>
-          <p:cNvPr id="8" name="Rounded Rectangle 7"/>
-          <p:cNvSpPr/>
-          <p:nvPr/>
-        </p:nvSpPr>
-        <p:spPr>
-          <a:xfrm>
-            <a:off x="4820575" y="3867526"/>
-            <a:ext cx="6374167" cy="2278956"/>
-          </a:xfrm>
-          <a:prstGeom prst="roundRect">
-            <a:avLst/>
-          </a:prstGeom>
-        </p:spPr>
-        <p:style>
-          <a:lnRef idx="1">
-            <a:schemeClr val="accent5"/>
-          </a:lnRef>
-          <a:fillRef idx="2">
-            <a:schemeClr val="accent5"/>
-          </a:fillRef>
-          <a:effectRef idx="1">
-            <a:schemeClr val="accent5"/>
-          </a:effectRef>
-          <a:fontRef idx="minor">
-            <a:schemeClr val="dk1"/>
-          </a:fontRef>
-        </p:style>
-        <p:txBody>
-          <a:bodyPr rtlCol="0" anchor="ctr"/>
-          <a:lstStyle/>
-          <a:p>
-            <a:pPr algn="ctr"/>
-            <a:endParaRPr lang="en-US" sz="2400" dirty="0"/>
-          </a:p>
-        </p:txBody>
-      </p:sp>
-      <p:sp>
-        <p:nvSpPr>
-          <p:cNvPr id="9" name="Rounded Rectangle 8"/>
-          <p:cNvSpPr/>
-          <p:nvPr/>
-        </p:nvSpPr>
-        <p:spPr>
-          <a:xfrm>
-            <a:off x="5154226" y="4026024"/>
-            <a:ext cx="3764132" cy="1970843"/>
-          </a:xfrm>
-          <a:prstGeom prst="roundRect">
-            <a:avLst/>
-          </a:prstGeom>
-        </p:spPr>
-        <p:style>
-          <a:lnRef idx="2">
-            <a:schemeClr val="accent5">
-              <a:shade val="50000"/>
-            </a:schemeClr>
-          </a:lnRef>
-          <a:fillRef idx="1">
-            <a:schemeClr val="accent5"/>
-          </a:fillRef>
-          <a:effectRef idx="0">
-            <a:schemeClr val="accent5"/>
-          </a:effectRef>
-          <a:fontRef idx="minor">
-            <a:schemeClr val="lt1"/>
-          </a:fontRef>
-        </p:style>
-        <p:txBody>
-          <a:bodyPr rtlCol="0" anchor="ctr"/>
-          <a:lstStyle/>
-          <a:p>
-            <a:pPr algn="ctr"/>
-            <a:r>
-              <a:rPr lang="en-US" dirty="0" smtClean="0"/>
-              <a:t>Track</a:t>
-            </a:r>
-          </a:p>
-          <a:p>
-            <a:pPr algn="ctr"/>
-            <a:r>
-              <a:rPr lang="en-US" dirty="0" smtClean="0"/>
-              <a:t>Track</a:t>
-            </a:r>
-          </a:p>
-          <a:p>
-            <a:pPr algn="ctr"/>
-            <a:r>
-              <a:rPr lang="en-US" dirty="0" smtClean="0"/>
-              <a:t>Track</a:t>
-            </a:r>
-          </a:p>
-          <a:p>
-            <a:pPr algn="ctr"/>
-            <a:r>
-              <a:rPr lang="en-US" dirty="0" smtClean="0"/>
-              <a:t>Track</a:t>
-            </a:r>
-          </a:p>
-          <a:p>
-            <a:pPr algn="ctr"/>
-            <a:r>
-              <a:rPr lang="en-US" dirty="0" smtClean="0"/>
-              <a:t>Track</a:t>
-            </a:r>
-            <a:endParaRPr lang="en-US" dirty="0"/>
-          </a:p>
-        </p:txBody>
-      </p:sp>
-      <p:sp>
-        <p:nvSpPr>
-          <p:cNvPr id="11" name="Rounded Rectangle 10"/>
-          <p:cNvSpPr/>
-          <p:nvPr/>
-        </p:nvSpPr>
-        <p:spPr>
-          <a:xfrm>
-            <a:off x="9149178" y="4026023"/>
-            <a:ext cx="1853954" cy="1970843"/>
-          </a:xfrm>
-          <a:prstGeom prst="roundRect">
-            <a:avLst/>
-          </a:prstGeom>
-        </p:spPr>
-        <p:style>
-          <a:lnRef idx="2">
-            <a:schemeClr val="accent5">
-              <a:shade val="50000"/>
-            </a:schemeClr>
-          </a:lnRef>
-          <a:fillRef idx="1">
-            <a:schemeClr val="accent5"/>
-          </a:fillRef>
-          <a:effectRef idx="0">
-            <a:schemeClr val="accent5"/>
-          </a:effectRef>
-          <a:fontRef idx="minor">
-            <a:schemeClr val="lt1"/>
-          </a:fontRef>
-        </p:style>
-        <p:txBody>
-          <a:bodyPr rtlCol="0" anchor="ctr"/>
-          <a:lstStyle/>
-          <a:p>
-            <a:pPr algn="ctr"/>
-            <a:r>
-              <a:rPr lang="en-US" dirty="0" smtClean="0"/>
-              <a:t>Time</a:t>
-            </a:r>
-          </a:p>
-          <a:p>
-            <a:pPr algn="ctr"/>
-            <a:r>
-              <a:rPr lang="en-US" dirty="0" smtClean="0"/>
-              <a:t>Time</a:t>
-            </a:r>
-          </a:p>
-          <a:p>
-            <a:pPr algn="ctr"/>
-            <a:r>
-              <a:rPr lang="en-US" dirty="0" smtClean="0"/>
-              <a:t>Time</a:t>
-            </a:r>
-          </a:p>
-          <a:p>
-            <a:pPr algn="ctr"/>
-            <a:r>
-              <a:rPr lang="en-US" dirty="0" smtClean="0"/>
-              <a:t>Time</a:t>
-            </a:r>
-          </a:p>
-          <a:p>
-            <a:pPr algn="ctr"/>
-            <a:r>
-              <a:rPr lang="en-US" dirty="0" smtClean="0"/>
-              <a:t>Time</a:t>
-            </a:r>
-            <a:endParaRPr lang="en-US" dirty="0"/>
-          </a:p>
-        </p:txBody>
-      </p:sp>
-      <p:sp>
-        <p:nvSpPr>
-          <p:cNvPr id="12" name="Rounded Rectangle 11"/>
-          <p:cNvSpPr/>
-          <p:nvPr/>
-        </p:nvSpPr>
-        <p:spPr>
-          <a:xfrm>
-            <a:off x="811567" y="3842198"/>
-            <a:ext cx="3817398" cy="2278956"/>
-          </a:xfrm>
-          <a:prstGeom prst="roundRect">
-            <a:avLst/>
-          </a:prstGeom>
-        </p:spPr>
-        <p:style>
-          <a:lnRef idx="1">
-            <a:schemeClr val="accent5"/>
-          </a:lnRef>
-          <a:fillRef idx="2">
-            <a:schemeClr val="accent5"/>
-          </a:fillRef>
-          <a:effectRef idx="1">
-            <a:schemeClr val="accent5"/>
-          </a:effectRef>
-          <a:fontRef idx="minor">
-            <a:schemeClr val="dk1"/>
-          </a:fontRef>
-        </p:style>
-        <p:txBody>
-          <a:bodyPr rtlCol="0" anchor="ctr"/>
-          <a:lstStyle/>
-          <a:p>
-            <a:pPr algn="ctr"/>
-            <a:r>
-              <a:rPr lang="en-US" sz="2400" dirty="0" smtClean="0"/>
-              <a:t>Expert Review</a:t>
-            </a:r>
-          </a:p>
-          <a:p>
-            <a:pPr algn="ctr"/>
-            <a:endParaRPr lang="en-US" sz="2400" dirty="0"/>
-          </a:p>
-          <a:p>
-            <a:pPr algn="ctr"/>
-            <a:endParaRPr lang="en-US" sz="2400" dirty="0" smtClean="0"/>
-          </a:p>
-          <a:p>
-            <a:pPr algn="ctr"/>
-            <a:endParaRPr lang="en-US" sz="2400" dirty="0"/>
-          </a:p>
-        </p:txBody>
-      </p:sp>
+      </p:pic>
     </p:spTree>
     <p:extLst>
       <p:ext uri="{BB962C8B-B14F-4D97-AF65-F5344CB8AC3E}">
-        <p14:creationId xmlns:p14="http://schemas.microsoft.com/office/powerpoint/2010/main" val="3076921353"/>
+        <p14:creationId xmlns:p14="http://schemas.microsoft.com/office/powerpoint/2010/main" val="1580714056"/>
       </p:ext>
     </p:extLst>
   </p:cSld>
@@ -8872,19 +8803,280 @@
 </a:theme>
 </file>
 
-<file path=customXml/item1.xml><?xml version="1.0" encoding="utf-8"?>
-<p:properties xmlns:p="http://schemas.microsoft.com/office/2006/metadata/properties" xmlns:xsi="http://www.w3.org/2001/XMLSchema-instance" xmlns:pc="http://schemas.microsoft.com/office/infopath/2007/PartnerControls">
-  <documentManagement/>
-</p:properties>
+<file path=ppt/theme/theme2.xml><?xml version="1.0" encoding="utf-8"?>
+<a:theme xmlns:a="http://schemas.openxmlformats.org/drawingml/2006/main" name="Office Theme">
+  <a:themeElements>
+    <a:clrScheme name="Office">
+      <a:dk1>
+        <a:sysClr val="windowText" lastClr="000000"/>
+      </a:dk1>
+      <a:lt1>
+        <a:sysClr val="window" lastClr="FFFFFF"/>
+      </a:lt1>
+      <a:dk2>
+        <a:srgbClr val="44546A"/>
+      </a:dk2>
+      <a:lt2>
+        <a:srgbClr val="E7E6E6"/>
+      </a:lt2>
+      <a:accent1>
+        <a:srgbClr val="5B9BD5"/>
+      </a:accent1>
+      <a:accent2>
+        <a:srgbClr val="ED7D31"/>
+      </a:accent2>
+      <a:accent3>
+        <a:srgbClr val="A5A5A5"/>
+      </a:accent3>
+      <a:accent4>
+        <a:srgbClr val="FFC000"/>
+      </a:accent4>
+      <a:accent5>
+        <a:srgbClr val="4472C4"/>
+      </a:accent5>
+      <a:accent6>
+        <a:srgbClr val="70AD47"/>
+      </a:accent6>
+      <a:hlink>
+        <a:srgbClr val="0563C1"/>
+      </a:hlink>
+      <a:folHlink>
+        <a:srgbClr val="954F72"/>
+      </a:folHlink>
+    </a:clrScheme>
+    <a:fontScheme name="Office">
+      <a:majorFont>
+        <a:latin typeface="Calibri Light" panose="020F0302020204030204"/>
+        <a:ea typeface=""/>
+        <a:cs typeface=""/>
+        <a:font script="Jpan" typeface="ＭＳ Ｐゴシック"/>
+        <a:font script="Hang" typeface="맑은 고딕"/>
+        <a:font script="Hans" typeface="宋体"/>
+        <a:font script="Hant" typeface="新細明體"/>
+        <a:font script="Arab" typeface="Times New Roman"/>
+        <a:font script="Hebr" typeface="Times New Roman"/>
+        <a:font script="Thai" typeface="Angsana New"/>
+        <a:font script="Ethi" typeface="Nyala"/>
+        <a:font script="Beng" typeface="Vrinda"/>
+        <a:font script="Gujr" typeface="Shruti"/>
+        <a:font script="Khmr" typeface="MoolBoran"/>
+        <a:font script="Knda" typeface="Tunga"/>
+        <a:font script="Guru" typeface="Raavi"/>
+        <a:font script="Cans" typeface="Euphemia"/>
+        <a:font script="Cher" typeface="Plantagenet Cherokee"/>
+        <a:font script="Yiii" typeface="Microsoft Yi Baiti"/>
+        <a:font script="Tibt" typeface="Microsoft Himalaya"/>
+        <a:font script="Thaa" typeface="MV Boli"/>
+        <a:font script="Deva" typeface="Mangal"/>
+        <a:font script="Telu" typeface="Gautami"/>
+        <a:font script="Taml" typeface="Latha"/>
+        <a:font script="Syrc" typeface="Estrangelo Edessa"/>
+        <a:font script="Orya" typeface="Kalinga"/>
+        <a:font script="Mlym" typeface="Kartika"/>
+        <a:font script="Laoo" typeface="DokChampa"/>
+        <a:font script="Sinh" typeface="Iskoola Pota"/>
+        <a:font script="Mong" typeface="Mongolian Baiti"/>
+        <a:font script="Viet" typeface="Times New Roman"/>
+        <a:font script="Uigh" typeface="Microsoft Uighur"/>
+        <a:font script="Geor" typeface="Sylfaen"/>
+      </a:majorFont>
+      <a:minorFont>
+        <a:latin typeface="Calibri" panose="020F0502020204030204"/>
+        <a:ea typeface=""/>
+        <a:cs typeface=""/>
+        <a:font script="Jpan" typeface="ＭＳ Ｐゴシック"/>
+        <a:font script="Hang" typeface="맑은 고딕"/>
+        <a:font script="Hans" typeface="宋体"/>
+        <a:font script="Hant" typeface="新細明體"/>
+        <a:font script="Arab" typeface="Arial"/>
+        <a:font script="Hebr" typeface="Arial"/>
+        <a:font script="Thai" typeface="Cordia New"/>
+        <a:font script="Ethi" typeface="Nyala"/>
+        <a:font script="Beng" typeface="Vrinda"/>
+        <a:font script="Gujr" typeface="Shruti"/>
+        <a:font script="Khmr" typeface="DaunPenh"/>
+        <a:font script="Knda" typeface="Tunga"/>
+        <a:font script="Guru" typeface="Raavi"/>
+        <a:font script="Cans" typeface="Euphemia"/>
+        <a:font script="Cher" typeface="Plantagenet Cherokee"/>
+        <a:font script="Yiii" typeface="Microsoft Yi Baiti"/>
+        <a:font script="Tibt" typeface="Microsoft Himalaya"/>
+        <a:font script="Thaa" typeface="MV Boli"/>
+        <a:font script="Deva" typeface="Mangal"/>
+        <a:font script="Telu" typeface="Gautami"/>
+        <a:font script="Taml" typeface="Latha"/>
+        <a:font script="Syrc" typeface="Estrangelo Edessa"/>
+        <a:font script="Orya" typeface="Kalinga"/>
+        <a:font script="Mlym" typeface="Kartika"/>
+        <a:font script="Laoo" typeface="DokChampa"/>
+        <a:font script="Sinh" typeface="Iskoola Pota"/>
+        <a:font script="Mong" typeface="Mongolian Baiti"/>
+        <a:font script="Viet" typeface="Arial"/>
+        <a:font script="Uigh" typeface="Microsoft Uighur"/>
+        <a:font script="Geor" typeface="Sylfaen"/>
+      </a:minorFont>
+    </a:fontScheme>
+    <a:fmtScheme name="Office">
+      <a:fillStyleLst>
+        <a:solidFill>
+          <a:schemeClr val="phClr"/>
+        </a:solidFill>
+        <a:gradFill rotWithShape="1">
+          <a:gsLst>
+            <a:gs pos="0">
+              <a:schemeClr val="phClr">
+                <a:lumMod val="110000"/>
+                <a:satMod val="105000"/>
+                <a:tint val="67000"/>
+              </a:schemeClr>
+            </a:gs>
+            <a:gs pos="50000">
+              <a:schemeClr val="phClr">
+                <a:lumMod val="105000"/>
+                <a:satMod val="103000"/>
+                <a:tint val="73000"/>
+              </a:schemeClr>
+            </a:gs>
+            <a:gs pos="100000">
+              <a:schemeClr val="phClr">
+                <a:lumMod val="105000"/>
+                <a:satMod val="109000"/>
+                <a:tint val="81000"/>
+              </a:schemeClr>
+            </a:gs>
+          </a:gsLst>
+          <a:lin ang="5400000" scaled="0"/>
+        </a:gradFill>
+        <a:gradFill rotWithShape="1">
+          <a:gsLst>
+            <a:gs pos="0">
+              <a:schemeClr val="phClr">
+                <a:satMod val="103000"/>
+                <a:lumMod val="102000"/>
+                <a:tint val="94000"/>
+              </a:schemeClr>
+            </a:gs>
+            <a:gs pos="50000">
+              <a:schemeClr val="phClr">
+                <a:satMod val="110000"/>
+                <a:lumMod val="100000"/>
+                <a:shade val="100000"/>
+              </a:schemeClr>
+            </a:gs>
+            <a:gs pos="100000">
+              <a:schemeClr val="phClr">
+                <a:lumMod val="99000"/>
+                <a:satMod val="120000"/>
+                <a:shade val="78000"/>
+              </a:schemeClr>
+            </a:gs>
+          </a:gsLst>
+          <a:lin ang="5400000" scaled="0"/>
+        </a:gradFill>
+      </a:fillStyleLst>
+      <a:lnStyleLst>
+        <a:ln w="6350" cap="flat" cmpd="sng" algn="ctr">
+          <a:solidFill>
+            <a:schemeClr val="phClr"/>
+          </a:solidFill>
+          <a:prstDash val="solid"/>
+          <a:miter lim="800000"/>
+        </a:ln>
+        <a:ln w="12700" cap="flat" cmpd="sng" algn="ctr">
+          <a:solidFill>
+            <a:schemeClr val="phClr"/>
+          </a:solidFill>
+          <a:prstDash val="solid"/>
+          <a:miter lim="800000"/>
+        </a:ln>
+        <a:ln w="19050" cap="flat" cmpd="sng" algn="ctr">
+          <a:solidFill>
+            <a:schemeClr val="phClr"/>
+          </a:solidFill>
+          <a:prstDash val="solid"/>
+          <a:miter lim="800000"/>
+        </a:ln>
+      </a:lnStyleLst>
+      <a:effectStyleLst>
+        <a:effectStyle>
+          <a:effectLst/>
+        </a:effectStyle>
+        <a:effectStyle>
+          <a:effectLst/>
+        </a:effectStyle>
+        <a:effectStyle>
+          <a:effectLst>
+            <a:outerShdw blurRad="57150" dist="19050" dir="5400000" algn="ctr" rotWithShape="0">
+              <a:srgbClr val="000000">
+                <a:alpha val="63000"/>
+              </a:srgbClr>
+            </a:outerShdw>
+          </a:effectLst>
+        </a:effectStyle>
+      </a:effectStyleLst>
+      <a:bgFillStyleLst>
+        <a:solidFill>
+          <a:schemeClr val="phClr"/>
+        </a:solidFill>
+        <a:solidFill>
+          <a:schemeClr val="phClr">
+            <a:tint val="95000"/>
+            <a:satMod val="170000"/>
+          </a:schemeClr>
+        </a:solidFill>
+        <a:gradFill rotWithShape="1">
+          <a:gsLst>
+            <a:gs pos="0">
+              <a:schemeClr val="phClr">
+                <a:tint val="93000"/>
+                <a:satMod val="150000"/>
+                <a:shade val="98000"/>
+                <a:lumMod val="102000"/>
+              </a:schemeClr>
+            </a:gs>
+            <a:gs pos="50000">
+              <a:schemeClr val="phClr">
+                <a:tint val="98000"/>
+                <a:satMod val="130000"/>
+                <a:shade val="90000"/>
+                <a:lumMod val="103000"/>
+              </a:schemeClr>
+            </a:gs>
+            <a:gs pos="100000">
+              <a:schemeClr val="phClr">
+                <a:shade val="63000"/>
+                <a:satMod val="120000"/>
+              </a:schemeClr>
+            </a:gs>
+          </a:gsLst>
+          <a:lin ang="5400000" scaled="0"/>
+        </a:gradFill>
+      </a:bgFillStyleLst>
+    </a:fmtScheme>
+  </a:themeElements>
+  <a:objectDefaults/>
+  <a:extraClrSchemeLst/>
+  <a:extLst>
+    <a:ext uri="{05A4C25C-085E-4340-85A3-A5531E510DB2}">
+      <thm15:themeFamily xmlns:thm15="http://schemas.microsoft.com/office/thememl/2012/main" name="Office Theme" id="{62F939B6-93AF-4DB8-9C6B-D6C7DFDC589F}" vid="{4A3C46E8-61CC-4603-A589-7422A47A8E4A}"/>
+    </a:ext>
+  </a:extLst>
+</a:theme>
 </file>
 
-<file path=customXml/item2.xml><?xml version="1.0" encoding="utf-8"?>
+<file path=customXml/item1.xml><?xml version="1.0" encoding="utf-8"?>
 <?mso-contentType ?>
 <FormTemplates xmlns="http://schemas.microsoft.com/sharepoint/v3/contenttype/forms">
   <Display>DocumentLibraryForm</Display>
   <Edit>DocumentLibraryForm</Edit>
   <New>DocumentLibraryForm</New>
 </FormTemplates>
+</file>
+
+<file path=customXml/item2.xml><?xml version="1.0" encoding="utf-8"?>
+<p:properties xmlns:p="http://schemas.microsoft.com/office/2006/metadata/properties" xmlns:xsi="http://www.w3.org/2001/XMLSchema-instance" xmlns:pc="http://schemas.microsoft.com/office/infopath/2007/PartnerControls">
+  <documentManagement/>
+</p:properties>
 </file>
 
 <file path=customXml/item3.xml><?xml version="1.0" encoding="utf-8"?>
@@ -9028,6 +9220,14 @@
 </file>
 
 <file path=customXml/itemProps1.xml><?xml version="1.0" encoding="utf-8"?>
+<ds:datastoreItem xmlns:ds="http://schemas.openxmlformats.org/officeDocument/2006/customXml" ds:itemID="{606A4A2F-D536-414F-A6A8-B65706EA048E}">
+  <ds:schemaRefs>
+    <ds:schemaRef ds:uri="http://schemas.microsoft.com/sharepoint/v3/contenttype/forms"/>
+  </ds:schemaRefs>
+</ds:datastoreItem>
+</file>
+
+<file path=customXml/itemProps2.xml><?xml version="1.0" encoding="utf-8"?>
 <ds:datastoreItem xmlns:ds="http://schemas.openxmlformats.org/officeDocument/2006/customXml" ds:itemID="{2C359FA1-DD3A-49D9-8299-D7EB8CDA4CEF}">
   <ds:schemaRefs>
     <ds:schemaRef ds:uri="http://purl.org/dc/elements/1.1/"/>
@@ -9039,14 +9239,6 @@
     <ds:schemaRef ds:uri="http://schemas.microsoft.com/office/infopath/2007/PartnerControls"/>
     <ds:schemaRef ds:uri="239b4775-11ac-4188-ac69-b5b775bb2155"/>
     <ds:schemaRef ds:uri="http://www.w3.org/XML/1998/namespace"/>
-  </ds:schemaRefs>
-</ds:datastoreItem>
-</file>
-
-<file path=customXml/itemProps2.xml><?xml version="1.0" encoding="utf-8"?>
-<ds:datastoreItem xmlns:ds="http://schemas.openxmlformats.org/officeDocument/2006/customXml" ds:itemID="{606A4A2F-D536-414F-A6A8-B65706EA048E}">
-  <ds:schemaRefs>
-    <ds:schemaRef ds:uri="http://schemas.microsoft.com/sharepoint/v3/contenttype/forms"/>
   </ds:schemaRefs>
 </ds:datastoreItem>
 </file>
